--- a/Docs/Interim Presentation.pptx
+++ b/Docs/Interim Presentation.pptx
@@ -4,21 +4,26 @@
   <p:sldMasterIdLst>
     <p:sldMasterId id="2147483712" r:id="rId1"/>
   </p:sldMasterIdLst>
+  <p:notesMasterIdLst>
+    <p:notesMasterId r:id="rId18"/>
+  </p:notesMasterIdLst>
   <p:sldIdLst>
     <p:sldId id="256" r:id="rId2"/>
     <p:sldId id="257" r:id="rId3"/>
-    <p:sldId id="258" r:id="rId4"/>
-    <p:sldId id="267" r:id="rId5"/>
-    <p:sldId id="268" r:id="rId6"/>
-    <p:sldId id="269" r:id="rId7"/>
-    <p:sldId id="270" r:id="rId8"/>
-    <p:sldId id="259" r:id="rId9"/>
-    <p:sldId id="260" r:id="rId10"/>
-    <p:sldId id="261" r:id="rId11"/>
-    <p:sldId id="262" r:id="rId12"/>
-    <p:sldId id="263" r:id="rId13"/>
-    <p:sldId id="265" r:id="rId14"/>
-    <p:sldId id="266" r:id="rId15"/>
+    <p:sldId id="271" r:id="rId4"/>
+    <p:sldId id="258" r:id="rId5"/>
+    <p:sldId id="267" r:id="rId6"/>
+    <p:sldId id="268" r:id="rId7"/>
+    <p:sldId id="272" r:id="rId8"/>
+    <p:sldId id="269" r:id="rId9"/>
+    <p:sldId id="270" r:id="rId10"/>
+    <p:sldId id="259" r:id="rId11"/>
+    <p:sldId id="260" r:id="rId12"/>
+    <p:sldId id="261" r:id="rId13"/>
+    <p:sldId id="262" r:id="rId14"/>
+    <p:sldId id="263" r:id="rId15"/>
+    <p:sldId id="265" r:id="rId16"/>
+    <p:sldId id="266" r:id="rId17"/>
   </p:sldIdLst>
   <p:sldSz cx="12192000" cy="6858000"/>
   <p:notesSz cx="6858000" cy="9144000"/>
@@ -125,23 +130,31 @@
 </p:presentation>
 </file>
 
+<file path=ppt/revisionInfo.xml><?xml version="1.0" encoding="utf-8"?>
+<p1510:revInfo xmlns:a="http://schemas.openxmlformats.org/drawingml/2006/main" xmlns:r="http://schemas.openxmlformats.org/officeDocument/2006/relationships" xmlns:p1510="http://schemas.microsoft.com/office/powerpoint/2015/10/main">
+  <p1510:revLst>
+    <p1510:client id="{895D7940-6A2F-4973-A503-25AFACD83EC8}" v="1" dt="2023-03-07T19:54:25.108"/>
+  </p1510:revLst>
+</p1510:revInfo>
+</file>
+
 <file path=ppt/changesInfos/changesInfo1.xml><?xml version="1.0" encoding="utf-8"?>
 <pc:chgInfo xmlns:a="http://schemas.openxmlformats.org/drawingml/2006/main" xmlns:r="http://schemas.openxmlformats.org/officeDocument/2006/relationships" xmlns:ac="http://schemas.microsoft.com/office/drawing/2013/main/command" xmlns:pc="http://schemas.microsoft.com/office/powerpoint/2013/main/command">
   <pc:docChgLst>
     <pc:chgData name="Clemente Gonzales" userId="0bc2cb185a7af034" providerId="LiveId" clId="{895D7940-6A2F-4973-A503-25AFACD83EC8}"/>
-    <pc:docChg chg="undo custSel addSld delSld modSld">
-      <pc:chgData name="Clemente Gonzales" userId="0bc2cb185a7af034" providerId="LiveId" clId="{895D7940-6A2F-4973-A503-25AFACD83EC8}" dt="2023-03-06T13:31:03.894" v="1342" actId="26606"/>
+    <pc:docChg chg="undo custSel addSld delSld modSld sldOrd">
+      <pc:chgData name="Clemente Gonzales" userId="0bc2cb185a7af034" providerId="LiveId" clId="{895D7940-6A2F-4973-A503-25AFACD83EC8}" dt="2023-03-07T19:59:41.917" v="4718" actId="20577"/>
       <pc:docMkLst>
         <pc:docMk/>
       </pc:docMkLst>
       <pc:sldChg chg="modSp mod">
-        <pc:chgData name="Clemente Gonzales" userId="0bc2cb185a7af034" providerId="LiveId" clId="{895D7940-6A2F-4973-A503-25AFACD83EC8}" dt="2023-03-06T11:47:50.228" v="39" actId="207"/>
+        <pc:chgData name="Clemente Gonzales" userId="0bc2cb185a7af034" providerId="LiveId" clId="{895D7940-6A2F-4973-A503-25AFACD83EC8}" dt="2023-03-07T19:35:29.003" v="1416" actId="20577"/>
         <pc:sldMkLst>
           <pc:docMk/>
           <pc:sldMk cId="2529632479" sldId="256"/>
         </pc:sldMkLst>
         <pc:spChg chg="mod">
-          <ac:chgData name="Clemente Gonzales" userId="0bc2cb185a7af034" providerId="LiveId" clId="{895D7940-6A2F-4973-A503-25AFACD83EC8}" dt="2023-03-06T11:47:50.228" v="39" actId="207"/>
+          <ac:chgData name="Clemente Gonzales" userId="0bc2cb185a7af034" providerId="LiveId" clId="{895D7940-6A2F-4973-A503-25AFACD83EC8}" dt="2023-03-07T19:35:29.003" v="1416" actId="20577"/>
           <ac:spMkLst>
             <pc:docMk/>
             <pc:sldMk cId="2529632479" sldId="256"/>
@@ -149,8 +162,8 @@
           </ac:spMkLst>
         </pc:spChg>
       </pc:sldChg>
-      <pc:sldChg chg="addSp modSp mod setBg">
-        <pc:chgData name="Clemente Gonzales" userId="0bc2cb185a7af034" providerId="LiveId" clId="{895D7940-6A2F-4973-A503-25AFACD83EC8}" dt="2023-03-06T12:41:39.803" v="368" actId="20577"/>
+      <pc:sldChg chg="addSp modSp mod setBg modNotesTx">
+        <pc:chgData name="Clemente Gonzales" userId="0bc2cb185a7af034" providerId="LiveId" clId="{895D7940-6A2F-4973-A503-25AFACD83EC8}" dt="2023-03-07T19:41:48.355" v="1932" actId="20577"/>
         <pc:sldMkLst>
           <pc:docMk/>
           <pc:sldMk cId="3109550933" sldId="257"/>
@@ -164,7 +177,7 @@
           </ac:spMkLst>
         </pc:spChg>
         <pc:spChg chg="mod">
-          <ac:chgData name="Clemente Gonzales" userId="0bc2cb185a7af034" providerId="LiveId" clId="{895D7940-6A2F-4973-A503-25AFACD83EC8}" dt="2023-03-06T12:41:39.803" v="368" actId="20577"/>
+          <ac:chgData name="Clemente Gonzales" userId="0bc2cb185a7af034" providerId="LiveId" clId="{895D7940-6A2F-4973-A503-25AFACD83EC8}" dt="2023-03-07T19:37:58.715" v="1671" actId="20577"/>
           <ac:spMkLst>
             <pc:docMk/>
             <pc:sldMk cId="3109550933" sldId="257"/>
@@ -275,14 +288,14 @@
           </ac:spMkLst>
         </pc:spChg>
       </pc:sldChg>
-      <pc:sldChg chg="modSp mod">
-        <pc:chgData name="Clemente Gonzales" userId="0bc2cb185a7af034" providerId="LiveId" clId="{895D7940-6A2F-4973-A503-25AFACD83EC8}" dt="2023-03-06T12:48:22.379" v="565" actId="20577"/>
+      <pc:sldChg chg="modSp mod modNotesTx">
+        <pc:chgData name="Clemente Gonzales" userId="0bc2cb185a7af034" providerId="LiveId" clId="{895D7940-6A2F-4973-A503-25AFACD83EC8}" dt="2023-03-07T19:54:47.011" v="3925" actId="20577"/>
         <pc:sldMkLst>
           <pc:docMk/>
           <pc:sldMk cId="2997908188" sldId="259"/>
         </pc:sldMkLst>
         <pc:spChg chg="mod">
-          <ac:chgData name="Clemente Gonzales" userId="0bc2cb185a7af034" providerId="LiveId" clId="{895D7940-6A2F-4973-A503-25AFACD83EC8}" dt="2023-03-06T12:48:22.379" v="565" actId="20577"/>
+          <ac:chgData name="Clemente Gonzales" userId="0bc2cb185a7af034" providerId="LiveId" clId="{895D7940-6A2F-4973-A503-25AFACD83EC8}" dt="2023-03-07T19:49:18.372" v="2908"/>
           <ac:spMkLst>
             <pc:docMk/>
             <pc:sldMk cId="2997908188" sldId="259"/>
@@ -290,14 +303,14 @@
           </ac:spMkLst>
         </pc:spChg>
       </pc:sldChg>
-      <pc:sldChg chg="modSp mod">
-        <pc:chgData name="Clemente Gonzales" userId="0bc2cb185a7af034" providerId="LiveId" clId="{895D7940-6A2F-4973-A503-25AFACD83EC8}" dt="2023-03-06T12:48:39.249" v="571" actId="20577"/>
+      <pc:sldChg chg="modSp mod modNotesTx">
+        <pc:chgData name="Clemente Gonzales" userId="0bc2cb185a7af034" providerId="LiveId" clId="{895D7940-6A2F-4973-A503-25AFACD83EC8}" dt="2023-03-07T19:57:06.722" v="4325" actId="20577"/>
         <pc:sldMkLst>
           <pc:docMk/>
           <pc:sldMk cId="2906010196" sldId="260"/>
         </pc:sldMkLst>
         <pc:spChg chg="mod">
-          <ac:chgData name="Clemente Gonzales" userId="0bc2cb185a7af034" providerId="LiveId" clId="{895D7940-6A2F-4973-A503-25AFACD83EC8}" dt="2023-03-06T12:48:39.249" v="571" actId="20577"/>
+          <ac:chgData name="Clemente Gonzales" userId="0bc2cb185a7af034" providerId="LiveId" clId="{895D7940-6A2F-4973-A503-25AFACD83EC8}" dt="2023-03-07T19:56:45.171" v="4255" actId="20577"/>
           <ac:spMkLst>
             <pc:docMk/>
             <pc:sldMk cId="2906010196" sldId="260"/>
@@ -504,8 +517,8 @@
           </ac:picMkLst>
         </pc:picChg>
       </pc:sldChg>
-      <pc:sldChg chg="modSp mod">
-        <pc:chgData name="Clemente Gonzales" userId="0bc2cb185a7af034" providerId="LiveId" clId="{895D7940-6A2F-4973-A503-25AFACD83EC8}" dt="2023-03-06T13:29:00.424" v="1319" actId="20577"/>
+      <pc:sldChg chg="modSp mod modNotesTx">
+        <pc:chgData name="Clemente Gonzales" userId="0bc2cb185a7af034" providerId="LiveId" clId="{895D7940-6A2F-4973-A503-25AFACD83EC8}" dt="2023-03-07T19:59:41.917" v="4718" actId="20577"/>
         <pc:sldMkLst>
           <pc:docMk/>
           <pc:sldMk cId="2370223019" sldId="262"/>
@@ -1443,8 +1456,8 @@
           </ac:spMkLst>
         </pc:spChg>
       </pc:sldChg>
-      <pc:sldChg chg="addSp delSp modSp new mod setBg">
-        <pc:chgData name="Clemente Gonzales" userId="0bc2cb185a7af034" providerId="LiveId" clId="{895D7940-6A2F-4973-A503-25AFACD83EC8}" dt="2023-03-06T12:43:04.077" v="381" actId="26606"/>
+      <pc:sldChg chg="addSp delSp modSp new mod setBg modNotesTx">
+        <pc:chgData name="Clemente Gonzales" userId="0bc2cb185a7af034" providerId="LiveId" clId="{895D7940-6A2F-4973-A503-25AFACD83EC8}" dt="2023-03-07T19:43:52.501" v="2270" actId="20577"/>
         <pc:sldMkLst>
           <pc:docMk/>
           <pc:sldMk cId="3517532055" sldId="267"/>
@@ -2498,8 +2511,8 @@
           </ac:picMkLst>
         </pc:picChg>
       </pc:sldChg>
-      <pc:sldChg chg="addSp delSp modSp add mod">
-        <pc:chgData name="Clemente Gonzales" userId="0bc2cb185a7af034" providerId="LiveId" clId="{895D7940-6A2F-4973-A503-25AFACD83EC8}" dt="2023-03-06T12:43:44.177" v="388" actId="26606"/>
+      <pc:sldChg chg="addSp delSp modSp add mod modNotesTx">
+        <pc:chgData name="Clemente Gonzales" userId="0bc2cb185a7af034" providerId="LiveId" clId="{895D7940-6A2F-4973-A503-25AFACD83EC8}" dt="2023-03-07T19:44:59.479" v="2509" actId="20577"/>
         <pc:sldMkLst>
           <pc:docMk/>
           <pc:sldMk cId="4084343101" sldId="268"/>
@@ -2769,8 +2782,8 @@
           </ac:picMkLst>
         </pc:picChg>
       </pc:sldChg>
-      <pc:sldChg chg="addSp delSp modSp add mod">
-        <pc:chgData name="Clemente Gonzales" userId="0bc2cb185a7af034" providerId="LiveId" clId="{895D7940-6A2F-4973-A503-25AFACD83EC8}" dt="2023-03-06T12:44:35.571" v="399" actId="26606"/>
+      <pc:sldChg chg="addSp delSp modSp add mod modNotesTx">
+        <pc:chgData name="Clemente Gonzales" userId="0bc2cb185a7af034" providerId="LiveId" clId="{895D7940-6A2F-4973-A503-25AFACD83EC8}" dt="2023-03-07T19:48:17.367" v="2903" actId="20577"/>
         <pc:sldMkLst>
           <pc:docMk/>
           <pc:sldMk cId="1761295539" sldId="269"/>
@@ -3223,9 +3236,1632 @@
           </ac:picMkLst>
         </pc:picChg>
       </pc:sldChg>
+      <pc:sldChg chg="addSp delSp modSp new mod ord setBg">
+        <pc:chgData name="Clemente Gonzales" userId="0bc2cb185a7af034" providerId="LiveId" clId="{895D7940-6A2F-4973-A503-25AFACD83EC8}" dt="2023-03-07T19:39:43.499" v="1695"/>
+        <pc:sldMkLst>
+          <pc:docMk/>
+          <pc:sldMk cId="1815576924" sldId="271"/>
+        </pc:sldMkLst>
+        <pc:spChg chg="mod ord">
+          <ac:chgData name="Clemente Gonzales" userId="0bc2cb185a7af034" providerId="LiveId" clId="{895D7940-6A2F-4973-A503-25AFACD83EC8}" dt="2023-03-07T19:39:37.570" v="1693" actId="26606"/>
+          <ac:spMkLst>
+            <pc:docMk/>
+            <pc:sldMk cId="1815576924" sldId="271"/>
+            <ac:spMk id="2" creationId="{FA332F58-3D24-F064-66F6-2F4B3162F7B0}"/>
+          </ac:spMkLst>
+        </pc:spChg>
+        <pc:spChg chg="del">
+          <ac:chgData name="Clemente Gonzales" userId="0bc2cb185a7af034" providerId="LiveId" clId="{895D7940-6A2F-4973-A503-25AFACD83EC8}" dt="2023-03-07T19:39:10.890" v="1673" actId="22"/>
+          <ac:spMkLst>
+            <pc:docMk/>
+            <pc:sldMk cId="1815576924" sldId="271"/>
+            <ac:spMk id="3" creationId="{93EBD7F1-4C5F-A07B-7EF2-4CBA4EAE3575}"/>
+          </ac:spMkLst>
+        </pc:spChg>
+        <pc:spChg chg="add">
+          <ac:chgData name="Clemente Gonzales" userId="0bc2cb185a7af034" providerId="LiveId" clId="{895D7940-6A2F-4973-A503-25AFACD83EC8}" dt="2023-03-07T19:39:37.570" v="1693" actId="26606"/>
+          <ac:spMkLst>
+            <pc:docMk/>
+            <pc:sldMk cId="1815576924" sldId="271"/>
+            <ac:spMk id="10" creationId="{1ED69555-EE48-4B19-812B-4E1068DBF976}"/>
+          </ac:spMkLst>
+        </pc:spChg>
+        <pc:spChg chg="add">
+          <ac:chgData name="Clemente Gonzales" userId="0bc2cb185a7af034" providerId="LiveId" clId="{895D7940-6A2F-4973-A503-25AFACD83EC8}" dt="2023-03-07T19:39:37.570" v="1693" actId="26606"/>
+          <ac:spMkLst>
+            <pc:docMk/>
+            <pc:sldMk cId="1815576924" sldId="271"/>
+            <ac:spMk id="12" creationId="{57AEB73D-F521-4B19-820F-12DB6BCC8406}"/>
+          </ac:spMkLst>
+        </pc:spChg>
+        <pc:spChg chg="add">
+          <ac:chgData name="Clemente Gonzales" userId="0bc2cb185a7af034" providerId="LiveId" clId="{895D7940-6A2F-4973-A503-25AFACD83EC8}" dt="2023-03-07T19:39:37.570" v="1693" actId="26606"/>
+          <ac:spMkLst>
+            <pc:docMk/>
+            <pc:sldMk cId="1815576924" sldId="271"/>
+            <ac:spMk id="14" creationId="{6B72EEBA-3A5D-41CE-8465-A45A0F65674E}"/>
+          </ac:spMkLst>
+        </pc:spChg>
+        <pc:spChg chg="add">
+          <ac:chgData name="Clemente Gonzales" userId="0bc2cb185a7af034" providerId="LiveId" clId="{895D7940-6A2F-4973-A503-25AFACD83EC8}" dt="2023-03-07T19:39:37.570" v="1693" actId="26606"/>
+          <ac:spMkLst>
+            <pc:docMk/>
+            <pc:sldMk cId="1815576924" sldId="271"/>
+            <ac:spMk id="16" creationId="{EA164D6B-6878-4B9F-A2D0-985D39B17B46}"/>
+          </ac:spMkLst>
+        </pc:spChg>
+        <pc:spChg chg="add">
+          <ac:chgData name="Clemente Gonzales" userId="0bc2cb185a7af034" providerId="LiveId" clId="{895D7940-6A2F-4973-A503-25AFACD83EC8}" dt="2023-03-07T19:39:37.570" v="1693" actId="26606"/>
+          <ac:spMkLst>
+            <pc:docMk/>
+            <pc:sldMk cId="1815576924" sldId="271"/>
+            <ac:spMk id="18" creationId="{57851D67-7085-40E2-B146-F91433A28E08}"/>
+          </ac:spMkLst>
+        </pc:spChg>
+        <pc:spChg chg="add">
+          <ac:chgData name="Clemente Gonzales" userId="0bc2cb185a7af034" providerId="LiveId" clId="{895D7940-6A2F-4973-A503-25AFACD83EC8}" dt="2023-03-07T19:39:37.570" v="1693" actId="26606"/>
+          <ac:spMkLst>
+            <pc:docMk/>
+            <pc:sldMk cId="1815576924" sldId="271"/>
+            <ac:spMk id="20" creationId="{362F176A-9349-4CD7-8042-59C0200C8CE9}"/>
+          </ac:spMkLst>
+        </pc:spChg>
+        <pc:spChg chg="add">
+          <ac:chgData name="Clemente Gonzales" userId="0bc2cb185a7af034" providerId="LiveId" clId="{895D7940-6A2F-4973-A503-25AFACD83EC8}" dt="2023-03-07T19:39:37.570" v="1693" actId="26606"/>
+          <ac:spMkLst>
+            <pc:docMk/>
+            <pc:sldMk cId="1815576924" sldId="271"/>
+            <ac:spMk id="22" creationId="{4E9A171F-91A7-42F8-B25C-E38B244E757C}"/>
+          </ac:spMkLst>
+        </pc:spChg>
+        <pc:spChg chg="add">
+          <ac:chgData name="Clemente Gonzales" userId="0bc2cb185a7af034" providerId="LiveId" clId="{895D7940-6A2F-4973-A503-25AFACD83EC8}" dt="2023-03-07T19:39:37.570" v="1693" actId="26606"/>
+          <ac:spMkLst>
+            <pc:docMk/>
+            <pc:sldMk cId="1815576924" sldId="271"/>
+            <ac:spMk id="24" creationId="{064738AB-B6BE-4867-889A-52CE4AC8DBD0}"/>
+          </ac:spMkLst>
+        </pc:spChg>
+        <pc:spChg chg="add">
+          <ac:chgData name="Clemente Gonzales" userId="0bc2cb185a7af034" providerId="LiveId" clId="{895D7940-6A2F-4973-A503-25AFACD83EC8}" dt="2023-03-07T19:39:37.570" v="1693" actId="26606"/>
+          <ac:spMkLst>
+            <pc:docMk/>
+            <pc:sldMk cId="1815576924" sldId="271"/>
+            <ac:spMk id="26" creationId="{9C969C2C-E7E3-4052-87D4-61E733EC1BBD}"/>
+          </ac:spMkLst>
+        </pc:spChg>
+        <pc:spChg chg="add">
+          <ac:chgData name="Clemente Gonzales" userId="0bc2cb185a7af034" providerId="LiveId" clId="{895D7940-6A2F-4973-A503-25AFACD83EC8}" dt="2023-03-07T19:39:37.570" v="1693" actId="26606"/>
+          <ac:spMkLst>
+            <pc:docMk/>
+            <pc:sldMk cId="1815576924" sldId="271"/>
+            <ac:spMk id="28" creationId="{7C60369F-A41B-4D6E-8990-30E2715C5730}"/>
+          </ac:spMkLst>
+        </pc:spChg>
+        <pc:picChg chg="add mod ord">
+          <ac:chgData name="Clemente Gonzales" userId="0bc2cb185a7af034" providerId="LiveId" clId="{895D7940-6A2F-4973-A503-25AFACD83EC8}" dt="2023-03-07T19:39:37.570" v="1693" actId="26606"/>
+          <ac:picMkLst>
+            <pc:docMk/>
+            <pc:sldMk cId="1815576924" sldId="271"/>
+            <ac:picMk id="5" creationId="{B2E6864B-37AB-D220-2B79-B25F314322EC}"/>
+          </ac:picMkLst>
+        </pc:picChg>
+      </pc:sldChg>
+      <pc:sldChg chg="addSp delSp modSp new mod setBg">
+        <pc:chgData name="Clemente Gonzales" userId="0bc2cb185a7af034" providerId="LiveId" clId="{895D7940-6A2F-4973-A503-25AFACD83EC8}" dt="2023-03-07T19:46:09.946" v="2536" actId="20577"/>
+        <pc:sldMkLst>
+          <pc:docMk/>
+          <pc:sldMk cId="3701261906" sldId="272"/>
+        </pc:sldMkLst>
+        <pc:spChg chg="mod ord">
+          <ac:chgData name="Clemente Gonzales" userId="0bc2cb185a7af034" providerId="LiveId" clId="{895D7940-6A2F-4973-A503-25AFACD83EC8}" dt="2023-03-07T19:46:09.946" v="2536" actId="20577"/>
+          <ac:spMkLst>
+            <pc:docMk/>
+            <pc:sldMk cId="3701261906" sldId="272"/>
+            <ac:spMk id="2" creationId="{FA1F750F-99CE-643E-C236-A3C3E7AFA2F1}"/>
+          </ac:spMkLst>
+        </pc:spChg>
+        <pc:spChg chg="del">
+          <ac:chgData name="Clemente Gonzales" userId="0bc2cb185a7af034" providerId="LiveId" clId="{895D7940-6A2F-4973-A503-25AFACD83EC8}" dt="2023-03-07T19:45:36.474" v="2511" actId="22"/>
+          <ac:spMkLst>
+            <pc:docMk/>
+            <pc:sldMk cId="3701261906" sldId="272"/>
+            <ac:spMk id="3" creationId="{013692E2-805E-292B-33B1-9CB0829B3F37}"/>
+          </ac:spMkLst>
+        </pc:spChg>
+        <pc:spChg chg="add">
+          <ac:chgData name="Clemente Gonzales" userId="0bc2cb185a7af034" providerId="LiveId" clId="{895D7940-6A2F-4973-A503-25AFACD83EC8}" dt="2023-03-07T19:46:02.081" v="2512" actId="26606"/>
+          <ac:spMkLst>
+            <pc:docMk/>
+            <pc:sldMk cId="3701261906" sldId="272"/>
+            <ac:spMk id="10" creationId="{1ED69555-EE48-4B19-812B-4E1068DBF976}"/>
+          </ac:spMkLst>
+        </pc:spChg>
+        <pc:spChg chg="add">
+          <ac:chgData name="Clemente Gonzales" userId="0bc2cb185a7af034" providerId="LiveId" clId="{895D7940-6A2F-4973-A503-25AFACD83EC8}" dt="2023-03-07T19:46:02.081" v="2512" actId="26606"/>
+          <ac:spMkLst>
+            <pc:docMk/>
+            <pc:sldMk cId="3701261906" sldId="272"/>
+            <ac:spMk id="12" creationId="{57AEB73D-F521-4B19-820F-12DB6BCC8406}"/>
+          </ac:spMkLst>
+        </pc:spChg>
+        <pc:spChg chg="add">
+          <ac:chgData name="Clemente Gonzales" userId="0bc2cb185a7af034" providerId="LiveId" clId="{895D7940-6A2F-4973-A503-25AFACD83EC8}" dt="2023-03-07T19:46:02.081" v="2512" actId="26606"/>
+          <ac:spMkLst>
+            <pc:docMk/>
+            <pc:sldMk cId="3701261906" sldId="272"/>
+            <ac:spMk id="14" creationId="{6B72EEBA-3A5D-41CE-8465-A45A0F65674E}"/>
+          </ac:spMkLst>
+        </pc:spChg>
+        <pc:spChg chg="add">
+          <ac:chgData name="Clemente Gonzales" userId="0bc2cb185a7af034" providerId="LiveId" clId="{895D7940-6A2F-4973-A503-25AFACD83EC8}" dt="2023-03-07T19:46:02.081" v="2512" actId="26606"/>
+          <ac:spMkLst>
+            <pc:docMk/>
+            <pc:sldMk cId="3701261906" sldId="272"/>
+            <ac:spMk id="16" creationId="{EA164D6B-6878-4B9F-A2D0-985D39B17B46}"/>
+          </ac:spMkLst>
+        </pc:spChg>
+        <pc:spChg chg="add">
+          <ac:chgData name="Clemente Gonzales" userId="0bc2cb185a7af034" providerId="LiveId" clId="{895D7940-6A2F-4973-A503-25AFACD83EC8}" dt="2023-03-07T19:46:02.081" v="2512" actId="26606"/>
+          <ac:spMkLst>
+            <pc:docMk/>
+            <pc:sldMk cId="3701261906" sldId="272"/>
+            <ac:spMk id="18" creationId="{57851D67-7085-40E2-B146-F91433A28E08}"/>
+          </ac:spMkLst>
+        </pc:spChg>
+        <pc:spChg chg="add">
+          <ac:chgData name="Clemente Gonzales" userId="0bc2cb185a7af034" providerId="LiveId" clId="{895D7940-6A2F-4973-A503-25AFACD83EC8}" dt="2023-03-07T19:46:02.081" v="2512" actId="26606"/>
+          <ac:spMkLst>
+            <pc:docMk/>
+            <pc:sldMk cId="3701261906" sldId="272"/>
+            <ac:spMk id="20" creationId="{362F176A-9349-4CD7-8042-59C0200C8CE9}"/>
+          </ac:spMkLst>
+        </pc:spChg>
+        <pc:spChg chg="add">
+          <ac:chgData name="Clemente Gonzales" userId="0bc2cb185a7af034" providerId="LiveId" clId="{895D7940-6A2F-4973-A503-25AFACD83EC8}" dt="2023-03-07T19:46:02.081" v="2512" actId="26606"/>
+          <ac:spMkLst>
+            <pc:docMk/>
+            <pc:sldMk cId="3701261906" sldId="272"/>
+            <ac:spMk id="22" creationId="{4E9A171F-91A7-42F8-B25C-E38B244E757C}"/>
+          </ac:spMkLst>
+        </pc:spChg>
+        <pc:spChg chg="add">
+          <ac:chgData name="Clemente Gonzales" userId="0bc2cb185a7af034" providerId="LiveId" clId="{895D7940-6A2F-4973-A503-25AFACD83EC8}" dt="2023-03-07T19:46:02.081" v="2512" actId="26606"/>
+          <ac:spMkLst>
+            <pc:docMk/>
+            <pc:sldMk cId="3701261906" sldId="272"/>
+            <ac:spMk id="24" creationId="{064738AB-B6BE-4867-889A-52CE4AC8DBD0}"/>
+          </ac:spMkLst>
+        </pc:spChg>
+        <pc:spChg chg="add">
+          <ac:chgData name="Clemente Gonzales" userId="0bc2cb185a7af034" providerId="LiveId" clId="{895D7940-6A2F-4973-A503-25AFACD83EC8}" dt="2023-03-07T19:46:02.081" v="2512" actId="26606"/>
+          <ac:spMkLst>
+            <pc:docMk/>
+            <pc:sldMk cId="3701261906" sldId="272"/>
+            <ac:spMk id="26" creationId="{9C969C2C-E7E3-4052-87D4-61E733EC1BBD}"/>
+          </ac:spMkLst>
+        </pc:spChg>
+        <pc:spChg chg="add">
+          <ac:chgData name="Clemente Gonzales" userId="0bc2cb185a7af034" providerId="LiveId" clId="{895D7940-6A2F-4973-A503-25AFACD83EC8}" dt="2023-03-07T19:46:02.081" v="2512" actId="26606"/>
+          <ac:spMkLst>
+            <pc:docMk/>
+            <pc:sldMk cId="3701261906" sldId="272"/>
+            <ac:spMk id="28" creationId="{7C60369F-A41B-4D6E-8990-30E2715C5730}"/>
+          </ac:spMkLst>
+        </pc:spChg>
+        <pc:picChg chg="add mod ord">
+          <ac:chgData name="Clemente Gonzales" userId="0bc2cb185a7af034" providerId="LiveId" clId="{895D7940-6A2F-4973-A503-25AFACD83EC8}" dt="2023-03-07T19:46:02.081" v="2512" actId="26606"/>
+          <ac:picMkLst>
+            <pc:docMk/>
+            <pc:sldMk cId="3701261906" sldId="272"/>
+            <ac:picMk id="5" creationId="{E8D805F6-EB1D-0D46-C216-771D48AA42F7}"/>
+          </ac:picMkLst>
+        </pc:picChg>
+      </pc:sldChg>
     </pc:docChg>
   </pc:docChgLst>
 </pc:chgInfo>
+</file>
+
+<file path=ppt/notesMasters/notesMaster1.xml><?xml version="1.0" encoding="utf-8"?>
+<p:notesMaster xmlns:a="http://schemas.openxmlformats.org/drawingml/2006/main" xmlns:r="http://schemas.openxmlformats.org/officeDocument/2006/relationships" xmlns:p="http://schemas.openxmlformats.org/presentationml/2006/main">
+  <p:cSld>
+    <p:bg>
+      <p:bgRef idx="1001">
+        <a:schemeClr val="bg1"/>
+      </p:bgRef>
+    </p:bg>
+    <p:spTree>
+      <p:nvGrpSpPr>
+        <p:cNvPr id="1" name=""/>
+        <p:cNvGrpSpPr/>
+        <p:nvPr/>
+      </p:nvGrpSpPr>
+      <p:grpSpPr>
+        <a:xfrm>
+          <a:off x="0" y="0"/>
+          <a:ext cx="0" cy="0"/>
+          <a:chOff x="0" y="0"/>
+          <a:chExt cx="0" cy="0"/>
+        </a:xfrm>
+      </p:grpSpPr>
+      <p:sp>
+        <p:nvSpPr>
+          <p:cNvPr id="2" name="Header Placeholder 1"/>
+          <p:cNvSpPr>
+            <a:spLocks noGrp="1"/>
+          </p:cNvSpPr>
+          <p:nvPr>
+            <p:ph type="hdr" sz="quarter"/>
+          </p:nvPr>
+        </p:nvSpPr>
+        <p:spPr>
+          <a:xfrm>
+            <a:off x="0" y="0"/>
+            <a:ext cx="2971800" cy="458788"/>
+          </a:xfrm>
+          <a:prstGeom prst="rect">
+            <a:avLst/>
+          </a:prstGeom>
+        </p:spPr>
+        <p:txBody>
+          <a:bodyPr vert="horz" lIns="91440" tIns="45720" rIns="91440" bIns="45720" rtlCol="0"/>
+          <a:lstStyle>
+            <a:lvl1pPr algn="l">
+              <a:defRPr sz="1200"/>
+            </a:lvl1pPr>
+          </a:lstStyle>
+          <a:p>
+            <a:endParaRPr lang="en-GB"/>
+          </a:p>
+        </p:txBody>
+      </p:sp>
+      <p:sp>
+        <p:nvSpPr>
+          <p:cNvPr id="3" name="Date Placeholder 2"/>
+          <p:cNvSpPr>
+            <a:spLocks noGrp="1"/>
+          </p:cNvSpPr>
+          <p:nvPr>
+            <p:ph type="dt" idx="1"/>
+          </p:nvPr>
+        </p:nvSpPr>
+        <p:spPr>
+          <a:xfrm>
+            <a:off x="3884613" y="0"/>
+            <a:ext cx="2971800" cy="458788"/>
+          </a:xfrm>
+          <a:prstGeom prst="rect">
+            <a:avLst/>
+          </a:prstGeom>
+        </p:spPr>
+        <p:txBody>
+          <a:bodyPr vert="horz" lIns="91440" tIns="45720" rIns="91440" bIns="45720" rtlCol="0"/>
+          <a:lstStyle>
+            <a:lvl1pPr algn="r">
+              <a:defRPr sz="1200"/>
+            </a:lvl1pPr>
+          </a:lstStyle>
+          <a:p>
+            <a:fld id="{44920CA6-C65A-42F7-A541-41C99E5884C5}" type="datetimeFigureOut">
+              <a:rPr lang="en-GB" smtClean="0"/>
+              <a:t>07/03/2023</a:t>
+            </a:fld>
+            <a:endParaRPr lang="en-GB"/>
+          </a:p>
+        </p:txBody>
+      </p:sp>
+      <p:sp>
+        <p:nvSpPr>
+          <p:cNvPr id="4" name="Slide Image Placeholder 3"/>
+          <p:cNvSpPr>
+            <a:spLocks noGrp="1" noRot="1" noChangeAspect="1"/>
+          </p:cNvSpPr>
+          <p:nvPr>
+            <p:ph type="sldImg" idx="2"/>
+          </p:nvPr>
+        </p:nvSpPr>
+        <p:spPr>
+          <a:xfrm>
+            <a:off x="685800" y="1143000"/>
+            <a:ext cx="5486400" cy="3086100"/>
+          </a:xfrm>
+          <a:prstGeom prst="rect">
+            <a:avLst/>
+          </a:prstGeom>
+          <a:noFill/>
+          <a:ln w="12700">
+            <a:solidFill>
+              <a:prstClr val="black"/>
+            </a:solidFill>
+          </a:ln>
+        </p:spPr>
+        <p:txBody>
+          <a:bodyPr vert="horz" lIns="91440" tIns="45720" rIns="91440" bIns="45720" rtlCol="0" anchor="ctr"/>
+          <a:lstStyle/>
+          <a:p>
+            <a:endParaRPr lang="en-GB"/>
+          </a:p>
+        </p:txBody>
+      </p:sp>
+      <p:sp>
+        <p:nvSpPr>
+          <p:cNvPr id="5" name="Notes Placeholder 4"/>
+          <p:cNvSpPr>
+            <a:spLocks noGrp="1"/>
+          </p:cNvSpPr>
+          <p:nvPr>
+            <p:ph type="body" sz="quarter" idx="3"/>
+          </p:nvPr>
+        </p:nvSpPr>
+        <p:spPr>
+          <a:xfrm>
+            <a:off x="685800" y="4400550"/>
+            <a:ext cx="5486400" cy="3600450"/>
+          </a:xfrm>
+          <a:prstGeom prst="rect">
+            <a:avLst/>
+          </a:prstGeom>
+        </p:spPr>
+        <p:txBody>
+          <a:bodyPr vert="horz" lIns="91440" tIns="45720" rIns="91440" bIns="45720" rtlCol="0"/>
+          <a:lstStyle/>
+          <a:p>
+            <a:pPr lvl="0"/>
+            <a:r>
+              <a:rPr lang="en-US"/>
+              <a:t>Click to edit Master text styles</a:t>
+            </a:r>
+          </a:p>
+          <a:p>
+            <a:pPr lvl="1"/>
+            <a:r>
+              <a:rPr lang="en-US"/>
+              <a:t>Second level</a:t>
+            </a:r>
+          </a:p>
+          <a:p>
+            <a:pPr lvl="2"/>
+            <a:r>
+              <a:rPr lang="en-US"/>
+              <a:t>Third level</a:t>
+            </a:r>
+          </a:p>
+          <a:p>
+            <a:pPr lvl="3"/>
+            <a:r>
+              <a:rPr lang="en-US"/>
+              <a:t>Fourth level</a:t>
+            </a:r>
+          </a:p>
+          <a:p>
+            <a:pPr lvl="4"/>
+            <a:r>
+              <a:rPr lang="en-US"/>
+              <a:t>Fifth level</a:t>
+            </a:r>
+            <a:endParaRPr lang="en-GB"/>
+          </a:p>
+        </p:txBody>
+      </p:sp>
+      <p:sp>
+        <p:nvSpPr>
+          <p:cNvPr id="6" name="Footer Placeholder 5"/>
+          <p:cNvSpPr>
+            <a:spLocks noGrp="1"/>
+          </p:cNvSpPr>
+          <p:nvPr>
+            <p:ph type="ftr" sz="quarter" idx="4"/>
+          </p:nvPr>
+        </p:nvSpPr>
+        <p:spPr>
+          <a:xfrm>
+            <a:off x="0" y="8685213"/>
+            <a:ext cx="2971800" cy="458787"/>
+          </a:xfrm>
+          <a:prstGeom prst="rect">
+            <a:avLst/>
+          </a:prstGeom>
+        </p:spPr>
+        <p:txBody>
+          <a:bodyPr vert="horz" lIns="91440" tIns="45720" rIns="91440" bIns="45720" rtlCol="0" anchor="b"/>
+          <a:lstStyle>
+            <a:lvl1pPr algn="l">
+              <a:defRPr sz="1200"/>
+            </a:lvl1pPr>
+          </a:lstStyle>
+          <a:p>
+            <a:endParaRPr lang="en-GB"/>
+          </a:p>
+        </p:txBody>
+      </p:sp>
+      <p:sp>
+        <p:nvSpPr>
+          <p:cNvPr id="7" name="Slide Number Placeholder 6"/>
+          <p:cNvSpPr>
+            <a:spLocks noGrp="1"/>
+          </p:cNvSpPr>
+          <p:nvPr>
+            <p:ph type="sldNum" sz="quarter" idx="5"/>
+          </p:nvPr>
+        </p:nvSpPr>
+        <p:spPr>
+          <a:xfrm>
+            <a:off x="3884613" y="8685213"/>
+            <a:ext cx="2971800" cy="458787"/>
+          </a:xfrm>
+          <a:prstGeom prst="rect">
+            <a:avLst/>
+          </a:prstGeom>
+        </p:spPr>
+        <p:txBody>
+          <a:bodyPr vert="horz" lIns="91440" tIns="45720" rIns="91440" bIns="45720" rtlCol="0" anchor="b"/>
+          <a:lstStyle>
+            <a:lvl1pPr algn="r">
+              <a:defRPr sz="1200"/>
+            </a:lvl1pPr>
+          </a:lstStyle>
+          <a:p>
+            <a:fld id="{75DD62ED-B27C-4D67-8CAC-08D94EEA27E8}" type="slidenum">
+              <a:rPr lang="en-GB" smtClean="0"/>
+              <a:t>‹#›</a:t>
+            </a:fld>
+            <a:endParaRPr lang="en-GB"/>
+          </a:p>
+        </p:txBody>
+      </p:sp>
+    </p:spTree>
+    <p:extLst>
+      <p:ext uri="{BB962C8B-B14F-4D97-AF65-F5344CB8AC3E}">
+        <p14:creationId xmlns:p14="http://schemas.microsoft.com/office/powerpoint/2010/main" val="1729775956"/>
+      </p:ext>
+    </p:extLst>
+  </p:cSld>
+  <p:clrMap bg1="lt1" tx1="dk1" bg2="lt2" tx2="dk2" accent1="accent1" accent2="accent2" accent3="accent3" accent4="accent4" accent5="accent5" accent6="accent6" hlink="hlink" folHlink="folHlink"/>
+  <p:notesStyle>
+    <a:lvl1pPr marL="0" algn="l" defTabSz="914400" rtl="0" eaLnBrk="1" latinLnBrk="0" hangingPunct="1">
+      <a:defRPr sz="1200" kern="1200">
+        <a:solidFill>
+          <a:schemeClr val="tx1"/>
+        </a:solidFill>
+        <a:latin typeface="+mn-lt"/>
+        <a:ea typeface="+mn-ea"/>
+        <a:cs typeface="+mn-cs"/>
+      </a:defRPr>
+    </a:lvl1pPr>
+    <a:lvl2pPr marL="457200" algn="l" defTabSz="914400" rtl="0" eaLnBrk="1" latinLnBrk="0" hangingPunct="1">
+      <a:defRPr sz="1200" kern="1200">
+        <a:solidFill>
+          <a:schemeClr val="tx1"/>
+        </a:solidFill>
+        <a:latin typeface="+mn-lt"/>
+        <a:ea typeface="+mn-ea"/>
+        <a:cs typeface="+mn-cs"/>
+      </a:defRPr>
+    </a:lvl2pPr>
+    <a:lvl3pPr marL="914400" algn="l" defTabSz="914400" rtl="0" eaLnBrk="1" latinLnBrk="0" hangingPunct="1">
+      <a:defRPr sz="1200" kern="1200">
+        <a:solidFill>
+          <a:schemeClr val="tx1"/>
+        </a:solidFill>
+        <a:latin typeface="+mn-lt"/>
+        <a:ea typeface="+mn-ea"/>
+        <a:cs typeface="+mn-cs"/>
+      </a:defRPr>
+    </a:lvl3pPr>
+    <a:lvl4pPr marL="1371600" algn="l" defTabSz="914400" rtl="0" eaLnBrk="1" latinLnBrk="0" hangingPunct="1">
+      <a:defRPr sz="1200" kern="1200">
+        <a:solidFill>
+          <a:schemeClr val="tx1"/>
+        </a:solidFill>
+        <a:latin typeface="+mn-lt"/>
+        <a:ea typeface="+mn-ea"/>
+        <a:cs typeface="+mn-cs"/>
+      </a:defRPr>
+    </a:lvl4pPr>
+    <a:lvl5pPr marL="1828800" algn="l" defTabSz="914400" rtl="0" eaLnBrk="1" latinLnBrk="0" hangingPunct="1">
+      <a:defRPr sz="1200" kern="1200">
+        <a:solidFill>
+          <a:schemeClr val="tx1"/>
+        </a:solidFill>
+        <a:latin typeface="+mn-lt"/>
+        <a:ea typeface="+mn-ea"/>
+        <a:cs typeface="+mn-cs"/>
+      </a:defRPr>
+    </a:lvl5pPr>
+    <a:lvl6pPr marL="2286000" algn="l" defTabSz="914400" rtl="0" eaLnBrk="1" latinLnBrk="0" hangingPunct="1">
+      <a:defRPr sz="1200" kern="1200">
+        <a:solidFill>
+          <a:schemeClr val="tx1"/>
+        </a:solidFill>
+        <a:latin typeface="+mn-lt"/>
+        <a:ea typeface="+mn-ea"/>
+        <a:cs typeface="+mn-cs"/>
+      </a:defRPr>
+    </a:lvl6pPr>
+    <a:lvl7pPr marL="2743200" algn="l" defTabSz="914400" rtl="0" eaLnBrk="1" latinLnBrk="0" hangingPunct="1">
+      <a:defRPr sz="1200" kern="1200">
+        <a:solidFill>
+          <a:schemeClr val="tx1"/>
+        </a:solidFill>
+        <a:latin typeface="+mn-lt"/>
+        <a:ea typeface="+mn-ea"/>
+        <a:cs typeface="+mn-cs"/>
+      </a:defRPr>
+    </a:lvl7pPr>
+    <a:lvl8pPr marL="3200400" algn="l" defTabSz="914400" rtl="0" eaLnBrk="1" latinLnBrk="0" hangingPunct="1">
+      <a:defRPr sz="1200" kern="1200">
+        <a:solidFill>
+          <a:schemeClr val="tx1"/>
+        </a:solidFill>
+        <a:latin typeface="+mn-lt"/>
+        <a:ea typeface="+mn-ea"/>
+        <a:cs typeface="+mn-cs"/>
+      </a:defRPr>
+    </a:lvl8pPr>
+    <a:lvl9pPr marL="3657600" algn="l" defTabSz="914400" rtl="0" eaLnBrk="1" latinLnBrk="0" hangingPunct="1">
+      <a:defRPr sz="1200" kern="1200">
+        <a:solidFill>
+          <a:schemeClr val="tx1"/>
+        </a:solidFill>
+        <a:latin typeface="+mn-lt"/>
+        <a:ea typeface="+mn-ea"/>
+        <a:cs typeface="+mn-cs"/>
+      </a:defRPr>
+    </a:lvl9pPr>
+  </p:notesStyle>
+</p:notesMaster>
+</file>
+
+<file path=ppt/notesSlides/notesSlide1.xml><?xml version="1.0" encoding="utf-8"?>
+<p:notes xmlns:a="http://schemas.openxmlformats.org/drawingml/2006/main" xmlns:r="http://schemas.openxmlformats.org/officeDocument/2006/relationships" xmlns:p="http://schemas.openxmlformats.org/presentationml/2006/main">
+  <p:cSld>
+    <p:spTree>
+      <p:nvGrpSpPr>
+        <p:cNvPr id="1" name=""/>
+        <p:cNvGrpSpPr/>
+        <p:nvPr/>
+      </p:nvGrpSpPr>
+      <p:grpSpPr>
+        <a:xfrm>
+          <a:off x="0" y="0"/>
+          <a:ext cx="0" cy="0"/>
+          <a:chOff x="0" y="0"/>
+          <a:chExt cx="0" cy="0"/>
+        </a:xfrm>
+      </p:grpSpPr>
+      <p:sp>
+        <p:nvSpPr>
+          <p:cNvPr id="2" name="Slide Image Placeholder 1"/>
+          <p:cNvSpPr>
+            <a:spLocks noGrp="1" noRot="1" noChangeAspect="1"/>
+          </p:cNvSpPr>
+          <p:nvPr>
+            <p:ph type="sldImg"/>
+          </p:nvPr>
+        </p:nvSpPr>
+        <p:spPr/>
+      </p:sp>
+      <p:sp>
+        <p:nvSpPr>
+          <p:cNvPr id="3" name="Notes Placeholder 2"/>
+          <p:cNvSpPr>
+            <a:spLocks noGrp="1"/>
+          </p:cNvSpPr>
+          <p:nvPr>
+            <p:ph type="body" idx="1"/>
+          </p:nvPr>
+        </p:nvSpPr>
+        <p:spPr/>
+        <p:txBody>
+          <a:bodyPr/>
+          <a:lstStyle/>
+          <a:p>
+            <a:r>
+              <a:rPr lang="en-GB" dirty="0"/>
+              <a:t>Using the MERN Stack, more on this later</a:t>
+            </a:r>
+          </a:p>
+          <a:p>
+            <a:endParaRPr lang="en-GB" dirty="0"/>
+          </a:p>
+          <a:p>
+            <a:r>
+              <a:rPr lang="en-GB" dirty="0"/>
+              <a:t>A notes taking app similar to that of Notion or Evernote</a:t>
+            </a:r>
+          </a:p>
+          <a:p>
+            <a:endParaRPr lang="en-GB" dirty="0"/>
+          </a:p>
+          <a:p>
+            <a:r>
+              <a:rPr lang="en-GB" dirty="0"/>
+              <a:t>App should be user friendly in design, and will be discussed on later on</a:t>
+            </a:r>
+          </a:p>
+          <a:p>
+            <a:endParaRPr lang="en-GB" dirty="0"/>
+          </a:p>
+          <a:p>
+            <a:r>
+              <a:rPr lang="en-GB" dirty="0"/>
+              <a:t>OCR – Optical Character Recognition</a:t>
+            </a:r>
+          </a:p>
+          <a:p>
+            <a:r>
+              <a:rPr lang="en-GB" dirty="0"/>
+              <a:t>Which is when a person can send an image containing text to a program, and retrieve the words and letters and the program can give it back to the user</a:t>
+            </a:r>
+          </a:p>
+          <a:p>
+            <a:r>
+              <a:rPr lang="en-GB" dirty="0"/>
+              <a:t>For example it can be seen in google translate, where it can read and translate the text</a:t>
+            </a:r>
+          </a:p>
+        </p:txBody>
+      </p:sp>
+      <p:sp>
+        <p:nvSpPr>
+          <p:cNvPr id="4" name="Slide Number Placeholder 3"/>
+          <p:cNvSpPr>
+            <a:spLocks noGrp="1"/>
+          </p:cNvSpPr>
+          <p:nvPr>
+            <p:ph type="sldNum" sz="quarter" idx="5"/>
+          </p:nvPr>
+        </p:nvSpPr>
+        <p:spPr/>
+        <p:txBody>
+          <a:bodyPr/>
+          <a:lstStyle/>
+          <a:p>
+            <a:fld id="{75DD62ED-B27C-4D67-8CAC-08D94EEA27E8}" type="slidenum">
+              <a:rPr lang="en-GB" smtClean="0"/>
+              <a:t>2</a:t>
+            </a:fld>
+            <a:endParaRPr lang="en-GB"/>
+          </a:p>
+        </p:txBody>
+      </p:sp>
+    </p:spTree>
+    <p:extLst>
+      <p:ext uri="{BB962C8B-B14F-4D97-AF65-F5344CB8AC3E}">
+        <p14:creationId xmlns:p14="http://schemas.microsoft.com/office/powerpoint/2010/main" val="910273614"/>
+      </p:ext>
+    </p:extLst>
+  </p:cSld>
+  <p:clrMapOvr>
+    <a:masterClrMapping/>
+  </p:clrMapOvr>
+</p:notes>
+</file>
+
+<file path=ppt/notesSlides/notesSlide2.xml><?xml version="1.0" encoding="utf-8"?>
+<p:notes xmlns:a="http://schemas.openxmlformats.org/drawingml/2006/main" xmlns:r="http://schemas.openxmlformats.org/officeDocument/2006/relationships" xmlns:p="http://schemas.openxmlformats.org/presentationml/2006/main">
+  <p:cSld>
+    <p:spTree>
+      <p:nvGrpSpPr>
+        <p:cNvPr id="1" name=""/>
+        <p:cNvGrpSpPr/>
+        <p:nvPr/>
+      </p:nvGrpSpPr>
+      <p:grpSpPr>
+        <a:xfrm>
+          <a:off x="0" y="0"/>
+          <a:ext cx="0" cy="0"/>
+          <a:chOff x="0" y="0"/>
+          <a:chExt cx="0" cy="0"/>
+        </a:xfrm>
+      </p:grpSpPr>
+      <p:sp>
+        <p:nvSpPr>
+          <p:cNvPr id="2" name="Slide Image Placeholder 1"/>
+          <p:cNvSpPr>
+            <a:spLocks noGrp="1" noRot="1" noChangeAspect="1"/>
+          </p:cNvSpPr>
+          <p:nvPr>
+            <p:ph type="sldImg"/>
+          </p:nvPr>
+        </p:nvSpPr>
+        <p:spPr/>
+      </p:sp>
+      <p:sp>
+        <p:nvSpPr>
+          <p:cNvPr id="3" name="Notes Placeholder 2"/>
+          <p:cNvSpPr>
+            <a:spLocks noGrp="1"/>
+          </p:cNvSpPr>
+          <p:nvPr>
+            <p:ph type="body" idx="1"/>
+          </p:nvPr>
+        </p:nvSpPr>
+        <p:spPr/>
+        <p:txBody>
+          <a:bodyPr/>
+          <a:lstStyle/>
+          <a:p>
+            <a:r>
+              <a:rPr lang="en-GB" dirty="0"/>
+              <a:t>Notion is a notes taking app</a:t>
+            </a:r>
+          </a:p>
+          <a:p>
+            <a:r>
+              <a:rPr lang="en-GB" dirty="0"/>
+              <a:t>Lot of features, such as sort, to-do list and rich text editor that allows users to customize their notes</a:t>
+            </a:r>
+          </a:p>
+          <a:p>
+            <a:endParaRPr lang="en-GB" dirty="0"/>
+          </a:p>
+          <a:p>
+            <a:r>
+              <a:rPr lang="en-GB" dirty="0"/>
+              <a:t>One downside about notion, is that a lot of users from the interviews thought it contained a slightly confusing UI</a:t>
+            </a:r>
+          </a:p>
+        </p:txBody>
+      </p:sp>
+      <p:sp>
+        <p:nvSpPr>
+          <p:cNvPr id="4" name="Slide Number Placeholder 3"/>
+          <p:cNvSpPr>
+            <a:spLocks noGrp="1"/>
+          </p:cNvSpPr>
+          <p:nvPr>
+            <p:ph type="sldNum" sz="quarter" idx="5"/>
+          </p:nvPr>
+        </p:nvSpPr>
+        <p:spPr/>
+        <p:txBody>
+          <a:bodyPr/>
+          <a:lstStyle/>
+          <a:p>
+            <a:fld id="{75DD62ED-B27C-4D67-8CAC-08D94EEA27E8}" type="slidenum">
+              <a:rPr lang="en-GB" smtClean="0"/>
+              <a:t>5</a:t>
+            </a:fld>
+            <a:endParaRPr lang="en-GB"/>
+          </a:p>
+        </p:txBody>
+      </p:sp>
+    </p:spTree>
+    <p:extLst>
+      <p:ext uri="{BB962C8B-B14F-4D97-AF65-F5344CB8AC3E}">
+        <p14:creationId xmlns:p14="http://schemas.microsoft.com/office/powerpoint/2010/main" val="3912822973"/>
+      </p:ext>
+    </p:extLst>
+  </p:cSld>
+  <p:clrMapOvr>
+    <a:masterClrMapping/>
+  </p:clrMapOvr>
+</p:notes>
+</file>
+
+<file path=ppt/notesSlides/notesSlide3.xml><?xml version="1.0" encoding="utf-8"?>
+<p:notes xmlns:a="http://schemas.openxmlformats.org/drawingml/2006/main" xmlns:r="http://schemas.openxmlformats.org/officeDocument/2006/relationships" xmlns:p="http://schemas.openxmlformats.org/presentationml/2006/main">
+  <p:cSld>
+    <p:spTree>
+      <p:nvGrpSpPr>
+        <p:cNvPr id="1" name=""/>
+        <p:cNvGrpSpPr/>
+        <p:nvPr/>
+      </p:nvGrpSpPr>
+      <p:grpSpPr>
+        <a:xfrm>
+          <a:off x="0" y="0"/>
+          <a:ext cx="0" cy="0"/>
+          <a:chOff x="0" y="0"/>
+          <a:chExt cx="0" cy="0"/>
+        </a:xfrm>
+      </p:grpSpPr>
+      <p:sp>
+        <p:nvSpPr>
+          <p:cNvPr id="2" name="Slide Image Placeholder 1"/>
+          <p:cNvSpPr>
+            <a:spLocks noGrp="1" noRot="1" noChangeAspect="1"/>
+          </p:cNvSpPr>
+          <p:nvPr>
+            <p:ph type="sldImg"/>
+          </p:nvPr>
+        </p:nvSpPr>
+        <p:spPr/>
+      </p:sp>
+      <p:sp>
+        <p:nvSpPr>
+          <p:cNvPr id="3" name="Notes Placeholder 2"/>
+          <p:cNvSpPr>
+            <a:spLocks noGrp="1"/>
+          </p:cNvSpPr>
+          <p:nvPr>
+            <p:ph type="body" idx="1"/>
+          </p:nvPr>
+        </p:nvSpPr>
+        <p:spPr/>
+        <p:txBody>
+          <a:bodyPr/>
+          <a:lstStyle/>
+          <a:p>
+            <a:r>
+              <a:rPr lang="en-GB" dirty="0"/>
+              <a:t>Similar to notion where you can take notes</a:t>
+            </a:r>
+          </a:p>
+          <a:p>
+            <a:r>
+              <a:rPr lang="en-GB" dirty="0"/>
+              <a:t>More of a to-do list app, that google has</a:t>
+            </a:r>
+          </a:p>
+          <a:p>
+            <a:endParaRPr lang="en-GB" dirty="0"/>
+          </a:p>
+          <a:p>
+            <a:r>
+              <a:rPr lang="en-GB" dirty="0"/>
+              <a:t>Not as deep of a notes taking app as notion</a:t>
+            </a:r>
+          </a:p>
+          <a:p>
+            <a:endParaRPr lang="en-GB" dirty="0"/>
+          </a:p>
+          <a:p>
+            <a:r>
+              <a:rPr lang="en-GB" dirty="0"/>
+              <a:t>One cool thing about google keep is that it actually contains OCR functionalities</a:t>
+            </a:r>
+          </a:p>
+          <a:p>
+            <a:endParaRPr lang="en-GB" dirty="0"/>
+          </a:p>
+        </p:txBody>
+      </p:sp>
+      <p:sp>
+        <p:nvSpPr>
+          <p:cNvPr id="4" name="Slide Number Placeholder 3"/>
+          <p:cNvSpPr>
+            <a:spLocks noGrp="1"/>
+          </p:cNvSpPr>
+          <p:nvPr>
+            <p:ph type="sldNum" sz="quarter" idx="5"/>
+          </p:nvPr>
+        </p:nvSpPr>
+        <p:spPr/>
+        <p:txBody>
+          <a:bodyPr/>
+          <a:lstStyle/>
+          <a:p>
+            <a:fld id="{75DD62ED-B27C-4D67-8CAC-08D94EEA27E8}" type="slidenum">
+              <a:rPr lang="en-GB" smtClean="0"/>
+              <a:t>6</a:t>
+            </a:fld>
+            <a:endParaRPr lang="en-GB"/>
+          </a:p>
+        </p:txBody>
+      </p:sp>
+    </p:spTree>
+    <p:extLst>
+      <p:ext uri="{BB962C8B-B14F-4D97-AF65-F5344CB8AC3E}">
+        <p14:creationId xmlns:p14="http://schemas.microsoft.com/office/powerpoint/2010/main" val="96307187"/>
+      </p:ext>
+    </p:extLst>
+  </p:cSld>
+  <p:clrMapOvr>
+    <a:masterClrMapping/>
+  </p:clrMapOvr>
+</p:notes>
+</file>
+
+<file path=ppt/notesSlides/notesSlide4.xml><?xml version="1.0" encoding="utf-8"?>
+<p:notes xmlns:a="http://schemas.openxmlformats.org/drawingml/2006/main" xmlns:r="http://schemas.openxmlformats.org/officeDocument/2006/relationships" xmlns:p="http://schemas.openxmlformats.org/presentationml/2006/main">
+  <p:cSld>
+    <p:spTree>
+      <p:nvGrpSpPr>
+        <p:cNvPr id="1" name=""/>
+        <p:cNvGrpSpPr/>
+        <p:nvPr/>
+      </p:nvGrpSpPr>
+      <p:grpSpPr>
+        <a:xfrm>
+          <a:off x="0" y="0"/>
+          <a:ext cx="0" cy="0"/>
+          <a:chOff x="0" y="0"/>
+          <a:chExt cx="0" cy="0"/>
+        </a:xfrm>
+      </p:grpSpPr>
+      <p:sp>
+        <p:nvSpPr>
+          <p:cNvPr id="2" name="Slide Image Placeholder 1"/>
+          <p:cNvSpPr>
+            <a:spLocks noGrp="1" noRot="1" noChangeAspect="1"/>
+          </p:cNvSpPr>
+          <p:nvPr>
+            <p:ph type="sldImg"/>
+          </p:nvPr>
+        </p:nvSpPr>
+        <p:spPr/>
+      </p:sp>
+      <p:sp>
+        <p:nvSpPr>
+          <p:cNvPr id="3" name="Notes Placeholder 2"/>
+          <p:cNvSpPr>
+            <a:spLocks noGrp="1"/>
+          </p:cNvSpPr>
+          <p:nvPr>
+            <p:ph type="body" idx="1"/>
+          </p:nvPr>
+        </p:nvSpPr>
+        <p:spPr/>
+        <p:txBody>
+          <a:bodyPr/>
+          <a:lstStyle/>
+          <a:p>
+            <a:r>
+              <a:rPr lang="en-GB" dirty="0"/>
+              <a:t>Similar to Notion</a:t>
+            </a:r>
+          </a:p>
+          <a:p>
+            <a:r>
+              <a:rPr lang="en-GB" dirty="0"/>
+              <a:t>It contains a rich text editor, sorting options, and a draw option</a:t>
+            </a:r>
+          </a:p>
+          <a:p>
+            <a:r>
+              <a:rPr lang="en-GB" dirty="0"/>
+              <a:t>However it is a lot more user-friendly than notion and UI is a lot easier and simpler to use</a:t>
+            </a:r>
+          </a:p>
+          <a:p>
+            <a:endParaRPr lang="en-GB" dirty="0"/>
+          </a:p>
+          <a:p>
+            <a:r>
+              <a:rPr lang="en-GB" dirty="0"/>
+              <a:t>However the drawback is that some features are locked behind a paywall</a:t>
+            </a:r>
+          </a:p>
+        </p:txBody>
+      </p:sp>
+      <p:sp>
+        <p:nvSpPr>
+          <p:cNvPr id="4" name="Slide Number Placeholder 3"/>
+          <p:cNvSpPr>
+            <a:spLocks noGrp="1"/>
+          </p:cNvSpPr>
+          <p:nvPr>
+            <p:ph type="sldNum" sz="quarter" idx="5"/>
+          </p:nvPr>
+        </p:nvSpPr>
+        <p:spPr/>
+        <p:txBody>
+          <a:bodyPr/>
+          <a:lstStyle/>
+          <a:p>
+            <a:fld id="{75DD62ED-B27C-4D67-8CAC-08D94EEA27E8}" type="slidenum">
+              <a:rPr lang="en-GB" smtClean="0"/>
+              <a:t>8</a:t>
+            </a:fld>
+            <a:endParaRPr lang="en-GB"/>
+          </a:p>
+        </p:txBody>
+      </p:sp>
+    </p:spTree>
+    <p:extLst>
+      <p:ext uri="{BB962C8B-B14F-4D97-AF65-F5344CB8AC3E}">
+        <p14:creationId xmlns:p14="http://schemas.microsoft.com/office/powerpoint/2010/main" val="1475425491"/>
+      </p:ext>
+    </p:extLst>
+  </p:cSld>
+  <p:clrMapOvr>
+    <a:masterClrMapping/>
+  </p:clrMapOvr>
+</p:notes>
+</file>
+
+<file path=ppt/notesSlides/notesSlide5.xml><?xml version="1.0" encoding="utf-8"?>
+<p:notes xmlns:a="http://schemas.openxmlformats.org/drawingml/2006/main" xmlns:r="http://schemas.openxmlformats.org/officeDocument/2006/relationships" xmlns:p="http://schemas.openxmlformats.org/presentationml/2006/main">
+  <p:cSld>
+    <p:spTree>
+      <p:nvGrpSpPr>
+        <p:cNvPr id="1" name=""/>
+        <p:cNvGrpSpPr/>
+        <p:nvPr/>
+      </p:nvGrpSpPr>
+      <p:grpSpPr>
+        <a:xfrm>
+          <a:off x="0" y="0"/>
+          <a:ext cx="0" cy="0"/>
+          <a:chOff x="0" y="0"/>
+          <a:chExt cx="0" cy="0"/>
+        </a:xfrm>
+      </p:grpSpPr>
+      <p:sp>
+        <p:nvSpPr>
+          <p:cNvPr id="2" name="Slide Image Placeholder 1"/>
+          <p:cNvSpPr>
+            <a:spLocks noGrp="1" noRot="1" noChangeAspect="1"/>
+          </p:cNvSpPr>
+          <p:nvPr>
+            <p:ph type="sldImg"/>
+          </p:nvPr>
+        </p:nvSpPr>
+        <p:spPr/>
+      </p:sp>
+      <p:sp>
+        <p:nvSpPr>
+          <p:cNvPr id="3" name="Notes Placeholder 2"/>
+          <p:cNvSpPr>
+            <a:spLocks noGrp="1"/>
+          </p:cNvSpPr>
+          <p:nvPr>
+            <p:ph type="body" idx="1"/>
+          </p:nvPr>
+        </p:nvSpPr>
+        <p:spPr/>
+        <p:txBody>
+          <a:bodyPr/>
+          <a:lstStyle/>
+          <a:p>
+            <a:r>
+              <a:rPr lang="en-GB" dirty="0"/>
+              <a:t>Similar Apps -&gt;</a:t>
+            </a:r>
+          </a:p>
+          <a:p>
+            <a:r>
+              <a:rPr lang="en-GB" dirty="0"/>
+              <a:t>I mainly looked at notion, </a:t>
+            </a:r>
+            <a:r>
+              <a:rPr lang="en-GB" dirty="0" err="1"/>
+              <a:t>evernote</a:t>
+            </a:r>
+            <a:r>
+              <a:rPr lang="en-GB" dirty="0"/>
+              <a:t>, and google keep and looked at their functionalities and the benefits they provided and their downsides</a:t>
+            </a:r>
+          </a:p>
+          <a:p>
+            <a:endParaRPr lang="en-GB" dirty="0"/>
+          </a:p>
+          <a:p>
+            <a:r>
+              <a:rPr lang="en-GB" dirty="0"/>
+              <a:t>I then conducted interviews, asking them about the applications notion and such, and applications that they used too</a:t>
+            </a:r>
+          </a:p>
+          <a:p>
+            <a:r>
+              <a:rPr lang="en-GB" dirty="0"/>
+              <a:t>A few extra features that can potentially be added were brought up during these interviews</a:t>
+            </a:r>
+          </a:p>
+          <a:p>
+            <a:r>
+              <a:rPr lang="en-GB" dirty="0"/>
+              <a:t>One of which is a global search feature, where a user can search a specific phrase for example, and the system will go through all files and bring back the result seen</a:t>
+            </a:r>
+          </a:p>
+          <a:p>
+            <a:r>
+              <a:rPr lang="en-GB" dirty="0"/>
+              <a:t>Another is simply having a bunch of sort options</a:t>
+            </a:r>
+          </a:p>
+          <a:p>
+            <a:r>
+              <a:rPr lang="en-GB" dirty="0"/>
+              <a:t>These features could potentially be added towards the end of development to polish the application</a:t>
+            </a:r>
+          </a:p>
+          <a:p>
+            <a:endParaRPr lang="en-GB" dirty="0"/>
+          </a:p>
+          <a:p>
+            <a:r>
+              <a:rPr lang="en-GB" dirty="0"/>
+              <a:t>Finally surveys were conducted to gather mass data on opinions on various things</a:t>
+            </a:r>
+          </a:p>
+        </p:txBody>
+      </p:sp>
+      <p:sp>
+        <p:nvSpPr>
+          <p:cNvPr id="4" name="Slide Number Placeholder 3"/>
+          <p:cNvSpPr>
+            <a:spLocks noGrp="1"/>
+          </p:cNvSpPr>
+          <p:nvPr>
+            <p:ph type="sldNum" sz="quarter" idx="5"/>
+          </p:nvPr>
+        </p:nvSpPr>
+        <p:spPr/>
+        <p:txBody>
+          <a:bodyPr/>
+          <a:lstStyle/>
+          <a:p>
+            <a:fld id="{75DD62ED-B27C-4D67-8CAC-08D94EEA27E8}" type="slidenum">
+              <a:rPr lang="en-GB" smtClean="0"/>
+              <a:t>10</a:t>
+            </a:fld>
+            <a:endParaRPr lang="en-GB"/>
+          </a:p>
+        </p:txBody>
+      </p:sp>
+    </p:spTree>
+    <p:extLst>
+      <p:ext uri="{BB962C8B-B14F-4D97-AF65-F5344CB8AC3E}">
+        <p14:creationId xmlns:p14="http://schemas.microsoft.com/office/powerpoint/2010/main" val="3627528998"/>
+      </p:ext>
+    </p:extLst>
+  </p:cSld>
+  <p:clrMapOvr>
+    <a:masterClrMapping/>
+  </p:clrMapOvr>
+</p:notes>
+</file>
+
+<file path=ppt/notesSlides/notesSlide6.xml><?xml version="1.0" encoding="utf-8"?>
+<p:notes xmlns:a="http://schemas.openxmlformats.org/drawingml/2006/main" xmlns:r="http://schemas.openxmlformats.org/officeDocument/2006/relationships" xmlns:p="http://schemas.openxmlformats.org/presentationml/2006/main">
+  <p:cSld>
+    <p:spTree>
+      <p:nvGrpSpPr>
+        <p:cNvPr id="1" name=""/>
+        <p:cNvGrpSpPr/>
+        <p:nvPr/>
+      </p:nvGrpSpPr>
+      <p:grpSpPr>
+        <a:xfrm>
+          <a:off x="0" y="0"/>
+          <a:ext cx="0" cy="0"/>
+          <a:chOff x="0" y="0"/>
+          <a:chExt cx="0" cy="0"/>
+        </a:xfrm>
+      </p:grpSpPr>
+      <p:sp>
+        <p:nvSpPr>
+          <p:cNvPr id="2" name="Slide Image Placeholder 1"/>
+          <p:cNvSpPr>
+            <a:spLocks noGrp="1" noRot="1" noChangeAspect="1"/>
+          </p:cNvSpPr>
+          <p:nvPr>
+            <p:ph type="sldImg"/>
+          </p:nvPr>
+        </p:nvSpPr>
+        <p:spPr/>
+      </p:sp>
+      <p:sp>
+        <p:nvSpPr>
+          <p:cNvPr id="3" name="Notes Placeholder 2"/>
+          <p:cNvSpPr>
+            <a:spLocks noGrp="1"/>
+          </p:cNvSpPr>
+          <p:nvPr>
+            <p:ph type="body" idx="1"/>
+          </p:nvPr>
+        </p:nvSpPr>
+        <p:spPr/>
+        <p:txBody>
+          <a:bodyPr/>
+          <a:lstStyle/>
+          <a:p>
+            <a:r>
+              <a:rPr lang="en-GB" dirty="0"/>
+              <a:t>React.js is the front end that will be used to develop the application</a:t>
+            </a:r>
+          </a:p>
+          <a:p>
+            <a:endParaRPr lang="en-GB" dirty="0"/>
+          </a:p>
+          <a:p>
+            <a:r>
+              <a:rPr lang="en-GB" dirty="0"/>
+              <a:t>MERN Stack was the full stack</a:t>
+            </a:r>
+          </a:p>
+          <a:p>
+            <a:r>
+              <a:rPr lang="en-GB" dirty="0"/>
+              <a:t>MERN Is for Mongo, Express, React, Node</a:t>
+            </a:r>
+          </a:p>
+          <a:p>
+            <a:endParaRPr lang="en-GB" dirty="0"/>
+          </a:p>
+          <a:p>
+            <a:r>
+              <a:rPr lang="en-GB" dirty="0"/>
+              <a:t>Tesseract OCR -&gt; Library used for OCR functionalities</a:t>
+            </a:r>
+          </a:p>
+          <a:p>
+            <a:endParaRPr lang="en-GB" dirty="0"/>
+          </a:p>
+          <a:p>
+            <a:r>
+              <a:rPr lang="en-GB" dirty="0"/>
+              <a:t>Quill.js -&gt; will be used for the notes taking app</a:t>
+            </a:r>
+          </a:p>
+          <a:p>
+            <a:r>
+              <a:rPr lang="en-GB" dirty="0"/>
+              <a:t>Socket io -&gt; Share</a:t>
+            </a:r>
+          </a:p>
+          <a:p>
+            <a:endParaRPr lang="en-GB" dirty="0"/>
+          </a:p>
+          <a:p>
+            <a:r>
+              <a:rPr lang="en-GB" dirty="0"/>
+              <a:t>Figma -&gt; Figma was used to design the application</a:t>
+            </a:r>
+          </a:p>
+        </p:txBody>
+      </p:sp>
+      <p:sp>
+        <p:nvSpPr>
+          <p:cNvPr id="4" name="Slide Number Placeholder 3"/>
+          <p:cNvSpPr>
+            <a:spLocks noGrp="1"/>
+          </p:cNvSpPr>
+          <p:nvPr>
+            <p:ph type="sldNum" sz="quarter" idx="5"/>
+          </p:nvPr>
+        </p:nvSpPr>
+        <p:spPr/>
+        <p:txBody>
+          <a:bodyPr/>
+          <a:lstStyle/>
+          <a:p>
+            <a:fld id="{75DD62ED-B27C-4D67-8CAC-08D94EEA27E8}" type="slidenum">
+              <a:rPr lang="en-GB" smtClean="0"/>
+              <a:t>11</a:t>
+            </a:fld>
+            <a:endParaRPr lang="en-GB"/>
+          </a:p>
+        </p:txBody>
+      </p:sp>
+    </p:spTree>
+    <p:extLst>
+      <p:ext uri="{BB962C8B-B14F-4D97-AF65-F5344CB8AC3E}">
+        <p14:creationId xmlns:p14="http://schemas.microsoft.com/office/powerpoint/2010/main" val="1779305399"/>
+      </p:ext>
+    </p:extLst>
+  </p:cSld>
+  <p:clrMapOvr>
+    <a:masterClrMapping/>
+  </p:clrMapOvr>
+</p:notes>
+</file>
+
+<file path=ppt/notesSlides/notesSlide7.xml><?xml version="1.0" encoding="utf-8"?>
+<p:notes xmlns:a="http://schemas.openxmlformats.org/drawingml/2006/main" xmlns:r="http://schemas.openxmlformats.org/officeDocument/2006/relationships" xmlns:p="http://schemas.openxmlformats.org/presentationml/2006/main">
+  <p:cSld>
+    <p:spTree>
+      <p:nvGrpSpPr>
+        <p:cNvPr id="1" name=""/>
+        <p:cNvGrpSpPr/>
+        <p:nvPr/>
+      </p:nvGrpSpPr>
+      <p:grpSpPr>
+        <a:xfrm>
+          <a:off x="0" y="0"/>
+          <a:ext cx="0" cy="0"/>
+          <a:chOff x="0" y="0"/>
+          <a:chExt cx="0" cy="0"/>
+        </a:xfrm>
+      </p:grpSpPr>
+      <p:sp>
+        <p:nvSpPr>
+          <p:cNvPr id="2" name="Slide Image Placeholder 1"/>
+          <p:cNvSpPr>
+            <a:spLocks noGrp="1" noRot="1" noChangeAspect="1"/>
+          </p:cNvSpPr>
+          <p:nvPr>
+            <p:ph type="sldImg"/>
+          </p:nvPr>
+        </p:nvSpPr>
+        <p:spPr/>
+      </p:sp>
+      <p:sp>
+        <p:nvSpPr>
+          <p:cNvPr id="3" name="Notes Placeholder 2"/>
+          <p:cNvSpPr>
+            <a:spLocks noGrp="1"/>
+          </p:cNvSpPr>
+          <p:nvPr>
+            <p:ph type="body" idx="1"/>
+          </p:nvPr>
+        </p:nvSpPr>
+        <p:spPr/>
+        <p:txBody>
+          <a:bodyPr/>
+          <a:lstStyle/>
+          <a:p>
+            <a:endParaRPr lang="en-GB" dirty="0"/>
+          </a:p>
+        </p:txBody>
+      </p:sp>
+      <p:sp>
+        <p:nvSpPr>
+          <p:cNvPr id="4" name="Slide Number Placeholder 3"/>
+          <p:cNvSpPr>
+            <a:spLocks noGrp="1"/>
+          </p:cNvSpPr>
+          <p:nvPr>
+            <p:ph type="sldNum" sz="quarter" idx="5"/>
+          </p:nvPr>
+        </p:nvSpPr>
+        <p:spPr/>
+        <p:txBody>
+          <a:bodyPr/>
+          <a:lstStyle/>
+          <a:p>
+            <a:fld id="{75DD62ED-B27C-4D67-8CAC-08D94EEA27E8}" type="slidenum">
+              <a:rPr lang="en-GB" smtClean="0"/>
+              <a:t>12</a:t>
+            </a:fld>
+            <a:endParaRPr lang="en-GB"/>
+          </a:p>
+        </p:txBody>
+      </p:sp>
+    </p:spTree>
+    <p:extLst>
+      <p:ext uri="{BB962C8B-B14F-4D97-AF65-F5344CB8AC3E}">
+        <p14:creationId xmlns:p14="http://schemas.microsoft.com/office/powerpoint/2010/main" val="780440076"/>
+      </p:ext>
+    </p:extLst>
+  </p:cSld>
+  <p:clrMapOvr>
+    <a:masterClrMapping/>
+  </p:clrMapOvr>
+</p:notes>
+</file>
+
+<file path=ppt/notesSlides/notesSlide8.xml><?xml version="1.0" encoding="utf-8"?>
+<p:notes xmlns:a="http://schemas.openxmlformats.org/drawingml/2006/main" xmlns:r="http://schemas.openxmlformats.org/officeDocument/2006/relationships" xmlns:p="http://schemas.openxmlformats.org/presentationml/2006/main">
+  <p:cSld>
+    <p:spTree>
+      <p:nvGrpSpPr>
+        <p:cNvPr id="1" name=""/>
+        <p:cNvGrpSpPr/>
+        <p:nvPr/>
+      </p:nvGrpSpPr>
+      <p:grpSpPr>
+        <a:xfrm>
+          <a:off x="0" y="0"/>
+          <a:ext cx="0" cy="0"/>
+          <a:chOff x="0" y="0"/>
+          <a:chExt cx="0" cy="0"/>
+        </a:xfrm>
+      </p:grpSpPr>
+      <p:sp>
+        <p:nvSpPr>
+          <p:cNvPr id="2" name="Slide Image Placeholder 1"/>
+          <p:cNvSpPr>
+            <a:spLocks noGrp="1" noRot="1" noChangeAspect="1"/>
+          </p:cNvSpPr>
+          <p:nvPr>
+            <p:ph type="sldImg"/>
+          </p:nvPr>
+        </p:nvSpPr>
+        <p:spPr/>
+      </p:sp>
+      <p:sp>
+        <p:nvSpPr>
+          <p:cNvPr id="3" name="Notes Placeholder 2"/>
+          <p:cNvSpPr>
+            <a:spLocks noGrp="1"/>
+          </p:cNvSpPr>
+          <p:nvPr>
+            <p:ph type="body" idx="1"/>
+          </p:nvPr>
+        </p:nvSpPr>
+        <p:spPr/>
+        <p:txBody>
+          <a:bodyPr/>
+          <a:lstStyle/>
+          <a:p>
+            <a:pPr marL="171450" indent="-171450">
+              <a:buFont typeface="Arial" panose="020B0604020202020204" pitchFamily="34" charset="0"/>
+              <a:buChar char="•"/>
+            </a:pPr>
+            <a:r>
+              <a:rPr lang="en-GB" dirty="0"/>
+              <a:t>The implementation of this project uses the SCRUM methodology</a:t>
+            </a:r>
+          </a:p>
+          <a:p>
+            <a:pPr marL="171450" indent="-171450">
+              <a:buFont typeface="Arial" panose="020B0604020202020204" pitchFamily="34" charset="0"/>
+              <a:buChar char="•"/>
+            </a:pPr>
+            <a:r>
+              <a:rPr lang="en-GB" dirty="0"/>
+              <a:t>Scrum divides the workload of the project into sprints, where a developer can break down the project making it smaller for easier development</a:t>
+            </a:r>
+          </a:p>
+          <a:p>
+            <a:pPr marL="171450" indent="-171450">
+              <a:buFont typeface="Arial" panose="020B0604020202020204" pitchFamily="34" charset="0"/>
+              <a:buChar char="•"/>
+            </a:pPr>
+            <a:endParaRPr lang="en-GB" dirty="0"/>
+          </a:p>
+          <a:p>
+            <a:pPr marL="171450" indent="-171450">
+              <a:buFont typeface="Arial" panose="020B0604020202020204" pitchFamily="34" charset="0"/>
+              <a:buChar char="•"/>
+            </a:pPr>
+            <a:endParaRPr lang="en-GB" dirty="0"/>
+          </a:p>
+          <a:p>
+            <a:pPr marL="171450" indent="-171450">
+              <a:buFont typeface="Arial" panose="020B0604020202020204" pitchFamily="34" charset="0"/>
+              <a:buChar char="•"/>
+            </a:pPr>
+            <a:r>
+              <a:rPr lang="en-GB" dirty="0"/>
+              <a:t>Sprint 2 -&gt; Some things may change</a:t>
+            </a:r>
+          </a:p>
+          <a:p>
+            <a:pPr marL="171450" indent="-171450">
+              <a:buFont typeface="Arial" panose="020B0604020202020204" pitchFamily="34" charset="0"/>
+              <a:buChar char="•"/>
+            </a:pPr>
+            <a:r>
+              <a:rPr lang="en-GB" dirty="0"/>
+              <a:t>Sprint 3 -&gt; Some parts still aren’t complete</a:t>
+            </a:r>
+          </a:p>
+          <a:p>
+            <a:pPr marL="171450" indent="-171450">
+              <a:buFont typeface="Arial" panose="020B0604020202020204" pitchFamily="34" charset="0"/>
+              <a:buChar char="•"/>
+            </a:pPr>
+            <a:r>
+              <a:rPr lang="en-GB" dirty="0"/>
+              <a:t>Sprint 4 -&gt; Backend may change</a:t>
+            </a:r>
+          </a:p>
+          <a:p>
+            <a:pPr marL="171450" indent="-171450">
+              <a:buFont typeface="Arial" panose="020B0604020202020204" pitchFamily="34" charset="0"/>
+              <a:buChar char="•"/>
+            </a:pPr>
+            <a:r>
+              <a:rPr lang="en-GB" dirty="0"/>
+              <a:t>Sprint 5 -&gt; Already working on that</a:t>
+            </a:r>
+          </a:p>
+        </p:txBody>
+      </p:sp>
+      <p:sp>
+        <p:nvSpPr>
+          <p:cNvPr id="4" name="Slide Number Placeholder 3"/>
+          <p:cNvSpPr>
+            <a:spLocks noGrp="1"/>
+          </p:cNvSpPr>
+          <p:nvPr>
+            <p:ph type="sldNum" sz="quarter" idx="5"/>
+          </p:nvPr>
+        </p:nvSpPr>
+        <p:spPr/>
+        <p:txBody>
+          <a:bodyPr/>
+          <a:lstStyle/>
+          <a:p>
+            <a:fld id="{75DD62ED-B27C-4D67-8CAC-08D94EEA27E8}" type="slidenum">
+              <a:rPr lang="en-GB" smtClean="0"/>
+              <a:t>13</a:t>
+            </a:fld>
+            <a:endParaRPr lang="en-GB"/>
+          </a:p>
+        </p:txBody>
+      </p:sp>
+    </p:spTree>
+    <p:extLst>
+      <p:ext uri="{BB962C8B-B14F-4D97-AF65-F5344CB8AC3E}">
+        <p14:creationId xmlns:p14="http://schemas.microsoft.com/office/powerpoint/2010/main" val="1220065348"/>
+      </p:ext>
+    </p:extLst>
+  </p:cSld>
+  <p:clrMapOvr>
+    <a:masterClrMapping/>
+  </p:clrMapOvr>
+</p:notes>
+</file>
+
+<file path=ppt/notesSlides/notesSlide9.xml><?xml version="1.0" encoding="utf-8"?>
+<p:notes xmlns:a="http://schemas.openxmlformats.org/drawingml/2006/main" xmlns:r="http://schemas.openxmlformats.org/officeDocument/2006/relationships" xmlns:p="http://schemas.openxmlformats.org/presentationml/2006/main">
+  <p:cSld>
+    <p:spTree>
+      <p:nvGrpSpPr>
+        <p:cNvPr id="1" name=""/>
+        <p:cNvGrpSpPr/>
+        <p:nvPr/>
+      </p:nvGrpSpPr>
+      <p:grpSpPr>
+        <a:xfrm>
+          <a:off x="0" y="0"/>
+          <a:ext cx="0" cy="0"/>
+          <a:chOff x="0" y="0"/>
+          <a:chExt cx="0" cy="0"/>
+        </a:xfrm>
+      </p:grpSpPr>
+      <p:sp>
+        <p:nvSpPr>
+          <p:cNvPr id="2" name="Slide Image Placeholder 1"/>
+          <p:cNvSpPr>
+            <a:spLocks noGrp="1" noRot="1" noChangeAspect="1"/>
+          </p:cNvSpPr>
+          <p:nvPr>
+            <p:ph type="sldImg"/>
+          </p:nvPr>
+        </p:nvSpPr>
+        <p:spPr/>
+      </p:sp>
+      <p:sp>
+        <p:nvSpPr>
+          <p:cNvPr id="3" name="Notes Placeholder 2"/>
+          <p:cNvSpPr>
+            <a:spLocks noGrp="1"/>
+          </p:cNvSpPr>
+          <p:nvPr>
+            <p:ph type="body" idx="1"/>
+          </p:nvPr>
+        </p:nvSpPr>
+        <p:spPr/>
+        <p:txBody>
+          <a:bodyPr/>
+          <a:lstStyle/>
+          <a:p>
+            <a:endParaRPr lang="en-GB" dirty="0"/>
+          </a:p>
+        </p:txBody>
+      </p:sp>
+      <p:sp>
+        <p:nvSpPr>
+          <p:cNvPr id="4" name="Slide Number Placeholder 3"/>
+          <p:cNvSpPr>
+            <a:spLocks noGrp="1"/>
+          </p:cNvSpPr>
+          <p:nvPr>
+            <p:ph type="sldNum" sz="quarter" idx="5"/>
+          </p:nvPr>
+        </p:nvSpPr>
+        <p:spPr/>
+        <p:txBody>
+          <a:bodyPr/>
+          <a:lstStyle/>
+          <a:p>
+            <a:fld id="{75DD62ED-B27C-4D67-8CAC-08D94EEA27E8}" type="slidenum">
+              <a:rPr lang="en-GB" smtClean="0"/>
+              <a:t>14</a:t>
+            </a:fld>
+            <a:endParaRPr lang="en-GB"/>
+          </a:p>
+        </p:txBody>
+      </p:sp>
+    </p:spTree>
+    <p:extLst>
+      <p:ext uri="{BB962C8B-B14F-4D97-AF65-F5344CB8AC3E}">
+        <p14:creationId xmlns:p14="http://schemas.microsoft.com/office/powerpoint/2010/main" val="3466698494"/>
+      </p:ext>
+    </p:extLst>
+  </p:cSld>
+  <p:clrMapOvr>
+    <a:masterClrMapping/>
+  </p:clrMapOvr>
+</p:notes>
 </file>
 
 <file path=ppt/slideLayouts/slideLayout1.xml><?xml version="1.0" encoding="utf-8"?>
@@ -3556,7 +5192,7 @@
             <a:pPr algn="l"/>
             <a:fld id="{0DCFB061-4267-4D9F-8017-6F550D3068DF}" type="datetime1">
               <a:rPr lang="en-US" smtClean="0"/>
-              <a:t>3/6/2023</a:t>
+              <a:t>3/7/2023</a:t>
             </a:fld>
             <a:endParaRPr lang="en-US" dirty="0"/>
           </a:p>
@@ -3749,7 +5385,7 @@
           <a:p>
             <a:fld id="{8141BC61-5547-4A60-8DA1-6699760D9972}" type="datetime1">
               <a:rPr lang="en-US" smtClean="0"/>
-              <a:t>3/6/2023</a:t>
+              <a:t>3/7/2023</a:t>
             </a:fld>
             <a:endParaRPr lang="en-US" dirty="0"/>
           </a:p>
@@ -3934,7 +5570,7 @@
           <a:p>
             <a:fld id="{24B9D1C6-60D0-4CD1-8F31-F912522EB041}" type="datetime1">
               <a:rPr lang="en-US" smtClean="0"/>
-              <a:t>3/6/2023</a:t>
+              <a:t>3/7/2023</a:t>
             </a:fld>
             <a:endParaRPr lang="en-US" dirty="0"/>
           </a:p>
@@ -4163,7 +5799,7 @@
           <a:p>
             <a:fld id="{47A4ED5C-5A53-433E-8A55-46F54CE81DA5}" type="datetime1">
               <a:rPr lang="en-US" smtClean="0"/>
-              <a:t>3/6/2023</a:t>
+              <a:t>3/7/2023</a:t>
             </a:fld>
             <a:endParaRPr lang="en-US" dirty="0"/>
           </a:p>
@@ -4490,7 +6126,7 @@
           <a:p>
             <a:fld id="{29CABC0C-B6DF-45E9-B954-11C99AA62C3E}" type="datetime1">
               <a:rPr lang="en-US" smtClean="0"/>
-              <a:t>3/6/2023</a:t>
+              <a:t>3/7/2023</a:t>
             </a:fld>
             <a:endParaRPr lang="en-US" dirty="0"/>
           </a:p>
@@ -4786,7 +6422,7 @@
           <a:p>
             <a:fld id="{A4AB71B9-2624-4F21-93EE-35A78B1A0DAD}" type="datetime1">
               <a:rPr lang="en-US" smtClean="0"/>
-              <a:t>3/6/2023</a:t>
+              <a:t>3/7/2023</a:t>
             </a:fld>
             <a:endParaRPr lang="en-US" dirty="0"/>
           </a:p>
@@ -5207,7 +6843,7 @@
           <a:p>
             <a:fld id="{36D37C2A-BE2E-4840-A907-3254E2916C96}" type="datetime1">
               <a:rPr lang="en-US" smtClean="0"/>
-              <a:t>3/6/2023</a:t>
+              <a:t>3/7/2023</a:t>
             </a:fld>
             <a:endParaRPr lang="en-US" dirty="0"/>
           </a:p>
@@ -5405,7 +7041,7 @@
           <a:p>
             <a:fld id="{005CD215-1C45-48A0-8534-39FFE8A7C95A}" type="datetime1">
               <a:rPr lang="en-US" smtClean="0"/>
-              <a:t>3/6/2023</a:t>
+              <a:t>3/7/2023</a:t>
             </a:fld>
             <a:endParaRPr lang="en-US" dirty="0"/>
           </a:p>
@@ -5514,7 +7150,7 @@
           <a:p>
             <a:fld id="{D3363A0F-DEF3-4134-98D0-2E1276938A8B}" type="datetime1">
               <a:rPr lang="en-US" smtClean="0"/>
-              <a:t>3/6/2023</a:t>
+              <a:t>3/7/2023</a:t>
             </a:fld>
             <a:endParaRPr lang="en-US" dirty="0"/>
           </a:p>
@@ -5935,7 +7571,7 @@
           <a:p>
             <a:fld id="{61A2E4C8-2960-4ADD-862C-4D9643CB15AC}" type="datetime1">
               <a:rPr lang="en-US" smtClean="0"/>
-              <a:t>3/6/2023</a:t>
+              <a:t>3/7/2023</a:t>
             </a:fld>
             <a:endParaRPr lang="en-US" dirty="0"/>
           </a:p>
@@ -6288,7 +7924,7 @@
           <a:p>
             <a:fld id="{48BDEA15-09CD-4275-A8E0-385C965F48B0}" type="datetime1">
               <a:rPr lang="en-US" smtClean="0"/>
-              <a:t>3/6/2023</a:t>
+              <a:t>3/7/2023</a:t>
             </a:fld>
             <a:endParaRPr lang="en-US" dirty="0"/>
           </a:p>
@@ -6593,7 +8229,7 @@
           <a:p>
             <a:fld id="{4AF8082C-0922-4249-A612-B415F5231620}" type="datetime1">
               <a:rPr lang="en-US" smtClean="0"/>
-              <a:t>3/6/2023</a:t>
+              <a:t>3/7/2023</a:t>
             </a:fld>
             <a:endParaRPr lang="en-US" dirty="0"/>
           </a:p>
@@ -7276,7 +8912,7 @@
         </p:spPr>
         <p:txBody>
           <a:bodyPr anchor="t">
-            <a:normAutofit/>
+            <a:normAutofit lnSpcReduction="10000"/>
           </a:bodyPr>
           <a:lstStyle/>
           <a:p>
@@ -7294,7 +8930,7 @@
                   </a:schemeClr>
                 </a:solidFill>
               </a:rPr>
-              <a:t>Developing a Full-Stack Web Application with OCR Functionalities</a:t>
+              <a:t>Developing a Full-Stack Web Application with OCR Functionalities using the MERN Stack</a:t>
             </a:r>
           </a:p>
           <a:p>
@@ -7564,6 +9200,855 @@
 </file>
 
 <file path=ppt/slides/slide10.xml><?xml version="1.0" encoding="utf-8"?>
+<p:sld xmlns:a="http://schemas.openxmlformats.org/drawingml/2006/main" xmlns:r="http://schemas.openxmlformats.org/officeDocument/2006/relationships" xmlns:p="http://schemas.openxmlformats.org/presentationml/2006/main">
+  <p:cSld>
+    <p:spTree>
+      <p:nvGrpSpPr>
+        <p:cNvPr id="1" name=""/>
+        <p:cNvGrpSpPr/>
+        <p:nvPr/>
+      </p:nvGrpSpPr>
+      <p:grpSpPr>
+        <a:xfrm>
+          <a:off x="0" y="0"/>
+          <a:ext cx="0" cy="0"/>
+          <a:chOff x="0" y="0"/>
+          <a:chExt cx="0" cy="0"/>
+        </a:xfrm>
+      </p:grpSpPr>
+      <p:sp>
+        <p:nvSpPr>
+          <p:cNvPr id="2" name="Title 1">
+            <a:extLst>
+              <a:ext uri="{FF2B5EF4-FFF2-40B4-BE49-F238E27FC236}">
+                <a16:creationId xmlns:a16="http://schemas.microsoft.com/office/drawing/2014/main" id="{8FF7B21D-ED04-AEE8-2637-625CF9F32B0E}"/>
+              </a:ext>
+            </a:extLst>
+          </p:cNvPr>
+          <p:cNvSpPr>
+            <a:spLocks noGrp="1"/>
+          </p:cNvSpPr>
+          <p:nvPr>
+            <p:ph type="title"/>
+          </p:nvPr>
+        </p:nvSpPr>
+        <p:spPr/>
+        <p:txBody>
+          <a:bodyPr/>
+          <a:lstStyle/>
+          <a:p>
+            <a:r>
+              <a:rPr lang="en-GB" dirty="0"/>
+              <a:t>Research</a:t>
+            </a:r>
+          </a:p>
+        </p:txBody>
+      </p:sp>
+      <p:sp>
+        <p:nvSpPr>
+          <p:cNvPr id="3" name="Content Placeholder 2">
+            <a:extLst>
+              <a:ext uri="{FF2B5EF4-FFF2-40B4-BE49-F238E27FC236}">
+                <a16:creationId xmlns:a16="http://schemas.microsoft.com/office/drawing/2014/main" id="{136AFE69-AA61-C0E8-AF50-B3C49D87F39E}"/>
+              </a:ext>
+            </a:extLst>
+          </p:cNvPr>
+          <p:cNvSpPr>
+            <a:spLocks noGrp="1"/>
+          </p:cNvSpPr>
+          <p:nvPr>
+            <p:ph idx="1"/>
+          </p:nvPr>
+        </p:nvSpPr>
+        <p:spPr/>
+        <p:txBody>
+          <a:bodyPr/>
+          <a:lstStyle/>
+          <a:p>
+            <a:pPr marL="285750" indent="-285750">
+              <a:buFont typeface="Arial" panose="020B0604020202020204" pitchFamily="34" charset="0"/>
+              <a:buChar char="•"/>
+            </a:pPr>
+            <a:r>
+              <a:rPr lang="en-GB" dirty="0"/>
+              <a:t>Viewing Similar Applications</a:t>
+            </a:r>
+          </a:p>
+          <a:p>
+            <a:pPr marL="285750" indent="-285750">
+              <a:buFont typeface="Arial" panose="020B0604020202020204" pitchFamily="34" charset="0"/>
+              <a:buChar char="•"/>
+            </a:pPr>
+            <a:r>
+              <a:rPr lang="en-GB" dirty="0"/>
+              <a:t>Interviews</a:t>
+            </a:r>
+          </a:p>
+          <a:p>
+            <a:pPr marL="285750" indent="-285750">
+              <a:buFont typeface="Arial" panose="020B0604020202020204" pitchFamily="34" charset="0"/>
+              <a:buChar char="•"/>
+            </a:pPr>
+            <a:r>
+              <a:rPr lang="en-GB" dirty="0"/>
+              <a:t>Survey</a:t>
+            </a:r>
+          </a:p>
+        </p:txBody>
+      </p:sp>
+    </p:spTree>
+    <p:extLst>
+      <p:ext uri="{BB962C8B-B14F-4D97-AF65-F5344CB8AC3E}">
+        <p14:creationId xmlns:p14="http://schemas.microsoft.com/office/powerpoint/2010/main" val="2997908188"/>
+      </p:ext>
+    </p:extLst>
+  </p:cSld>
+  <p:clrMapOvr>
+    <a:masterClrMapping/>
+  </p:clrMapOvr>
+</p:sld>
+</file>
+
+<file path=ppt/slides/slide11.xml><?xml version="1.0" encoding="utf-8"?>
+<p:sld xmlns:a="http://schemas.openxmlformats.org/drawingml/2006/main" xmlns:r="http://schemas.openxmlformats.org/officeDocument/2006/relationships" xmlns:p="http://schemas.openxmlformats.org/presentationml/2006/main">
+  <p:cSld>
+    <p:bg>
+      <p:bgPr>
+        <a:solidFill>
+          <a:schemeClr val="bg2"/>
+        </a:solidFill>
+        <a:effectLst/>
+      </p:bgPr>
+    </p:bg>
+    <p:spTree>
+      <p:nvGrpSpPr>
+        <p:cNvPr id="1" name=""/>
+        <p:cNvGrpSpPr/>
+        <p:nvPr/>
+      </p:nvGrpSpPr>
+      <p:grpSpPr>
+        <a:xfrm>
+          <a:off x="0" y="0"/>
+          <a:ext cx="0" cy="0"/>
+          <a:chOff x="0" y="0"/>
+          <a:chExt cx="0" cy="0"/>
+        </a:xfrm>
+      </p:grpSpPr>
+      <p:sp useBgFill="1">
+        <p:nvSpPr>
+          <p:cNvPr id="25" name="Rectangle 7">
+            <a:extLst>
+              <a:ext uri="{FF2B5EF4-FFF2-40B4-BE49-F238E27FC236}">
+                <a16:creationId xmlns:a16="http://schemas.microsoft.com/office/drawing/2014/main" id="{DA4E7B50-D68C-43EB-930F-EA442A13A9B2}"/>
+              </a:ext>
+              <a:ext uri="{C183D7F6-B498-43B3-948B-1728B52AA6E4}">
+                <adec:decorative xmlns:adec="http://schemas.microsoft.com/office/drawing/2017/decorative" val="1"/>
+              </a:ext>
+            </a:extLst>
+          </p:cNvPr>
+          <p:cNvSpPr>
+            <a:spLocks noGrp="1" noRot="1" noChangeAspect="1" noMove="1" noResize="1" noEditPoints="1" noAdjustHandles="1" noChangeArrowheads="1" noChangeShapeType="1" noTextEdit="1"/>
+          </p:cNvSpPr>
+          <p:nvPr>
+            <p:extLst>
+              <p:ext uri="{386F3935-93C4-4BCD-93E2-E3B085C9AB24}">
+                <p16:designElem xmlns:p16="http://schemas.microsoft.com/office/powerpoint/2015/main" val="1"/>
+              </p:ext>
+            </p:extLst>
+          </p:nvPr>
+        </p:nvSpPr>
+        <p:spPr>
+          <a:xfrm>
+            <a:off x="0" y="0"/>
+            <a:ext cx="12192001" cy="6858000"/>
+          </a:xfrm>
+          <a:prstGeom prst="rect">
+            <a:avLst/>
+          </a:prstGeom>
+          <a:ln>
+            <a:noFill/>
+          </a:ln>
+        </p:spPr>
+        <p:style>
+          <a:lnRef idx="2">
+            <a:schemeClr val="accent1">
+              <a:shade val="50000"/>
+            </a:schemeClr>
+          </a:lnRef>
+          <a:fillRef idx="1">
+            <a:schemeClr val="accent1"/>
+          </a:fillRef>
+          <a:effectRef idx="0">
+            <a:schemeClr val="accent1"/>
+          </a:effectRef>
+          <a:fontRef idx="minor">
+            <a:schemeClr val="lt1"/>
+          </a:fontRef>
+        </p:style>
+        <p:txBody>
+          <a:bodyPr rtlCol="0" anchor="ctr"/>
+          <a:lstStyle/>
+          <a:p>
+            <a:pPr algn="ctr"/>
+            <a:endParaRPr lang="en-US" dirty="0"/>
+          </a:p>
+        </p:txBody>
+      </p:sp>
+      <p:sp>
+        <p:nvSpPr>
+          <p:cNvPr id="26" name="Rectangle 9">
+            <a:extLst>
+              <a:ext uri="{FF2B5EF4-FFF2-40B4-BE49-F238E27FC236}">
+                <a16:creationId xmlns:a16="http://schemas.microsoft.com/office/drawing/2014/main" id="{3611DA2B-4CF7-4A57-82AC-FA120DE44DB9}"/>
+              </a:ext>
+              <a:ext uri="{C183D7F6-B498-43B3-948B-1728B52AA6E4}">
+                <adec:decorative xmlns:adec="http://schemas.microsoft.com/office/drawing/2017/decorative" val="1"/>
+              </a:ext>
+            </a:extLst>
+          </p:cNvPr>
+          <p:cNvSpPr>
+            <a:spLocks noGrp="1" noRot="1" noChangeAspect="1" noMove="1" noResize="1" noEditPoints="1" noAdjustHandles="1" noChangeArrowheads="1" noChangeShapeType="1" noTextEdit="1"/>
+          </p:cNvSpPr>
+          <p:nvPr>
+            <p:extLst>
+              <p:ext uri="{386F3935-93C4-4BCD-93E2-E3B085C9AB24}">
+                <p16:designElem xmlns:p16="http://schemas.microsoft.com/office/powerpoint/2015/main" val="1"/>
+              </p:ext>
+            </p:extLst>
+          </p:nvPr>
+        </p:nvSpPr>
+        <p:spPr>
+          <a:xfrm>
+            <a:off x="3048" y="1037230"/>
+            <a:ext cx="9158373" cy="5075171"/>
+          </a:xfrm>
+          <a:prstGeom prst="rect">
+            <a:avLst/>
+          </a:prstGeom>
+          <a:solidFill>
+            <a:schemeClr val="bg1">
+              <a:alpha val="75000"/>
+            </a:schemeClr>
+          </a:solidFill>
+          <a:ln>
+            <a:noFill/>
+          </a:ln>
+        </p:spPr>
+        <p:style>
+          <a:lnRef idx="2">
+            <a:schemeClr val="accent1">
+              <a:shade val="50000"/>
+            </a:schemeClr>
+          </a:lnRef>
+          <a:fillRef idx="1">
+            <a:schemeClr val="accent1"/>
+          </a:fillRef>
+          <a:effectRef idx="0">
+            <a:schemeClr val="accent1"/>
+          </a:effectRef>
+          <a:fontRef idx="minor">
+            <a:schemeClr val="lt1"/>
+          </a:fontRef>
+        </p:style>
+        <p:txBody>
+          <a:bodyPr rtlCol="0" anchor="ctr"/>
+          <a:lstStyle/>
+          <a:p>
+            <a:pPr algn="ctr"/>
+            <a:endParaRPr lang="en-US"/>
+          </a:p>
+        </p:txBody>
+      </p:sp>
+      <p:sp>
+        <p:nvSpPr>
+          <p:cNvPr id="2" name="Title 1">
+            <a:extLst>
+              <a:ext uri="{FF2B5EF4-FFF2-40B4-BE49-F238E27FC236}">
+                <a16:creationId xmlns:a16="http://schemas.microsoft.com/office/drawing/2014/main" id="{915DF631-353A-6F55-94EC-BDF5E4CE6F5D}"/>
+              </a:ext>
+            </a:extLst>
+          </p:cNvPr>
+          <p:cNvSpPr>
+            <a:spLocks noGrp="1"/>
+          </p:cNvSpPr>
+          <p:nvPr>
+            <p:ph type="title"/>
+          </p:nvPr>
+        </p:nvSpPr>
+        <p:spPr>
+          <a:xfrm>
+            <a:off x="642918" y="1475399"/>
+            <a:ext cx="7610536" cy="1140580"/>
+          </a:xfrm>
+        </p:spPr>
+        <p:txBody>
+          <a:bodyPr>
+            <a:normAutofit/>
+          </a:bodyPr>
+          <a:lstStyle/>
+          <a:p>
+            <a:r>
+              <a:rPr lang="en-GB" dirty="0"/>
+              <a:t>Technologies</a:t>
+            </a:r>
+          </a:p>
+        </p:txBody>
+      </p:sp>
+      <p:sp>
+        <p:nvSpPr>
+          <p:cNvPr id="27" name="Rectangle 11">
+            <a:extLst>
+              <a:ext uri="{FF2B5EF4-FFF2-40B4-BE49-F238E27FC236}">
+                <a16:creationId xmlns:a16="http://schemas.microsoft.com/office/drawing/2014/main" id="{02822754-E01B-4742-88B9-BE0984BAFE58}"/>
+              </a:ext>
+              <a:ext uri="{C183D7F6-B498-43B3-948B-1728B52AA6E4}">
+                <adec:decorative xmlns:adec="http://schemas.microsoft.com/office/drawing/2017/decorative" val="1"/>
+              </a:ext>
+            </a:extLst>
+          </p:cNvPr>
+          <p:cNvSpPr>
+            <a:spLocks noGrp="1" noRot="1" noChangeAspect="1" noMove="1" noResize="1" noEditPoints="1" noAdjustHandles="1" noChangeArrowheads="1" noChangeShapeType="1" noTextEdit="1"/>
+          </p:cNvSpPr>
+          <p:nvPr>
+            <p:extLst>
+              <p:ext uri="{386F3935-93C4-4BCD-93E2-E3B085C9AB24}">
+                <p16:designElem xmlns:p16="http://schemas.microsoft.com/office/powerpoint/2015/main" val="1"/>
+              </p:ext>
+            </p:extLst>
+          </p:nvPr>
+        </p:nvSpPr>
+        <p:spPr>
+          <a:xfrm>
+            <a:off x="9164471" y="-4078"/>
+            <a:ext cx="3027529" cy="1056542"/>
+          </a:xfrm>
+          <a:prstGeom prst="rect">
+            <a:avLst/>
+          </a:prstGeom>
+          <a:solidFill>
+            <a:schemeClr val="tx2"/>
+          </a:solidFill>
+          <a:ln>
+            <a:noFill/>
+          </a:ln>
+        </p:spPr>
+        <p:style>
+          <a:lnRef idx="2">
+            <a:schemeClr val="accent1">
+              <a:shade val="50000"/>
+            </a:schemeClr>
+          </a:lnRef>
+          <a:fillRef idx="1">
+            <a:schemeClr val="accent1"/>
+          </a:fillRef>
+          <a:effectRef idx="0">
+            <a:schemeClr val="accent1"/>
+          </a:effectRef>
+          <a:fontRef idx="minor">
+            <a:schemeClr val="lt1"/>
+          </a:fontRef>
+        </p:style>
+        <p:txBody>
+          <a:bodyPr rtlCol="0" anchor="ctr"/>
+          <a:lstStyle/>
+          <a:p>
+            <a:pPr algn="ctr"/>
+            <a:endParaRPr lang="en-US"/>
+          </a:p>
+        </p:txBody>
+      </p:sp>
+      <p:sp>
+        <p:nvSpPr>
+          <p:cNvPr id="28" name="Rectangle 13">
+            <a:extLst>
+              <a:ext uri="{FF2B5EF4-FFF2-40B4-BE49-F238E27FC236}">
+                <a16:creationId xmlns:a16="http://schemas.microsoft.com/office/drawing/2014/main" id="{65304E59-B4DC-4CA3-89F1-5C88000EB708}"/>
+              </a:ext>
+              <a:ext uri="{C183D7F6-B498-43B3-948B-1728B52AA6E4}">
+                <adec:decorative xmlns:adec="http://schemas.microsoft.com/office/drawing/2017/decorative" val="1"/>
+              </a:ext>
+            </a:extLst>
+          </p:cNvPr>
+          <p:cNvSpPr>
+            <a:spLocks noGrp="1" noRot="1" noChangeAspect="1" noMove="1" noResize="1" noEditPoints="1" noAdjustHandles="1" noChangeArrowheads="1" noChangeShapeType="1" noTextEdit="1"/>
+          </p:cNvSpPr>
+          <p:nvPr>
+            <p:extLst>
+              <p:ext uri="{386F3935-93C4-4BCD-93E2-E3B085C9AB24}">
+                <p16:designElem xmlns:p16="http://schemas.microsoft.com/office/powerpoint/2015/main" val="1"/>
+              </p:ext>
+            </p:extLst>
+          </p:nvPr>
+        </p:nvSpPr>
+        <p:spPr>
+          <a:xfrm>
+            <a:off x="9161420" y="6167615"/>
+            <a:ext cx="3027529" cy="690385"/>
+          </a:xfrm>
+          <a:prstGeom prst="rect">
+            <a:avLst/>
+          </a:prstGeom>
+          <a:solidFill>
+            <a:schemeClr val="bg1">
+              <a:alpha val="75000"/>
+            </a:schemeClr>
+          </a:solidFill>
+          <a:ln>
+            <a:noFill/>
+          </a:ln>
+        </p:spPr>
+        <p:style>
+          <a:lnRef idx="2">
+            <a:schemeClr val="accent1">
+              <a:shade val="50000"/>
+            </a:schemeClr>
+          </a:lnRef>
+          <a:fillRef idx="1">
+            <a:schemeClr val="accent1"/>
+          </a:fillRef>
+          <a:effectRef idx="0">
+            <a:schemeClr val="accent1"/>
+          </a:effectRef>
+          <a:fontRef idx="minor">
+            <a:schemeClr val="lt1"/>
+          </a:fontRef>
+        </p:style>
+        <p:txBody>
+          <a:bodyPr rtlCol="0" anchor="ctr"/>
+          <a:lstStyle/>
+          <a:p>
+            <a:pPr algn="ctr"/>
+            <a:endParaRPr lang="en-US"/>
+          </a:p>
+        </p:txBody>
+      </p:sp>
+      <p:sp>
+        <p:nvSpPr>
+          <p:cNvPr id="29" name="Rectangle 15">
+            <a:extLst>
+              <a:ext uri="{FF2B5EF4-FFF2-40B4-BE49-F238E27FC236}">
+                <a16:creationId xmlns:a16="http://schemas.microsoft.com/office/drawing/2014/main" id="{C1CF7BFC-0A02-4106-88A8-CCC0D944451E}"/>
+              </a:ext>
+              <a:ext uri="{C183D7F6-B498-43B3-948B-1728B52AA6E4}">
+                <adec:decorative xmlns:adec="http://schemas.microsoft.com/office/drawing/2017/decorative" val="1"/>
+              </a:ext>
+            </a:extLst>
+          </p:cNvPr>
+          <p:cNvSpPr>
+            <a:spLocks noGrp="1" noRot="1" noChangeAspect="1" noMove="1" noResize="1" noEditPoints="1" noAdjustHandles="1" noChangeArrowheads="1" noChangeShapeType="1" noTextEdit="1"/>
+          </p:cNvSpPr>
+          <p:nvPr>
+            <p:extLst>
+              <p:ext uri="{386F3935-93C4-4BCD-93E2-E3B085C9AB24}">
+                <p16:designElem xmlns:p16="http://schemas.microsoft.com/office/powerpoint/2015/main" val="1"/>
+              </p:ext>
+            </p:extLst>
+          </p:nvPr>
+        </p:nvSpPr>
+        <p:spPr>
+          <a:xfrm>
+            <a:off x="0" y="6144405"/>
+            <a:ext cx="9201530" cy="734559"/>
+          </a:xfrm>
+          <a:prstGeom prst="rect">
+            <a:avLst/>
+          </a:prstGeom>
+          <a:solidFill>
+            <a:schemeClr val="tx2"/>
+          </a:solidFill>
+          <a:ln>
+            <a:noFill/>
+          </a:ln>
+        </p:spPr>
+        <p:style>
+          <a:lnRef idx="2">
+            <a:schemeClr val="accent1">
+              <a:shade val="50000"/>
+            </a:schemeClr>
+          </a:lnRef>
+          <a:fillRef idx="1">
+            <a:schemeClr val="accent1"/>
+          </a:fillRef>
+          <a:effectRef idx="0">
+            <a:schemeClr val="accent1"/>
+          </a:effectRef>
+          <a:fontRef idx="minor">
+            <a:schemeClr val="lt1"/>
+          </a:fontRef>
+        </p:style>
+        <p:txBody>
+          <a:bodyPr rtlCol="0" anchor="ctr"/>
+          <a:lstStyle/>
+          <a:p>
+            <a:pPr algn="ctr"/>
+            <a:endParaRPr lang="en-US"/>
+          </a:p>
+        </p:txBody>
+      </p:sp>
+      <p:sp>
+        <p:nvSpPr>
+          <p:cNvPr id="30" name="Rectangle 17">
+            <a:extLst>
+              <a:ext uri="{FF2B5EF4-FFF2-40B4-BE49-F238E27FC236}">
+                <a16:creationId xmlns:a16="http://schemas.microsoft.com/office/drawing/2014/main" id="{1C1079DE-42AC-4D2A-8027-2E9A51B36D7E}"/>
+              </a:ext>
+              <a:ext uri="{C183D7F6-B498-43B3-948B-1728B52AA6E4}">
+                <adec:decorative xmlns:adec="http://schemas.microsoft.com/office/drawing/2017/decorative" val="1"/>
+              </a:ext>
+            </a:extLst>
+          </p:cNvPr>
+          <p:cNvSpPr>
+            <a:spLocks noGrp="1" noRot="1" noChangeAspect="1" noMove="1" noResize="1" noEditPoints="1" noAdjustHandles="1" noChangeArrowheads="1" noChangeShapeType="1" noTextEdit="1"/>
+          </p:cNvSpPr>
+          <p:nvPr>
+            <p:extLst>
+              <p:ext uri="{386F3935-93C4-4BCD-93E2-E3B085C9AB24}">
+                <p16:designElem xmlns:p16="http://schemas.microsoft.com/office/powerpoint/2015/main" val="1"/>
+              </p:ext>
+            </p:extLst>
+          </p:nvPr>
+        </p:nvSpPr>
+        <p:spPr>
+          <a:xfrm>
+            <a:off x="9164472" y="1052464"/>
+            <a:ext cx="3027528" cy="5115151"/>
+          </a:xfrm>
+          <a:prstGeom prst="rect">
+            <a:avLst/>
+          </a:prstGeom>
+          <a:solidFill>
+            <a:schemeClr val="accent1">
+              <a:alpha val="75000"/>
+            </a:schemeClr>
+          </a:solidFill>
+          <a:ln>
+            <a:noFill/>
+          </a:ln>
+        </p:spPr>
+        <p:style>
+          <a:lnRef idx="2">
+            <a:schemeClr val="accent1">
+              <a:shade val="50000"/>
+            </a:schemeClr>
+          </a:lnRef>
+          <a:fillRef idx="1">
+            <a:schemeClr val="accent1"/>
+          </a:fillRef>
+          <a:effectRef idx="0">
+            <a:schemeClr val="accent1"/>
+          </a:effectRef>
+          <a:fontRef idx="minor">
+            <a:schemeClr val="lt1"/>
+          </a:fontRef>
+        </p:style>
+        <p:txBody>
+          <a:bodyPr rtlCol="0" anchor="ctr"/>
+          <a:lstStyle/>
+          <a:p>
+            <a:pPr algn="ctr"/>
+            <a:endParaRPr lang="en-US"/>
+          </a:p>
+        </p:txBody>
+      </p:sp>
+      <p:sp>
+        <p:nvSpPr>
+          <p:cNvPr id="31" name="Rectangle 19">
+            <a:extLst>
+              <a:ext uri="{FF2B5EF4-FFF2-40B4-BE49-F238E27FC236}">
+                <a16:creationId xmlns:a16="http://schemas.microsoft.com/office/drawing/2014/main" id="{387C5BBA-BBE2-4821-96CF-38FC49570F60}"/>
+              </a:ext>
+              <a:ext uri="{C183D7F6-B498-43B3-948B-1728B52AA6E4}">
+                <adec:decorative xmlns:adec="http://schemas.microsoft.com/office/drawing/2017/decorative" val="1"/>
+              </a:ext>
+            </a:extLst>
+          </p:cNvPr>
+          <p:cNvSpPr>
+            <a:spLocks noGrp="1" noRot="1" noChangeAspect="1" noMove="1" noResize="1" noEditPoints="1" noAdjustHandles="1" noChangeArrowheads="1" noChangeShapeType="1" noTextEdit="1"/>
+          </p:cNvSpPr>
+          <p:nvPr>
+            <p:extLst>
+              <p:ext uri="{386F3935-93C4-4BCD-93E2-E3B085C9AB24}">
+                <p16:designElem xmlns:p16="http://schemas.microsoft.com/office/powerpoint/2015/main" val="1"/>
+              </p:ext>
+            </p:extLst>
+          </p:nvPr>
+        </p:nvSpPr>
+        <p:spPr>
+          <a:xfrm>
+            <a:off x="1525" y="1031500"/>
+            <a:ext cx="12188951" cy="64008"/>
+          </a:xfrm>
+          <a:prstGeom prst="rect">
+            <a:avLst/>
+          </a:prstGeom>
+          <a:solidFill>
+            <a:schemeClr val="tx2"/>
+          </a:solidFill>
+          <a:ln>
+            <a:noFill/>
+          </a:ln>
+        </p:spPr>
+        <p:style>
+          <a:lnRef idx="2">
+            <a:schemeClr val="accent1">
+              <a:shade val="50000"/>
+            </a:schemeClr>
+          </a:lnRef>
+          <a:fillRef idx="1">
+            <a:schemeClr val="accent1"/>
+          </a:fillRef>
+          <a:effectRef idx="0">
+            <a:schemeClr val="accent1"/>
+          </a:effectRef>
+          <a:fontRef idx="minor">
+            <a:schemeClr val="lt1"/>
+          </a:fontRef>
+        </p:style>
+        <p:txBody>
+          <a:bodyPr rtlCol="0" anchor="ctr"/>
+          <a:lstStyle/>
+          <a:p>
+            <a:pPr algn="ctr"/>
+            <a:endParaRPr lang="en-US"/>
+          </a:p>
+        </p:txBody>
+      </p:sp>
+      <p:sp>
+        <p:nvSpPr>
+          <p:cNvPr id="3" name="Content Placeholder 2">
+            <a:extLst>
+              <a:ext uri="{FF2B5EF4-FFF2-40B4-BE49-F238E27FC236}">
+                <a16:creationId xmlns:a16="http://schemas.microsoft.com/office/drawing/2014/main" id="{9F8BB0F1-FACF-837A-6407-17797770D295}"/>
+              </a:ext>
+            </a:extLst>
+          </p:cNvPr>
+          <p:cNvSpPr>
+            <a:spLocks noGrp="1"/>
+          </p:cNvSpPr>
+          <p:nvPr>
+            <p:ph idx="1"/>
+          </p:nvPr>
+        </p:nvSpPr>
+        <p:spPr>
+          <a:xfrm>
+            <a:off x="787179" y="2743995"/>
+            <a:ext cx="7610536" cy="3030599"/>
+          </a:xfrm>
+        </p:spPr>
+        <p:txBody>
+          <a:bodyPr anchor="t">
+            <a:normAutofit lnSpcReduction="10000"/>
+          </a:bodyPr>
+          <a:lstStyle/>
+          <a:p>
+            <a:pPr marL="285750" indent="-285750">
+              <a:buFont typeface="Arial" panose="020B0604020202020204" pitchFamily="34" charset="0"/>
+              <a:buChar char="•"/>
+            </a:pPr>
+            <a:r>
+              <a:rPr lang="en-GB" dirty="0"/>
+              <a:t>React.js</a:t>
+            </a:r>
+          </a:p>
+          <a:p>
+            <a:pPr marL="285750" indent="-285750">
+              <a:buFont typeface="Arial" panose="020B0604020202020204" pitchFamily="34" charset="0"/>
+              <a:buChar char="•"/>
+            </a:pPr>
+            <a:r>
+              <a:rPr lang="en-GB" dirty="0"/>
+              <a:t>MERN Stack</a:t>
+            </a:r>
+          </a:p>
+          <a:p>
+            <a:pPr marL="285750" indent="-285750">
+              <a:buFont typeface="Arial" panose="020B0604020202020204" pitchFamily="34" charset="0"/>
+              <a:buChar char="•"/>
+            </a:pPr>
+            <a:r>
+              <a:rPr lang="en-GB" dirty="0"/>
+              <a:t>Tesseract OCR</a:t>
+            </a:r>
+          </a:p>
+          <a:p>
+            <a:pPr marL="285750" indent="-285750">
+              <a:buFont typeface="Arial" panose="020B0604020202020204" pitchFamily="34" charset="0"/>
+              <a:buChar char="•"/>
+            </a:pPr>
+            <a:r>
+              <a:rPr lang="en-GB" dirty="0"/>
+              <a:t>Quill.js</a:t>
+            </a:r>
+          </a:p>
+          <a:p>
+            <a:pPr marL="285750" indent="-285750">
+              <a:buFont typeface="Arial" panose="020B0604020202020204" pitchFamily="34" charset="0"/>
+              <a:buChar char="•"/>
+            </a:pPr>
+            <a:r>
+              <a:rPr lang="en-GB" dirty="0"/>
+              <a:t>Socket io</a:t>
+            </a:r>
+          </a:p>
+          <a:p>
+            <a:pPr marL="285750" indent="-285750">
+              <a:buFont typeface="Arial" panose="020B0604020202020204" pitchFamily="34" charset="0"/>
+              <a:buChar char="•"/>
+            </a:pPr>
+            <a:r>
+              <a:rPr lang="en-GB" dirty="0"/>
+              <a:t>Figma</a:t>
+            </a:r>
+          </a:p>
+          <a:p>
+            <a:pPr marL="285750" indent="-285750">
+              <a:buFont typeface="Arial" panose="020B0604020202020204" pitchFamily="34" charset="0"/>
+              <a:buChar char="•"/>
+            </a:pPr>
+            <a:endParaRPr lang="en-GB" dirty="0"/>
+          </a:p>
+        </p:txBody>
+      </p:sp>
+      <p:sp>
+        <p:nvSpPr>
+          <p:cNvPr id="32" name="Rectangle 21">
+            <a:extLst>
+              <a:ext uri="{FF2B5EF4-FFF2-40B4-BE49-F238E27FC236}">
+                <a16:creationId xmlns:a16="http://schemas.microsoft.com/office/drawing/2014/main" id="{73167A8C-FFEF-4D1B-8459-E2BB5C045FAE}"/>
+              </a:ext>
+              <a:ext uri="{C183D7F6-B498-43B3-948B-1728B52AA6E4}">
+                <adec:decorative xmlns:adec="http://schemas.microsoft.com/office/drawing/2017/decorative" val="1"/>
+              </a:ext>
+            </a:extLst>
+          </p:cNvPr>
+          <p:cNvSpPr>
+            <a:spLocks noGrp="1" noRot="1" noChangeAspect="1" noMove="1" noResize="1" noEditPoints="1" noAdjustHandles="1" noChangeArrowheads="1" noChangeShapeType="1" noTextEdit="1"/>
+          </p:cNvSpPr>
+          <p:nvPr>
+            <p:extLst>
+              <p:ext uri="{386F3935-93C4-4BCD-93E2-E3B085C9AB24}">
+                <p16:designElem xmlns:p16="http://schemas.microsoft.com/office/powerpoint/2015/main" val="1"/>
+              </p:ext>
+            </p:extLst>
+          </p:nvPr>
+        </p:nvSpPr>
+        <p:spPr>
+          <a:xfrm>
+            <a:off x="1525" y="6112401"/>
+            <a:ext cx="12188951" cy="64008"/>
+          </a:xfrm>
+          <a:prstGeom prst="rect">
+            <a:avLst/>
+          </a:prstGeom>
+          <a:solidFill>
+            <a:schemeClr val="tx2"/>
+          </a:solidFill>
+          <a:ln>
+            <a:noFill/>
+          </a:ln>
+        </p:spPr>
+        <p:style>
+          <a:lnRef idx="2">
+            <a:schemeClr val="accent1">
+              <a:shade val="50000"/>
+            </a:schemeClr>
+          </a:lnRef>
+          <a:fillRef idx="1">
+            <a:schemeClr val="accent1"/>
+          </a:fillRef>
+          <a:effectRef idx="0">
+            <a:schemeClr val="accent1"/>
+          </a:effectRef>
+          <a:fontRef idx="minor">
+            <a:schemeClr val="lt1"/>
+          </a:fontRef>
+        </p:style>
+        <p:txBody>
+          <a:bodyPr rtlCol="0" anchor="ctr"/>
+          <a:lstStyle/>
+          <a:p>
+            <a:pPr algn="ctr"/>
+            <a:endParaRPr lang="en-US"/>
+          </a:p>
+        </p:txBody>
+      </p:sp>
+      <p:sp>
+        <p:nvSpPr>
+          <p:cNvPr id="24" name="Rectangle 23">
+            <a:extLst>
+              <a:ext uri="{FF2B5EF4-FFF2-40B4-BE49-F238E27FC236}">
+                <a16:creationId xmlns:a16="http://schemas.microsoft.com/office/drawing/2014/main" id="{1CA3DFBE-30A6-4BDE-9238-14F3652B4F99}"/>
+              </a:ext>
+              <a:ext uri="{C183D7F6-B498-43B3-948B-1728B52AA6E4}">
+                <adec:decorative xmlns:adec="http://schemas.microsoft.com/office/drawing/2017/decorative" val="1"/>
+              </a:ext>
+            </a:extLst>
+          </p:cNvPr>
+          <p:cNvSpPr>
+            <a:spLocks noGrp="1" noRot="1" noChangeAspect="1" noMove="1" noResize="1" noEditPoints="1" noAdjustHandles="1" noChangeArrowheads="1" noChangeShapeType="1" noTextEdit="1"/>
+          </p:cNvSpPr>
+          <p:nvPr>
+            <p:extLst>
+              <p:ext uri="{386F3935-93C4-4BCD-93E2-E3B085C9AB24}">
+                <p16:designElem xmlns:p16="http://schemas.microsoft.com/office/powerpoint/2015/main" val="1"/>
+              </p:ext>
+            </p:extLst>
+          </p:nvPr>
+        </p:nvSpPr>
+        <p:spPr>
+          <a:xfrm>
+            <a:off x="9143991" y="0"/>
+            <a:ext cx="64008" cy="6858000"/>
+          </a:xfrm>
+          <a:prstGeom prst="rect">
+            <a:avLst/>
+          </a:prstGeom>
+          <a:solidFill>
+            <a:schemeClr val="tx2"/>
+          </a:solidFill>
+          <a:ln>
+            <a:noFill/>
+          </a:ln>
+        </p:spPr>
+        <p:style>
+          <a:lnRef idx="2">
+            <a:schemeClr val="accent1">
+              <a:shade val="50000"/>
+            </a:schemeClr>
+          </a:lnRef>
+          <a:fillRef idx="1">
+            <a:schemeClr val="accent1"/>
+          </a:fillRef>
+          <a:effectRef idx="0">
+            <a:schemeClr val="accent1"/>
+          </a:effectRef>
+          <a:fontRef idx="minor">
+            <a:schemeClr val="lt1"/>
+          </a:fontRef>
+        </p:style>
+        <p:txBody>
+          <a:bodyPr rtlCol="0" anchor="ctr"/>
+          <a:lstStyle/>
+          <a:p>
+            <a:pPr algn="ctr"/>
+            <a:endParaRPr lang="en-US"/>
+          </a:p>
+        </p:txBody>
+      </p:sp>
+    </p:spTree>
+    <p:extLst>
+      <p:ext uri="{BB962C8B-B14F-4D97-AF65-F5344CB8AC3E}">
+        <p14:creationId xmlns:p14="http://schemas.microsoft.com/office/powerpoint/2010/main" val="2906010196"/>
+      </p:ext>
+    </p:extLst>
+  </p:cSld>
+  <p:clrMapOvr>
+    <a:masterClrMapping/>
+  </p:clrMapOvr>
+</p:sld>
+</file>
+
+<file path=ppt/slides/slide12.xml><?xml version="1.0" encoding="utf-8"?>
 <p:sld xmlns:a="http://schemas.openxmlformats.org/drawingml/2006/main" xmlns:r="http://schemas.openxmlformats.org/officeDocument/2006/relationships" xmlns:p="http://schemas.openxmlformats.org/presentationml/2006/main">
   <p:cSld>
     <p:bg>
@@ -7920,7 +10405,7 @@
           <p:nvPr/>
         </p:nvPicPr>
         <p:blipFill rotWithShape="1">
-          <a:blip r:embed="rId2"/>
+          <a:blip r:embed="rId3"/>
           <a:srcRect t="6431" r="-2" b="9097"/>
           <a:stretch/>
         </p:blipFill>
@@ -8308,7 +10793,7 @@
 </p:sld>
 </file>
 
-<file path=ppt/slides/slide11.xml><?xml version="1.0" encoding="utf-8"?>
+<file path=ppt/slides/slide13.xml><?xml version="1.0" encoding="utf-8"?>
 <p:sld xmlns:a="http://schemas.openxmlformats.org/drawingml/2006/main" xmlns:r="http://schemas.openxmlformats.org/officeDocument/2006/relationships" xmlns:p="http://schemas.openxmlformats.org/presentationml/2006/main">
   <p:cSld>
     <p:bg>
@@ -8825,7 +11310,7 @@
 </p:sld>
 </file>
 
-<file path=ppt/slides/slide12.xml><?xml version="1.0" encoding="utf-8"?>
+<file path=ppt/slides/slide14.xml><?xml version="1.0" encoding="utf-8"?>
 <p:sld xmlns:a="http://schemas.openxmlformats.org/drawingml/2006/main" xmlns:r="http://schemas.openxmlformats.org/officeDocument/2006/relationships" xmlns:p="http://schemas.openxmlformats.org/presentationml/2006/main">
   <p:cSld>
     <p:bg>
@@ -9609,7 +12094,7 @@
 </p:sld>
 </file>
 
-<file path=ppt/slides/slide13.xml><?xml version="1.0" encoding="utf-8"?>
+<file path=ppt/slides/slide15.xml><?xml version="1.0" encoding="utf-8"?>
 <p:sld xmlns:a="http://schemas.openxmlformats.org/drawingml/2006/main" xmlns:r="http://schemas.openxmlformats.org/officeDocument/2006/relationships" xmlns:p="http://schemas.openxmlformats.org/presentationml/2006/main">
   <p:cSld>
     <p:bg>
@@ -10059,7 +12544,7 @@
 </p:sld>
 </file>
 
-<file path=ppt/slides/slide14.xml><?xml version="1.0" encoding="utf-8"?>
+<file path=ppt/slides/slide16.xml><?xml version="1.0" encoding="utf-8"?>
 <p:sld xmlns:a="http://schemas.openxmlformats.org/drawingml/2006/main" xmlns:r="http://schemas.openxmlformats.org/officeDocument/2006/relationships" xmlns:p="http://schemas.openxmlformats.org/presentationml/2006/main">
   <p:cSld>
     <p:bg>
@@ -11265,16 +13750,6 @@
             </a:pPr>
             <a:r>
               <a:rPr lang="en-GB" dirty="0"/>
-              <a:t>Containing an OCR functionality</a:t>
-            </a:r>
-          </a:p>
-          <a:p>
-            <a:pPr marL="285750" indent="-285750">
-              <a:buFont typeface="Arial" panose="020B0604020202020204" pitchFamily="34" charset="0"/>
-              <a:buChar char="•"/>
-            </a:pPr>
-            <a:r>
-              <a:rPr lang="en-GB" dirty="0"/>
               <a:t>A notes taking application</a:t>
             </a:r>
           </a:p>
@@ -11286,6 +13761,16 @@
             <a:r>
               <a:rPr lang="en-GB" dirty="0"/>
               <a:t>Application should contain a user-friendly design</a:t>
+            </a:r>
+          </a:p>
+          <a:p>
+            <a:pPr marL="285750" indent="-285750">
+              <a:buFont typeface="Arial" panose="020B0604020202020204" pitchFamily="34" charset="0"/>
+              <a:buChar char="•"/>
+            </a:pPr>
+            <a:r>
+              <a:rPr lang="en-GB" dirty="0"/>
+              <a:t>Containing OCR functionality</a:t>
             </a:r>
           </a:p>
           <a:p>
@@ -11335,12 +13820,12 @@
           <a:chExt cx="0" cy="0"/>
         </a:xfrm>
       </p:grpSpPr>
-      <p:sp useBgFill="1">
-        <p:nvSpPr>
-          <p:cNvPr id="8" name="Rectangle 7">
+      <p:sp>
+        <p:nvSpPr>
+          <p:cNvPr id="10" name="Rectangle 9">
             <a:extLst>
               <a:ext uri="{FF2B5EF4-FFF2-40B4-BE49-F238E27FC236}">
-                <a16:creationId xmlns:a16="http://schemas.microsoft.com/office/drawing/2014/main" id="{72526924-84D3-45FB-A5FE-62D8FCBF53B6}"/>
+                <a16:creationId xmlns:a16="http://schemas.microsoft.com/office/drawing/2014/main" id="{1ED69555-EE48-4B19-812B-4E1068DBF976}"/>
               </a:ext>
               <a:ext uri="{C183D7F6-B498-43B3-948B-1728B52AA6E4}">
                 <adec:decorative xmlns:adec="http://schemas.microsoft.com/office/drawing/2017/decorative" val="1"/>
@@ -11360,68 +13845,8 @@
         </p:nvSpPr>
         <p:spPr>
           <a:xfrm>
-            <a:off x="0" y="0"/>
-            <a:ext cx="12192001" cy="6858000"/>
-          </a:xfrm>
-          <a:prstGeom prst="rect">
-            <a:avLst/>
-          </a:prstGeom>
-          <a:ln>
-            <a:noFill/>
-          </a:ln>
-        </p:spPr>
-        <p:style>
-          <a:lnRef idx="2">
-            <a:schemeClr val="accent1">
-              <a:shade val="50000"/>
-            </a:schemeClr>
-          </a:lnRef>
-          <a:fillRef idx="1">
-            <a:schemeClr val="accent1"/>
-          </a:fillRef>
-          <a:effectRef idx="0">
-            <a:schemeClr val="accent1"/>
-          </a:effectRef>
-          <a:fontRef idx="minor">
-            <a:schemeClr val="lt1"/>
-          </a:fontRef>
-        </p:style>
-        <p:txBody>
-          <a:bodyPr rtlCol="0" anchor="ctr"/>
-          <a:lstStyle/>
-          <a:p>
-            <a:pPr algn="ctr"/>
-            <a:endParaRPr lang="en-US"/>
-          </a:p>
-        </p:txBody>
-      </p:sp>
-      <p:sp>
-        <p:nvSpPr>
-          <p:cNvPr id="10" name="Rectangle 9">
-            <a:extLst>
-              <a:ext uri="{FF2B5EF4-FFF2-40B4-BE49-F238E27FC236}">
-                <a16:creationId xmlns:a16="http://schemas.microsoft.com/office/drawing/2014/main" id="{5C2A6256-1DD0-4E4B-A8B3-9A711B4DBE0C}"/>
-              </a:ext>
-              <a:ext uri="{C183D7F6-B498-43B3-948B-1728B52AA6E4}">
-                <adec:decorative xmlns:adec="http://schemas.microsoft.com/office/drawing/2017/decorative" val="1"/>
-              </a:ext>
-            </a:extLst>
-          </p:cNvPr>
-          <p:cNvSpPr>
-            <a:spLocks noGrp="1" noRot="1" noChangeAspect="1" noMove="1" noResize="1" noEditPoints="1" noAdjustHandles="1" noChangeArrowheads="1" noChangeShapeType="1" noTextEdit="1"/>
-          </p:cNvSpPr>
-          <p:nvPr>
-            <p:extLst>
-              <p:ext uri="{386F3935-93C4-4BCD-93E2-E3B085C9AB24}">
-                <p16:designElem xmlns:p16="http://schemas.microsoft.com/office/powerpoint/2015/main" val="1"/>
-              </p:ext>
-            </p:extLst>
-          </p:nvPr>
-        </p:nvSpPr>
-        <p:spPr>
-          <a:xfrm>
-            <a:off x="1038768" y="2130218"/>
-            <a:ext cx="11153231" cy="4727782"/>
+            <a:off x="7573754" y="0"/>
+            <a:ext cx="4618246" cy="6858000"/>
           </a:xfrm>
           <a:prstGeom prst="rect">
             <a:avLst/>
@@ -11462,407 +13887,7 @@
       </p:sp>
       <p:sp>
         <p:nvSpPr>
-          <p:cNvPr id="12" name="Rectangle 11">
-            <a:extLst>
-              <a:ext uri="{FF2B5EF4-FFF2-40B4-BE49-F238E27FC236}">
-                <a16:creationId xmlns:a16="http://schemas.microsoft.com/office/drawing/2014/main" id="{41760540-185E-4652-BFD2-9B362EF3BC99}"/>
-              </a:ext>
-              <a:ext uri="{C183D7F6-B498-43B3-948B-1728B52AA6E4}">
-                <adec:decorative xmlns:adec="http://schemas.microsoft.com/office/drawing/2017/decorative" val="1"/>
-              </a:ext>
-            </a:extLst>
-          </p:cNvPr>
-          <p:cNvSpPr>
-            <a:spLocks noGrp="1" noRot="1" noChangeAspect="1" noMove="1" noResize="1" noEditPoints="1" noAdjustHandles="1" noChangeArrowheads="1" noChangeShapeType="1" noTextEdit="1"/>
-          </p:cNvSpPr>
-          <p:nvPr>
-            <p:extLst>
-              <p:ext uri="{386F3935-93C4-4BCD-93E2-E3B085C9AB24}">
-                <p16:designElem xmlns:p16="http://schemas.microsoft.com/office/powerpoint/2015/main" val="1"/>
-              </p:ext>
-            </p:extLst>
-          </p:nvPr>
-        </p:nvSpPr>
-        <p:spPr>
-          <a:xfrm>
-            <a:off x="0" y="896641"/>
-            <a:ext cx="12192000" cy="1347716"/>
-          </a:xfrm>
-          <a:prstGeom prst="rect">
-            <a:avLst/>
-          </a:prstGeom>
-          <a:solidFill>
-            <a:schemeClr val="tx2"/>
-          </a:solidFill>
-          <a:ln>
-            <a:noFill/>
-          </a:ln>
-        </p:spPr>
-        <p:style>
-          <a:lnRef idx="2">
-            <a:schemeClr val="accent1">
-              <a:shade val="50000"/>
-            </a:schemeClr>
-          </a:lnRef>
-          <a:fillRef idx="1">
-            <a:schemeClr val="accent1"/>
-          </a:fillRef>
-          <a:effectRef idx="0">
-            <a:schemeClr val="accent1"/>
-          </a:effectRef>
-          <a:fontRef idx="minor">
-            <a:schemeClr val="lt1"/>
-          </a:fontRef>
-        </p:style>
-        <p:txBody>
-          <a:bodyPr rtlCol="0" anchor="ctr"/>
-          <a:lstStyle/>
-          <a:p>
-            <a:pPr algn="ctr"/>
-            <a:endParaRPr lang="en-US"/>
-          </a:p>
-        </p:txBody>
-      </p:sp>
-      <p:sp>
-        <p:nvSpPr>
-          <p:cNvPr id="2" name="Title 1">
-            <a:extLst>
-              <a:ext uri="{FF2B5EF4-FFF2-40B4-BE49-F238E27FC236}">
-                <a16:creationId xmlns:a16="http://schemas.microsoft.com/office/drawing/2014/main" id="{D0D1D769-3C79-4893-CD29-A848DD3BF1DA}"/>
-              </a:ext>
-            </a:extLst>
-          </p:cNvPr>
-          <p:cNvSpPr>
-            <a:spLocks noGrp="1"/>
-          </p:cNvSpPr>
-          <p:nvPr>
-            <p:ph type="title"/>
-          </p:nvPr>
-        </p:nvSpPr>
-        <p:spPr>
-          <a:xfrm>
-            <a:off x="1535371" y="1044054"/>
-            <a:ext cx="10013709" cy="1030360"/>
-          </a:xfrm>
-        </p:spPr>
-        <p:txBody>
-          <a:bodyPr>
-            <a:normAutofit/>
-          </a:bodyPr>
-          <a:lstStyle/>
-          <a:p>
-            <a:r>
-              <a:rPr lang="en-GB">
-                <a:solidFill>
-                  <a:schemeClr val="bg1"/>
-                </a:solidFill>
-              </a:rPr>
-              <a:t>Existing Applications</a:t>
-            </a:r>
-          </a:p>
-        </p:txBody>
-      </p:sp>
-      <p:sp>
-        <p:nvSpPr>
-          <p:cNvPr id="14" name="Rectangle 13">
-            <a:extLst>
-              <a:ext uri="{FF2B5EF4-FFF2-40B4-BE49-F238E27FC236}">
-                <a16:creationId xmlns:a16="http://schemas.microsoft.com/office/drawing/2014/main" id="{729789F4-85C1-41A0-83EB-992E22210CB9}"/>
-              </a:ext>
-              <a:ext uri="{C183D7F6-B498-43B3-948B-1728B52AA6E4}">
-                <adec:decorative xmlns:adec="http://schemas.microsoft.com/office/drawing/2017/decorative" val="1"/>
-              </a:ext>
-            </a:extLst>
-          </p:cNvPr>
-          <p:cNvSpPr>
-            <a:spLocks noGrp="1" noRot="1" noChangeAspect="1" noMove="1" noResize="1" noEditPoints="1" noAdjustHandles="1" noChangeArrowheads="1" noChangeShapeType="1" noTextEdit="1"/>
-          </p:cNvSpPr>
-          <p:nvPr>
-            <p:extLst>
-              <p:ext uri="{386F3935-93C4-4BCD-93E2-E3B085C9AB24}">
-                <p16:designElem xmlns:p16="http://schemas.microsoft.com/office/powerpoint/2015/main" val="1"/>
-              </p:ext>
-            </p:extLst>
-          </p:nvPr>
-        </p:nvSpPr>
-        <p:spPr>
-          <a:xfrm>
-            <a:off x="-1" y="962423"/>
-            <a:ext cx="1006766" cy="1216152"/>
-          </a:xfrm>
-          <a:prstGeom prst="rect">
-            <a:avLst/>
-          </a:prstGeom>
-          <a:solidFill>
-            <a:schemeClr val="accent1"/>
-          </a:solidFill>
-          <a:ln>
-            <a:noFill/>
-          </a:ln>
-        </p:spPr>
-        <p:style>
-          <a:lnRef idx="2">
-            <a:schemeClr val="accent1">
-              <a:shade val="50000"/>
-            </a:schemeClr>
-          </a:lnRef>
-          <a:fillRef idx="1">
-            <a:schemeClr val="accent1"/>
-          </a:fillRef>
-          <a:effectRef idx="0">
-            <a:schemeClr val="accent1"/>
-          </a:effectRef>
-          <a:fontRef idx="minor">
-            <a:schemeClr val="lt1"/>
-          </a:fontRef>
-        </p:style>
-        <p:txBody>
-          <a:bodyPr rtlCol="0" anchor="ctr"/>
-          <a:lstStyle/>
-          <a:p>
-            <a:pPr algn="ctr"/>
-            <a:endParaRPr lang="en-US"/>
-          </a:p>
-        </p:txBody>
-      </p:sp>
-      <p:sp>
-        <p:nvSpPr>
-          <p:cNvPr id="16" name="Rectangle 15">
-            <a:extLst>
-              <a:ext uri="{FF2B5EF4-FFF2-40B4-BE49-F238E27FC236}">
-                <a16:creationId xmlns:a16="http://schemas.microsoft.com/office/drawing/2014/main" id="{9D9D367D-6DD2-4A7C-8918-0DCAC297559A}"/>
-              </a:ext>
-              <a:ext uri="{C183D7F6-B498-43B3-948B-1728B52AA6E4}">
-                <adec:decorative xmlns:adec="http://schemas.microsoft.com/office/drawing/2017/decorative" val="1"/>
-              </a:ext>
-            </a:extLst>
-          </p:cNvPr>
-          <p:cNvSpPr>
-            <a:spLocks noGrp="1" noRot="1" noChangeAspect="1" noMove="1" noResize="1" noEditPoints="1" noAdjustHandles="1" noChangeArrowheads="1" noChangeShapeType="1" noTextEdit="1"/>
-          </p:cNvSpPr>
-          <p:nvPr>
-            <p:extLst>
-              <p:ext uri="{386F3935-93C4-4BCD-93E2-E3B085C9AB24}">
-                <p16:designElem xmlns:p16="http://schemas.microsoft.com/office/powerpoint/2015/main" val="1"/>
-              </p:ext>
-            </p:extLst>
-          </p:nvPr>
-        </p:nvSpPr>
-        <p:spPr>
-          <a:xfrm rot="5400000">
-            <a:off x="-2390232" y="3396997"/>
-            <a:ext cx="6858002" cy="64008"/>
-          </a:xfrm>
-          <a:prstGeom prst="rect">
-            <a:avLst/>
-          </a:prstGeom>
-          <a:solidFill>
-            <a:schemeClr val="tx2"/>
-          </a:solidFill>
-          <a:ln>
-            <a:noFill/>
-          </a:ln>
-        </p:spPr>
-        <p:style>
-          <a:lnRef idx="2">
-            <a:schemeClr val="accent1">
-              <a:shade val="50000"/>
-            </a:schemeClr>
-          </a:lnRef>
-          <a:fillRef idx="1">
-            <a:schemeClr val="accent1"/>
-          </a:fillRef>
-          <a:effectRef idx="0">
-            <a:schemeClr val="accent1"/>
-          </a:effectRef>
-          <a:fontRef idx="minor">
-            <a:schemeClr val="lt1"/>
-          </a:fontRef>
-        </p:style>
-        <p:txBody>
-          <a:bodyPr rtlCol="0" anchor="ctr"/>
-          <a:lstStyle/>
-          <a:p>
-            <a:pPr algn="ctr"/>
-            <a:endParaRPr lang="en-US"/>
-          </a:p>
-        </p:txBody>
-      </p:sp>
-      <p:sp>
-        <p:nvSpPr>
-          <p:cNvPr id="3" name="Content Placeholder 2">
-            <a:extLst>
-              <a:ext uri="{FF2B5EF4-FFF2-40B4-BE49-F238E27FC236}">
-                <a16:creationId xmlns:a16="http://schemas.microsoft.com/office/drawing/2014/main" id="{39E9039A-B6C1-6D09-2B2E-4642905685AD}"/>
-              </a:ext>
-            </a:extLst>
-          </p:cNvPr>
-          <p:cNvSpPr>
-            <a:spLocks noGrp="1"/>
-          </p:cNvSpPr>
-          <p:nvPr>
-            <p:ph idx="1"/>
-          </p:nvPr>
-        </p:nvSpPr>
-        <p:spPr>
-          <a:xfrm>
-            <a:off x="1535371" y="2702257"/>
-            <a:ext cx="9935571" cy="3426158"/>
-          </a:xfrm>
-        </p:spPr>
-        <p:txBody>
-          <a:bodyPr anchor="t">
-            <a:normAutofit/>
-          </a:bodyPr>
-          <a:lstStyle/>
-          <a:p>
-            <a:pPr marL="285750" indent="-285750">
-              <a:buFont typeface="Arial" panose="020B0604020202020204" pitchFamily="34" charset="0"/>
-              <a:buChar char="•"/>
-            </a:pPr>
-            <a:r>
-              <a:rPr lang="en-GB" dirty="0"/>
-              <a:t>Notion</a:t>
-            </a:r>
-          </a:p>
-          <a:p>
-            <a:pPr marL="285750" indent="-285750">
-              <a:buFont typeface="Arial" panose="020B0604020202020204" pitchFamily="34" charset="0"/>
-              <a:buChar char="•"/>
-            </a:pPr>
-            <a:r>
-              <a:rPr lang="en-GB" dirty="0"/>
-              <a:t>Google Keep</a:t>
-            </a:r>
-          </a:p>
-          <a:p>
-            <a:pPr marL="285750" indent="-285750">
-              <a:buFont typeface="Arial" panose="020B0604020202020204" pitchFamily="34" charset="0"/>
-              <a:buChar char="•"/>
-            </a:pPr>
-            <a:r>
-              <a:rPr lang="en-GB" dirty="0"/>
-              <a:t>Evernote</a:t>
-            </a:r>
-          </a:p>
-          <a:p>
-            <a:pPr marL="285750" indent="-285750">
-              <a:buFont typeface="Arial" panose="020B0604020202020204" pitchFamily="34" charset="0"/>
-              <a:buChar char="•"/>
-            </a:pPr>
-            <a:r>
-              <a:rPr lang="en-GB" dirty="0"/>
-              <a:t>Text Scanner [OCR]</a:t>
-            </a:r>
-          </a:p>
-        </p:txBody>
-      </p:sp>
-    </p:spTree>
-    <p:extLst>
-      <p:ext uri="{BB962C8B-B14F-4D97-AF65-F5344CB8AC3E}">
-        <p14:creationId xmlns:p14="http://schemas.microsoft.com/office/powerpoint/2010/main" val="1249671360"/>
-      </p:ext>
-    </p:extLst>
-  </p:cSld>
-  <p:clrMapOvr>
-    <a:masterClrMapping/>
-  </p:clrMapOvr>
-</p:sld>
-</file>
-
-<file path=ppt/slides/slide4.xml><?xml version="1.0" encoding="utf-8"?>
-<p:sld xmlns:a="http://schemas.openxmlformats.org/drawingml/2006/main" xmlns:r="http://schemas.openxmlformats.org/officeDocument/2006/relationships" xmlns:p="http://schemas.openxmlformats.org/presentationml/2006/main">
-  <p:cSld>
-    <p:bg>
-      <p:bgPr>
-        <a:solidFill>
-          <a:schemeClr val="bg2"/>
-        </a:solidFill>
-        <a:effectLst/>
-      </p:bgPr>
-    </p:bg>
-    <p:spTree>
-      <p:nvGrpSpPr>
-        <p:cNvPr id="1" name=""/>
-        <p:cNvGrpSpPr/>
-        <p:nvPr/>
-      </p:nvGrpSpPr>
-      <p:grpSpPr>
-        <a:xfrm>
-          <a:off x="0" y="0"/>
-          <a:ext cx="0" cy="0"/>
-          <a:chOff x="0" y="0"/>
-          <a:chExt cx="0" cy="0"/>
-        </a:xfrm>
-      </p:grpSpPr>
-      <p:sp>
-        <p:nvSpPr>
-          <p:cNvPr id="195" name="Rectangle 194">
-            <a:extLst>
-              <a:ext uri="{FF2B5EF4-FFF2-40B4-BE49-F238E27FC236}">
-                <a16:creationId xmlns:a16="http://schemas.microsoft.com/office/drawing/2014/main" id="{1ED69555-EE48-4B19-812B-4E1068DBF976}"/>
-              </a:ext>
-              <a:ext uri="{C183D7F6-B498-43B3-948B-1728B52AA6E4}">
-                <adec:decorative xmlns:adec="http://schemas.microsoft.com/office/drawing/2017/decorative" val="1"/>
-              </a:ext>
-            </a:extLst>
-          </p:cNvPr>
-          <p:cNvSpPr>
-            <a:spLocks noGrp="1" noRot="1" noChangeAspect="1" noMove="1" noResize="1" noEditPoints="1" noAdjustHandles="1" noChangeArrowheads="1" noChangeShapeType="1" noTextEdit="1"/>
-          </p:cNvSpPr>
-          <p:nvPr>
-            <p:extLst>
-              <p:ext uri="{386F3935-93C4-4BCD-93E2-E3B085C9AB24}">
-                <p16:designElem xmlns:p16="http://schemas.microsoft.com/office/powerpoint/2015/main" val="1"/>
-              </p:ext>
-            </p:extLst>
-          </p:nvPr>
-        </p:nvSpPr>
-        <p:spPr>
-          <a:xfrm>
-            <a:off x="7573754" y="0"/>
-            <a:ext cx="4618246" cy="6858000"/>
-          </a:xfrm>
-          <a:prstGeom prst="rect">
-            <a:avLst/>
-          </a:prstGeom>
-          <a:solidFill>
-            <a:schemeClr val="bg1">
-              <a:alpha val="75000"/>
-            </a:schemeClr>
-          </a:solidFill>
-          <a:ln>
-            <a:noFill/>
-          </a:ln>
-        </p:spPr>
-        <p:style>
-          <a:lnRef idx="2">
-            <a:schemeClr val="accent1">
-              <a:shade val="50000"/>
-            </a:schemeClr>
-          </a:lnRef>
-          <a:fillRef idx="1">
-            <a:schemeClr val="accent1"/>
-          </a:fillRef>
-          <a:effectRef idx="0">
-            <a:schemeClr val="accent1"/>
-          </a:effectRef>
-          <a:fontRef idx="minor">
-            <a:schemeClr val="lt1"/>
-          </a:fontRef>
-        </p:style>
-        <p:txBody>
-          <a:bodyPr rtlCol="0" anchor="ctr"/>
-          <a:lstStyle/>
-          <a:p>
-            <a:pPr algn="ctr"/>
-            <a:endParaRPr lang="en-US"/>
-          </a:p>
-        </p:txBody>
-      </p:sp>
-      <p:sp>
-        <p:nvSpPr>
-          <p:cNvPr id="197" name="Freeform 57">
+          <p:cNvPr id="12" name="Freeform 57">
             <a:extLst>
               <a:ext uri="{FF2B5EF4-FFF2-40B4-BE49-F238E27FC236}">
                 <a16:creationId xmlns:a16="http://schemas.microsoft.com/office/drawing/2014/main" id="{57AEB73D-F521-4B19-820F-12DB6BCC8406}"/>
@@ -11928,7 +13953,7 @@
       </p:sp>
       <p:sp>
         <p:nvSpPr>
-          <p:cNvPr id="199" name="Rectangle 198">
+          <p:cNvPr id="14" name="Rectangle 13">
             <a:extLst>
               <a:ext uri="{FF2B5EF4-FFF2-40B4-BE49-F238E27FC236}">
                 <a16:creationId xmlns:a16="http://schemas.microsoft.com/office/drawing/2014/main" id="{6B72EEBA-3A5D-41CE-8465-A45A0F65674E}"/>
@@ -11991,7 +14016,7 @@
       </p:sp>
       <p:sp useBgFill="1">
         <p:nvSpPr>
-          <p:cNvPr id="201" name="Rectangle 200">
+          <p:cNvPr id="16" name="Rectangle 15">
             <a:extLst>
               <a:ext uri="{FF2B5EF4-FFF2-40B4-BE49-F238E27FC236}">
                 <a16:creationId xmlns:a16="http://schemas.microsoft.com/office/drawing/2014/main" id="{EA164D6B-6878-4B9F-A2D0-985D39B17B46}"/>
@@ -12014,7 +14039,7 @@
         </p:nvSpPr>
         <p:spPr>
           <a:xfrm>
-            <a:off x="-1" y="0"/>
+            <a:off x="0" y="0"/>
             <a:ext cx="12192001" cy="6858000"/>
           </a:xfrm>
           <a:prstGeom prst="rect">
@@ -12051,10 +14076,10 @@
       </p:sp>
       <p:sp>
         <p:nvSpPr>
-          <p:cNvPr id="203" name="Rectangle 202">
+          <p:cNvPr id="18" name="Rectangle 17">
             <a:extLst>
               <a:ext uri="{FF2B5EF4-FFF2-40B4-BE49-F238E27FC236}">
-                <a16:creationId xmlns:a16="http://schemas.microsoft.com/office/drawing/2014/main" id="{064738AB-B6BE-4867-889A-52CE4AC8DBD0}"/>
+                <a16:creationId xmlns:a16="http://schemas.microsoft.com/office/drawing/2014/main" id="{57851D67-7085-40E2-B146-F91433A28E08}"/>
               </a:ext>
               <a:ext uri="{C183D7F6-B498-43B3-948B-1728B52AA6E4}">
                 <adec:decorative xmlns:adec="http://schemas.microsoft.com/office/drawing/2017/decorative" val="1"/>
@@ -12074,8 +14099,136 @@
         </p:nvSpPr>
         <p:spPr>
           <a:xfrm>
-            <a:off x="-1" y="1095508"/>
-            <a:ext cx="4668819" cy="5016893"/>
+            <a:off x="0" y="1031500"/>
+            <a:ext cx="7534656" cy="5112905"/>
+          </a:xfrm>
+          <a:prstGeom prst="rect">
+            <a:avLst/>
+          </a:prstGeom>
+          <a:solidFill>
+            <a:schemeClr val="bg1">
+              <a:alpha val="75000"/>
+            </a:schemeClr>
+          </a:solidFill>
+          <a:ln>
+            <a:noFill/>
+          </a:ln>
+        </p:spPr>
+        <p:style>
+          <a:lnRef idx="2">
+            <a:schemeClr val="accent1">
+              <a:shade val="50000"/>
+            </a:schemeClr>
+          </a:lnRef>
+          <a:fillRef idx="1">
+            <a:schemeClr val="accent1"/>
+          </a:fillRef>
+          <a:effectRef idx="0">
+            <a:schemeClr val="accent1"/>
+          </a:effectRef>
+          <a:fontRef idx="minor">
+            <a:schemeClr val="lt1"/>
+          </a:fontRef>
+        </p:style>
+        <p:txBody>
+          <a:bodyPr rtlCol="0" anchor="ctr"/>
+          <a:lstStyle/>
+          <a:p>
+            <a:pPr algn="ctr"/>
+            <a:endParaRPr lang="en-US"/>
+          </a:p>
+        </p:txBody>
+      </p:sp>
+      <p:sp>
+        <p:nvSpPr>
+          <p:cNvPr id="20" name="Rectangle 19">
+            <a:extLst>
+              <a:ext uri="{FF2B5EF4-FFF2-40B4-BE49-F238E27FC236}">
+                <a16:creationId xmlns:a16="http://schemas.microsoft.com/office/drawing/2014/main" id="{362F176A-9349-4CD7-8042-59C0200C8CE9}"/>
+              </a:ext>
+              <a:ext uri="{C183D7F6-B498-43B3-948B-1728B52AA6E4}">
+                <adec:decorative xmlns:adec="http://schemas.microsoft.com/office/drawing/2017/decorative" val="1"/>
+              </a:ext>
+            </a:extLst>
+          </p:cNvPr>
+          <p:cNvSpPr>
+            <a:spLocks noGrp="1" noRot="1" noChangeAspect="1" noMove="1" noResize="1" noEditPoints="1" noAdjustHandles="1" noChangeArrowheads="1" noChangeShapeType="1" noTextEdit="1"/>
+          </p:cNvSpPr>
+          <p:nvPr>
+            <p:extLst>
+              <p:ext uri="{386F3935-93C4-4BCD-93E2-E3B085C9AB24}">
+                <p16:designElem xmlns:p16="http://schemas.microsoft.com/office/powerpoint/2015/main" val="1"/>
+              </p:ext>
+            </p:extLst>
+          </p:nvPr>
+        </p:nvSpPr>
+        <p:spPr>
+          <a:xfrm>
+            <a:off x="7550904" y="-4078"/>
+            <a:ext cx="4641096" cy="1056542"/>
+          </a:xfrm>
+          <a:prstGeom prst="rect">
+            <a:avLst/>
+          </a:prstGeom>
+          <a:solidFill>
+            <a:schemeClr val="accent1"/>
+          </a:solidFill>
+          <a:ln>
+            <a:noFill/>
+          </a:ln>
+        </p:spPr>
+        <p:style>
+          <a:lnRef idx="2">
+            <a:schemeClr val="accent1">
+              <a:shade val="50000"/>
+            </a:schemeClr>
+          </a:lnRef>
+          <a:fillRef idx="1">
+            <a:schemeClr val="accent1"/>
+          </a:fillRef>
+          <a:effectRef idx="0">
+            <a:schemeClr val="accent1"/>
+          </a:effectRef>
+          <a:fontRef idx="minor">
+            <a:schemeClr val="lt1"/>
+          </a:fontRef>
+        </p:style>
+        <p:txBody>
+          <a:bodyPr rtlCol="0" anchor="ctr"/>
+          <a:lstStyle/>
+          <a:p>
+            <a:pPr algn="ctr"/>
+            <a:endParaRPr lang="en-US"/>
+          </a:p>
+        </p:txBody>
+      </p:sp>
+      <p:sp>
+        <p:nvSpPr>
+          <p:cNvPr id="22" name="Rectangle 21">
+            <a:extLst>
+              <a:ext uri="{FF2B5EF4-FFF2-40B4-BE49-F238E27FC236}">
+                <a16:creationId xmlns:a16="http://schemas.microsoft.com/office/drawing/2014/main" id="{4E9A171F-91A7-42F8-B25C-E38B244E757C}"/>
+              </a:ext>
+              <a:ext uri="{C183D7F6-B498-43B3-948B-1728B52AA6E4}">
+                <adec:decorative xmlns:adec="http://schemas.microsoft.com/office/drawing/2017/decorative" val="1"/>
+              </a:ext>
+            </a:extLst>
+          </p:cNvPr>
+          <p:cNvSpPr>
+            <a:spLocks noGrp="1" noRot="1" noChangeAspect="1" noMove="1" noResize="1" noEditPoints="1" noAdjustHandles="1" noChangeArrowheads="1" noChangeShapeType="1" noTextEdit="1"/>
+          </p:cNvSpPr>
+          <p:nvPr>
+            <p:extLst>
+              <p:ext uri="{386F3935-93C4-4BCD-93E2-E3B085C9AB24}">
+                <p16:designElem xmlns:p16="http://schemas.microsoft.com/office/powerpoint/2015/main" val="1"/>
+              </p:ext>
+            </p:extLst>
+          </p:nvPr>
+        </p:nvSpPr>
+        <p:spPr>
+          <a:xfrm>
+            <a:off x="1525" y="1031500"/>
+            <a:ext cx="12188951" cy="64008"/>
           </a:xfrm>
           <a:prstGeom prst="rect">
             <a:avLst/>
@@ -12112,12 +14265,107 @@
           </a:p>
         </p:txBody>
       </p:sp>
+      <p:pic>
+        <p:nvPicPr>
+          <p:cNvPr id="5" name="Content Placeholder 4">
+            <a:extLst>
+              <a:ext uri="{FF2B5EF4-FFF2-40B4-BE49-F238E27FC236}">
+                <a16:creationId xmlns:a16="http://schemas.microsoft.com/office/drawing/2014/main" id="{B2E6864B-37AB-D220-2B79-B25F314322EC}"/>
+              </a:ext>
+            </a:extLst>
+          </p:cNvPr>
+          <p:cNvPicPr>
+            <a:picLocks noGrp="1" noChangeAspect="1"/>
+          </p:cNvPicPr>
+          <p:nvPr>
+            <p:ph idx="1"/>
+          </p:nvPr>
+        </p:nvPicPr>
+        <p:blipFill>
+          <a:blip r:embed="rId2"/>
+          <a:stretch>
+            <a:fillRect/>
+          </a:stretch>
+        </p:blipFill>
+        <p:spPr>
+          <a:xfrm>
+            <a:off x="698479" y="1738975"/>
+            <a:ext cx="6114687" cy="3729959"/>
+          </a:xfrm>
+          <a:prstGeom prst="rect">
+            <a:avLst/>
+          </a:prstGeom>
+        </p:spPr>
+      </p:pic>
+      <p:sp>
+        <p:nvSpPr>
+          <p:cNvPr id="24" name="Rectangle 23">
+            <a:extLst>
+              <a:ext uri="{FF2B5EF4-FFF2-40B4-BE49-F238E27FC236}">
+                <a16:creationId xmlns:a16="http://schemas.microsoft.com/office/drawing/2014/main" id="{064738AB-B6BE-4867-889A-52CE4AC8DBD0}"/>
+              </a:ext>
+              <a:ext uri="{C183D7F6-B498-43B3-948B-1728B52AA6E4}">
+                <adec:decorative xmlns:adec="http://schemas.microsoft.com/office/drawing/2017/decorative" val="1"/>
+              </a:ext>
+            </a:extLst>
+          </p:cNvPr>
+          <p:cNvSpPr>
+            <a:spLocks noGrp="1" noRot="1" noChangeAspect="1" noMove="1" noResize="1" noEditPoints="1" noAdjustHandles="1" noChangeArrowheads="1" noChangeShapeType="1" noTextEdit="1"/>
+          </p:cNvSpPr>
+          <p:nvPr>
+            <p:extLst>
+              <p:ext uri="{386F3935-93C4-4BCD-93E2-E3B085C9AB24}">
+                <p16:designElem xmlns:p16="http://schemas.microsoft.com/office/powerpoint/2015/main" val="1"/>
+              </p:ext>
+            </p:extLst>
+          </p:nvPr>
+        </p:nvSpPr>
+        <p:spPr>
+          <a:xfrm>
+            <a:off x="7585467" y="1095508"/>
+            <a:ext cx="4606533" cy="5016893"/>
+          </a:xfrm>
+          <a:prstGeom prst="rect">
+            <a:avLst/>
+          </a:prstGeom>
+          <a:solidFill>
+            <a:schemeClr val="tx2"/>
+          </a:solidFill>
+          <a:ln>
+            <a:noFill/>
+          </a:ln>
+        </p:spPr>
+        <p:style>
+          <a:lnRef idx="2">
+            <a:schemeClr val="accent1">
+              <a:shade val="50000"/>
+            </a:schemeClr>
+          </a:lnRef>
+          <a:fillRef idx="1">
+            <a:schemeClr val="accent1"/>
+          </a:fillRef>
+          <a:effectRef idx="0">
+            <a:schemeClr val="accent1"/>
+          </a:effectRef>
+          <a:fontRef idx="minor">
+            <a:schemeClr val="lt1"/>
+          </a:fontRef>
+        </p:style>
+        <p:txBody>
+          <a:bodyPr rtlCol="0" anchor="ctr"/>
+          <a:lstStyle/>
+          <a:p>
+            <a:pPr algn="ctr"/>
+            <a:endParaRPr lang="en-US"/>
+          </a:p>
+        </p:txBody>
+      </p:sp>
       <p:sp>
         <p:nvSpPr>
           <p:cNvPr id="2" name="Title 1">
             <a:extLst>
               <a:ext uri="{FF2B5EF4-FFF2-40B4-BE49-F238E27FC236}">
-                <a16:creationId xmlns:a16="http://schemas.microsoft.com/office/drawing/2014/main" id="{1E667144-1EA0-6DA5-17BA-8248DFEDF647}"/>
+                <a16:creationId xmlns:a16="http://schemas.microsoft.com/office/drawing/2014/main" id="{FA332F58-3D24-F064-66F6-2F4B3162F7B0}"/>
               </a:ext>
             </a:extLst>
           </p:cNvPr>
@@ -12130,7 +14378,7 @@
         </p:nvSpPr>
         <p:spPr>
           <a:xfrm>
-            <a:off x="463825" y="1709530"/>
+            <a:off x="7973503" y="1709530"/>
             <a:ext cx="3754671" cy="2528515"/>
           </a:xfrm>
         </p:spPr>
@@ -12151,17 +14399,17 @@
                   <a:schemeClr val="bg1"/>
                 </a:solidFill>
               </a:rPr>
-              <a:t>Notion</a:t>
+              <a:t>OCR Example</a:t>
             </a:r>
           </a:p>
         </p:txBody>
       </p:sp>
       <p:sp>
         <p:nvSpPr>
-          <p:cNvPr id="205" name="Rectangle 204">
+          <p:cNvPr id="26" name="Rectangle 25">
             <a:extLst>
               <a:ext uri="{FF2B5EF4-FFF2-40B4-BE49-F238E27FC236}">
-                <a16:creationId xmlns:a16="http://schemas.microsoft.com/office/drawing/2014/main" id="{BBD49B71-B686-4DFD-93AD-40CB19B626B9}"/>
+                <a16:creationId xmlns:a16="http://schemas.microsoft.com/office/drawing/2014/main" id="{9C969C2C-E7E3-4052-87D4-61E733EC1BBD}"/>
               </a:ext>
               <a:ext uri="{C183D7F6-B498-43B3-948B-1728B52AA6E4}">
                 <adec:decorative xmlns:adec="http://schemas.microsoft.com/office/drawing/2017/decorative" val="1"/>
@@ -12181,8 +14429,232 @@
         </p:nvSpPr>
         <p:spPr>
           <a:xfrm>
-            <a:off x="4672066" y="0"/>
-            <a:ext cx="7519934" cy="6858000"/>
+            <a:off x="1525" y="6112401"/>
+            <a:ext cx="12188951" cy="64008"/>
+          </a:xfrm>
+          <a:prstGeom prst="rect">
+            <a:avLst/>
+          </a:prstGeom>
+          <a:solidFill>
+            <a:schemeClr val="tx2"/>
+          </a:solidFill>
+          <a:ln>
+            <a:noFill/>
+          </a:ln>
+        </p:spPr>
+        <p:style>
+          <a:lnRef idx="2">
+            <a:schemeClr val="accent1">
+              <a:shade val="50000"/>
+            </a:schemeClr>
+          </a:lnRef>
+          <a:fillRef idx="1">
+            <a:schemeClr val="accent1"/>
+          </a:fillRef>
+          <a:effectRef idx="0">
+            <a:schemeClr val="accent1"/>
+          </a:effectRef>
+          <a:fontRef idx="minor">
+            <a:schemeClr val="lt1"/>
+          </a:fontRef>
+        </p:style>
+        <p:txBody>
+          <a:bodyPr rtlCol="0" anchor="ctr"/>
+          <a:lstStyle/>
+          <a:p>
+            <a:pPr algn="ctr"/>
+            <a:endParaRPr lang="en-US"/>
+          </a:p>
+        </p:txBody>
+      </p:sp>
+      <p:sp>
+        <p:nvSpPr>
+          <p:cNvPr id="28" name="Rectangle 27">
+            <a:extLst>
+              <a:ext uri="{FF2B5EF4-FFF2-40B4-BE49-F238E27FC236}">
+                <a16:creationId xmlns:a16="http://schemas.microsoft.com/office/drawing/2014/main" id="{7C60369F-A41B-4D6E-8990-30E2715C5730}"/>
+              </a:ext>
+              <a:ext uri="{C183D7F6-B498-43B3-948B-1728B52AA6E4}">
+                <adec:decorative xmlns:adec="http://schemas.microsoft.com/office/drawing/2017/decorative" val="1"/>
+              </a:ext>
+            </a:extLst>
+          </p:cNvPr>
+          <p:cNvSpPr>
+            <a:spLocks noGrp="1" noRot="1" noChangeAspect="1" noMove="1" noResize="1" noEditPoints="1" noAdjustHandles="1" noChangeArrowheads="1" noChangeShapeType="1" noTextEdit="1"/>
+          </p:cNvSpPr>
+          <p:nvPr>
+            <p:extLst>
+              <p:ext uri="{386F3935-93C4-4BCD-93E2-E3B085C9AB24}">
+                <p16:designElem xmlns:p16="http://schemas.microsoft.com/office/powerpoint/2015/main" val="1"/>
+              </p:ext>
+            </p:extLst>
+          </p:nvPr>
+        </p:nvSpPr>
+        <p:spPr>
+          <a:xfrm>
+            <a:off x="7521459" y="0"/>
+            <a:ext cx="64008" cy="6858000"/>
+          </a:xfrm>
+          <a:prstGeom prst="rect">
+            <a:avLst/>
+          </a:prstGeom>
+          <a:solidFill>
+            <a:schemeClr val="tx2"/>
+          </a:solidFill>
+          <a:ln>
+            <a:noFill/>
+          </a:ln>
+        </p:spPr>
+        <p:style>
+          <a:lnRef idx="2">
+            <a:schemeClr val="accent1">
+              <a:shade val="50000"/>
+            </a:schemeClr>
+          </a:lnRef>
+          <a:fillRef idx="1">
+            <a:schemeClr val="accent1"/>
+          </a:fillRef>
+          <a:effectRef idx="0">
+            <a:schemeClr val="accent1"/>
+          </a:effectRef>
+          <a:fontRef idx="minor">
+            <a:schemeClr val="lt1"/>
+          </a:fontRef>
+        </p:style>
+        <p:txBody>
+          <a:bodyPr rtlCol="0" anchor="ctr"/>
+          <a:lstStyle/>
+          <a:p>
+            <a:pPr algn="ctr"/>
+            <a:endParaRPr lang="en-US"/>
+          </a:p>
+        </p:txBody>
+      </p:sp>
+    </p:spTree>
+    <p:extLst>
+      <p:ext uri="{BB962C8B-B14F-4D97-AF65-F5344CB8AC3E}">
+        <p14:creationId xmlns:p14="http://schemas.microsoft.com/office/powerpoint/2010/main" val="1815576924"/>
+      </p:ext>
+    </p:extLst>
+  </p:cSld>
+  <p:clrMapOvr>
+    <a:masterClrMapping/>
+  </p:clrMapOvr>
+</p:sld>
+</file>
+
+<file path=ppt/slides/slide4.xml><?xml version="1.0" encoding="utf-8"?>
+<p:sld xmlns:a="http://schemas.openxmlformats.org/drawingml/2006/main" xmlns:r="http://schemas.openxmlformats.org/officeDocument/2006/relationships" xmlns:p="http://schemas.openxmlformats.org/presentationml/2006/main">
+  <p:cSld>
+    <p:bg>
+      <p:bgPr>
+        <a:solidFill>
+          <a:schemeClr val="bg2"/>
+        </a:solidFill>
+        <a:effectLst/>
+      </p:bgPr>
+    </p:bg>
+    <p:spTree>
+      <p:nvGrpSpPr>
+        <p:cNvPr id="1" name=""/>
+        <p:cNvGrpSpPr/>
+        <p:nvPr/>
+      </p:nvGrpSpPr>
+      <p:grpSpPr>
+        <a:xfrm>
+          <a:off x="0" y="0"/>
+          <a:ext cx="0" cy="0"/>
+          <a:chOff x="0" y="0"/>
+          <a:chExt cx="0" cy="0"/>
+        </a:xfrm>
+      </p:grpSpPr>
+      <p:sp useBgFill="1">
+        <p:nvSpPr>
+          <p:cNvPr id="8" name="Rectangle 7">
+            <a:extLst>
+              <a:ext uri="{FF2B5EF4-FFF2-40B4-BE49-F238E27FC236}">
+                <a16:creationId xmlns:a16="http://schemas.microsoft.com/office/drawing/2014/main" id="{72526924-84D3-45FB-A5FE-62D8FCBF53B6}"/>
+              </a:ext>
+              <a:ext uri="{C183D7F6-B498-43B3-948B-1728B52AA6E4}">
+                <adec:decorative xmlns:adec="http://schemas.microsoft.com/office/drawing/2017/decorative" val="1"/>
+              </a:ext>
+            </a:extLst>
+          </p:cNvPr>
+          <p:cNvSpPr>
+            <a:spLocks noGrp="1" noRot="1" noChangeAspect="1" noMove="1" noResize="1" noEditPoints="1" noAdjustHandles="1" noChangeArrowheads="1" noChangeShapeType="1" noTextEdit="1"/>
+          </p:cNvSpPr>
+          <p:nvPr>
+            <p:extLst>
+              <p:ext uri="{386F3935-93C4-4BCD-93E2-E3B085C9AB24}">
+                <p16:designElem xmlns:p16="http://schemas.microsoft.com/office/powerpoint/2015/main" val="1"/>
+              </p:ext>
+            </p:extLst>
+          </p:nvPr>
+        </p:nvSpPr>
+        <p:spPr>
+          <a:xfrm>
+            <a:off x="0" y="0"/>
+            <a:ext cx="12192001" cy="6858000"/>
+          </a:xfrm>
+          <a:prstGeom prst="rect">
+            <a:avLst/>
+          </a:prstGeom>
+          <a:ln>
+            <a:noFill/>
+          </a:ln>
+        </p:spPr>
+        <p:style>
+          <a:lnRef idx="2">
+            <a:schemeClr val="accent1">
+              <a:shade val="50000"/>
+            </a:schemeClr>
+          </a:lnRef>
+          <a:fillRef idx="1">
+            <a:schemeClr val="accent1"/>
+          </a:fillRef>
+          <a:effectRef idx="0">
+            <a:schemeClr val="accent1"/>
+          </a:effectRef>
+          <a:fontRef idx="minor">
+            <a:schemeClr val="lt1"/>
+          </a:fontRef>
+        </p:style>
+        <p:txBody>
+          <a:bodyPr rtlCol="0" anchor="ctr"/>
+          <a:lstStyle/>
+          <a:p>
+            <a:pPr algn="ctr"/>
+            <a:endParaRPr lang="en-US"/>
+          </a:p>
+        </p:txBody>
+      </p:sp>
+      <p:sp>
+        <p:nvSpPr>
+          <p:cNvPr id="10" name="Rectangle 9">
+            <a:extLst>
+              <a:ext uri="{FF2B5EF4-FFF2-40B4-BE49-F238E27FC236}">
+                <a16:creationId xmlns:a16="http://schemas.microsoft.com/office/drawing/2014/main" id="{5C2A6256-1DD0-4E4B-A8B3-9A711B4DBE0C}"/>
+              </a:ext>
+              <a:ext uri="{C183D7F6-B498-43B3-948B-1728B52AA6E4}">
+                <adec:decorative xmlns:adec="http://schemas.microsoft.com/office/drawing/2017/decorative" val="1"/>
+              </a:ext>
+            </a:extLst>
+          </p:cNvPr>
+          <p:cNvSpPr>
+            <a:spLocks noGrp="1" noRot="1" noChangeAspect="1" noMove="1" noResize="1" noEditPoints="1" noAdjustHandles="1" noChangeArrowheads="1" noChangeShapeType="1" noTextEdit="1"/>
+          </p:cNvSpPr>
+          <p:nvPr>
+            <p:extLst>
+              <p:ext uri="{386F3935-93C4-4BCD-93E2-E3B085C9AB24}">
+                <p16:designElem xmlns:p16="http://schemas.microsoft.com/office/powerpoint/2015/main" val="1"/>
+              </p:ext>
+            </p:extLst>
+          </p:nvPr>
+        </p:nvSpPr>
+        <p:spPr>
+          <a:xfrm>
+            <a:off x="1038768" y="2130218"/>
+            <a:ext cx="11153231" cy="4727782"/>
           </a:xfrm>
           <a:prstGeom prst="rect">
             <a:avLst/>
@@ -12221,41 +14693,12 @@
           </a:p>
         </p:txBody>
       </p:sp>
-      <p:pic>
-        <p:nvPicPr>
-          <p:cNvPr id="5" name="Picture 4">
+      <p:sp>
+        <p:nvSpPr>
+          <p:cNvPr id="12" name="Rectangle 11">
             <a:extLst>
               <a:ext uri="{FF2B5EF4-FFF2-40B4-BE49-F238E27FC236}">
-                <a16:creationId xmlns:a16="http://schemas.microsoft.com/office/drawing/2014/main" id="{5658BCDB-95BA-A944-24B4-9EE79CC32E79}"/>
-              </a:ext>
-            </a:extLst>
-          </p:cNvPr>
-          <p:cNvPicPr>
-            <a:picLocks noChangeAspect="1"/>
-          </p:cNvPicPr>
-          <p:nvPr/>
-        </p:nvPicPr>
-        <p:blipFill rotWithShape="1">
-          <a:blip r:embed="rId2"/>
-          <a:srcRect l="18793" r="10540"/>
-          <a:stretch/>
-        </p:blipFill>
-        <p:spPr>
-          <a:xfrm>
-            <a:off x="5312285" y="1850018"/>
-            <a:ext cx="6236248" cy="3507874"/>
-          </a:xfrm>
-          <a:prstGeom prst="rect">
-            <a:avLst/>
-          </a:prstGeom>
-        </p:spPr>
-      </p:pic>
-      <p:sp>
-        <p:nvSpPr>
-          <p:cNvPr id="207" name="Rectangle 206">
-            <a:extLst>
-              <a:ext uri="{FF2B5EF4-FFF2-40B4-BE49-F238E27FC236}">
-                <a16:creationId xmlns:a16="http://schemas.microsoft.com/office/drawing/2014/main" id="{7C60369F-A41B-4D6E-8990-30E2715C5730}"/>
+                <a16:creationId xmlns:a16="http://schemas.microsoft.com/office/drawing/2014/main" id="{41760540-185E-4652-BFD2-9B362EF3BC99}"/>
               </a:ext>
               <a:ext uri="{C183D7F6-B498-43B3-948B-1728B52AA6E4}">
                 <adec:decorative xmlns:adec="http://schemas.microsoft.com/office/drawing/2017/decorative" val="1"/>
@@ -12275,8 +14718,8 @@
         </p:nvSpPr>
         <p:spPr>
           <a:xfrm>
-            <a:off x="4606534" y="0"/>
-            <a:ext cx="64008" cy="6858000"/>
+            <a:off x="0" y="896641"/>
+            <a:ext cx="12192000" cy="1347716"/>
           </a:xfrm>
           <a:prstGeom prst="rect">
             <a:avLst/>
@@ -12313,10 +14756,244 @@
           </a:p>
         </p:txBody>
       </p:sp>
+      <p:sp>
+        <p:nvSpPr>
+          <p:cNvPr id="2" name="Title 1">
+            <a:extLst>
+              <a:ext uri="{FF2B5EF4-FFF2-40B4-BE49-F238E27FC236}">
+                <a16:creationId xmlns:a16="http://schemas.microsoft.com/office/drawing/2014/main" id="{D0D1D769-3C79-4893-CD29-A848DD3BF1DA}"/>
+              </a:ext>
+            </a:extLst>
+          </p:cNvPr>
+          <p:cNvSpPr>
+            <a:spLocks noGrp="1"/>
+          </p:cNvSpPr>
+          <p:nvPr>
+            <p:ph type="title"/>
+          </p:nvPr>
+        </p:nvSpPr>
+        <p:spPr>
+          <a:xfrm>
+            <a:off x="1535371" y="1044054"/>
+            <a:ext cx="10013709" cy="1030360"/>
+          </a:xfrm>
+        </p:spPr>
+        <p:txBody>
+          <a:bodyPr>
+            <a:normAutofit/>
+          </a:bodyPr>
+          <a:lstStyle/>
+          <a:p>
+            <a:r>
+              <a:rPr lang="en-GB">
+                <a:solidFill>
+                  <a:schemeClr val="bg1"/>
+                </a:solidFill>
+              </a:rPr>
+              <a:t>Existing Applications</a:t>
+            </a:r>
+          </a:p>
+        </p:txBody>
+      </p:sp>
+      <p:sp>
+        <p:nvSpPr>
+          <p:cNvPr id="14" name="Rectangle 13">
+            <a:extLst>
+              <a:ext uri="{FF2B5EF4-FFF2-40B4-BE49-F238E27FC236}">
+                <a16:creationId xmlns:a16="http://schemas.microsoft.com/office/drawing/2014/main" id="{729789F4-85C1-41A0-83EB-992E22210CB9}"/>
+              </a:ext>
+              <a:ext uri="{C183D7F6-B498-43B3-948B-1728B52AA6E4}">
+                <adec:decorative xmlns:adec="http://schemas.microsoft.com/office/drawing/2017/decorative" val="1"/>
+              </a:ext>
+            </a:extLst>
+          </p:cNvPr>
+          <p:cNvSpPr>
+            <a:spLocks noGrp="1" noRot="1" noChangeAspect="1" noMove="1" noResize="1" noEditPoints="1" noAdjustHandles="1" noChangeArrowheads="1" noChangeShapeType="1" noTextEdit="1"/>
+          </p:cNvSpPr>
+          <p:nvPr>
+            <p:extLst>
+              <p:ext uri="{386F3935-93C4-4BCD-93E2-E3B085C9AB24}">
+                <p16:designElem xmlns:p16="http://schemas.microsoft.com/office/powerpoint/2015/main" val="1"/>
+              </p:ext>
+            </p:extLst>
+          </p:nvPr>
+        </p:nvSpPr>
+        <p:spPr>
+          <a:xfrm>
+            <a:off x="-1" y="962423"/>
+            <a:ext cx="1006766" cy="1216152"/>
+          </a:xfrm>
+          <a:prstGeom prst="rect">
+            <a:avLst/>
+          </a:prstGeom>
+          <a:solidFill>
+            <a:schemeClr val="accent1"/>
+          </a:solidFill>
+          <a:ln>
+            <a:noFill/>
+          </a:ln>
+        </p:spPr>
+        <p:style>
+          <a:lnRef idx="2">
+            <a:schemeClr val="accent1">
+              <a:shade val="50000"/>
+            </a:schemeClr>
+          </a:lnRef>
+          <a:fillRef idx="1">
+            <a:schemeClr val="accent1"/>
+          </a:fillRef>
+          <a:effectRef idx="0">
+            <a:schemeClr val="accent1"/>
+          </a:effectRef>
+          <a:fontRef idx="minor">
+            <a:schemeClr val="lt1"/>
+          </a:fontRef>
+        </p:style>
+        <p:txBody>
+          <a:bodyPr rtlCol="0" anchor="ctr"/>
+          <a:lstStyle/>
+          <a:p>
+            <a:pPr algn="ctr"/>
+            <a:endParaRPr lang="en-US"/>
+          </a:p>
+        </p:txBody>
+      </p:sp>
+      <p:sp>
+        <p:nvSpPr>
+          <p:cNvPr id="16" name="Rectangle 15">
+            <a:extLst>
+              <a:ext uri="{FF2B5EF4-FFF2-40B4-BE49-F238E27FC236}">
+                <a16:creationId xmlns:a16="http://schemas.microsoft.com/office/drawing/2014/main" id="{9D9D367D-6DD2-4A7C-8918-0DCAC297559A}"/>
+              </a:ext>
+              <a:ext uri="{C183D7F6-B498-43B3-948B-1728B52AA6E4}">
+                <adec:decorative xmlns:adec="http://schemas.microsoft.com/office/drawing/2017/decorative" val="1"/>
+              </a:ext>
+            </a:extLst>
+          </p:cNvPr>
+          <p:cNvSpPr>
+            <a:spLocks noGrp="1" noRot="1" noChangeAspect="1" noMove="1" noResize="1" noEditPoints="1" noAdjustHandles="1" noChangeArrowheads="1" noChangeShapeType="1" noTextEdit="1"/>
+          </p:cNvSpPr>
+          <p:nvPr>
+            <p:extLst>
+              <p:ext uri="{386F3935-93C4-4BCD-93E2-E3B085C9AB24}">
+                <p16:designElem xmlns:p16="http://schemas.microsoft.com/office/powerpoint/2015/main" val="1"/>
+              </p:ext>
+            </p:extLst>
+          </p:nvPr>
+        </p:nvSpPr>
+        <p:spPr>
+          <a:xfrm rot="5400000">
+            <a:off x="-2390232" y="3396997"/>
+            <a:ext cx="6858002" cy="64008"/>
+          </a:xfrm>
+          <a:prstGeom prst="rect">
+            <a:avLst/>
+          </a:prstGeom>
+          <a:solidFill>
+            <a:schemeClr val="tx2"/>
+          </a:solidFill>
+          <a:ln>
+            <a:noFill/>
+          </a:ln>
+        </p:spPr>
+        <p:style>
+          <a:lnRef idx="2">
+            <a:schemeClr val="accent1">
+              <a:shade val="50000"/>
+            </a:schemeClr>
+          </a:lnRef>
+          <a:fillRef idx="1">
+            <a:schemeClr val="accent1"/>
+          </a:fillRef>
+          <a:effectRef idx="0">
+            <a:schemeClr val="accent1"/>
+          </a:effectRef>
+          <a:fontRef idx="minor">
+            <a:schemeClr val="lt1"/>
+          </a:fontRef>
+        </p:style>
+        <p:txBody>
+          <a:bodyPr rtlCol="0" anchor="ctr"/>
+          <a:lstStyle/>
+          <a:p>
+            <a:pPr algn="ctr"/>
+            <a:endParaRPr lang="en-US"/>
+          </a:p>
+        </p:txBody>
+      </p:sp>
+      <p:sp>
+        <p:nvSpPr>
+          <p:cNvPr id="3" name="Content Placeholder 2">
+            <a:extLst>
+              <a:ext uri="{FF2B5EF4-FFF2-40B4-BE49-F238E27FC236}">
+                <a16:creationId xmlns:a16="http://schemas.microsoft.com/office/drawing/2014/main" id="{39E9039A-B6C1-6D09-2B2E-4642905685AD}"/>
+              </a:ext>
+            </a:extLst>
+          </p:cNvPr>
+          <p:cNvSpPr>
+            <a:spLocks noGrp="1"/>
+          </p:cNvSpPr>
+          <p:nvPr>
+            <p:ph idx="1"/>
+          </p:nvPr>
+        </p:nvSpPr>
+        <p:spPr>
+          <a:xfrm>
+            <a:off x="1535371" y="2702257"/>
+            <a:ext cx="9935571" cy="3426158"/>
+          </a:xfrm>
+        </p:spPr>
+        <p:txBody>
+          <a:bodyPr anchor="t">
+            <a:normAutofit/>
+          </a:bodyPr>
+          <a:lstStyle/>
+          <a:p>
+            <a:pPr marL="285750" indent="-285750">
+              <a:buFont typeface="Arial" panose="020B0604020202020204" pitchFamily="34" charset="0"/>
+              <a:buChar char="•"/>
+            </a:pPr>
+            <a:r>
+              <a:rPr lang="en-GB" dirty="0"/>
+              <a:t>Notion</a:t>
+            </a:r>
+          </a:p>
+          <a:p>
+            <a:pPr marL="285750" indent="-285750">
+              <a:buFont typeface="Arial" panose="020B0604020202020204" pitchFamily="34" charset="0"/>
+              <a:buChar char="•"/>
+            </a:pPr>
+            <a:r>
+              <a:rPr lang="en-GB" dirty="0"/>
+              <a:t>Google Keep</a:t>
+            </a:r>
+          </a:p>
+          <a:p>
+            <a:pPr marL="285750" indent="-285750">
+              <a:buFont typeface="Arial" panose="020B0604020202020204" pitchFamily="34" charset="0"/>
+              <a:buChar char="•"/>
+            </a:pPr>
+            <a:r>
+              <a:rPr lang="en-GB" dirty="0"/>
+              <a:t>Evernote</a:t>
+            </a:r>
+          </a:p>
+          <a:p>
+            <a:pPr marL="285750" indent="-285750">
+              <a:buFont typeface="Arial" panose="020B0604020202020204" pitchFamily="34" charset="0"/>
+              <a:buChar char="•"/>
+            </a:pPr>
+            <a:r>
+              <a:rPr lang="en-GB" dirty="0"/>
+              <a:t>Text Scanner [OCR]</a:t>
+            </a:r>
+          </a:p>
+        </p:txBody>
+      </p:sp>
     </p:spTree>
     <p:extLst>
       <p:ext uri="{BB962C8B-B14F-4D97-AF65-F5344CB8AC3E}">
-        <p14:creationId xmlns:p14="http://schemas.microsoft.com/office/powerpoint/2010/main" val="3517532055"/>
+        <p14:creationId xmlns:p14="http://schemas.microsoft.com/office/powerpoint/2010/main" val="1249671360"/>
       </p:ext>
     </p:extLst>
   </p:cSld>
@@ -12353,7 +15030,7 @@
       </p:grpSpPr>
       <p:sp>
         <p:nvSpPr>
-          <p:cNvPr id="201" name="Rectangle 200">
+          <p:cNvPr id="195" name="Rectangle 194">
             <a:extLst>
               <a:ext uri="{FF2B5EF4-FFF2-40B4-BE49-F238E27FC236}">
                 <a16:creationId xmlns:a16="http://schemas.microsoft.com/office/drawing/2014/main" id="{1ED69555-EE48-4B19-812B-4E1068DBF976}"/>
@@ -12418,7 +15095,7 @@
       </p:sp>
       <p:sp>
         <p:nvSpPr>
-          <p:cNvPr id="203" name="Freeform 57">
+          <p:cNvPr id="197" name="Freeform 57">
             <a:extLst>
               <a:ext uri="{FF2B5EF4-FFF2-40B4-BE49-F238E27FC236}">
                 <a16:creationId xmlns:a16="http://schemas.microsoft.com/office/drawing/2014/main" id="{57AEB73D-F521-4B19-820F-12DB6BCC8406}"/>
@@ -12484,7 +15161,7 @@
       </p:sp>
       <p:sp>
         <p:nvSpPr>
-          <p:cNvPr id="205" name="Rectangle 204">
+          <p:cNvPr id="199" name="Rectangle 198">
             <a:extLst>
               <a:ext uri="{FF2B5EF4-FFF2-40B4-BE49-F238E27FC236}">
                 <a16:creationId xmlns:a16="http://schemas.microsoft.com/office/drawing/2014/main" id="{6B72EEBA-3A5D-41CE-8465-A45A0F65674E}"/>
@@ -12547,7 +15224,7 @@
       </p:sp>
       <p:sp useBgFill="1">
         <p:nvSpPr>
-          <p:cNvPr id="207" name="Rectangle 206">
+          <p:cNvPr id="201" name="Rectangle 200">
             <a:extLst>
               <a:ext uri="{FF2B5EF4-FFF2-40B4-BE49-F238E27FC236}">
                 <a16:creationId xmlns:a16="http://schemas.microsoft.com/office/drawing/2014/main" id="{EA164D6B-6878-4B9F-A2D0-985D39B17B46}"/>
@@ -12570,7 +15247,7 @@
         </p:nvSpPr>
         <p:spPr>
           <a:xfrm>
-            <a:off x="0" y="0"/>
+            <a:off x="-1" y="0"/>
             <a:ext cx="12192001" cy="6858000"/>
           </a:xfrm>
           <a:prstGeom prst="rect">
@@ -12607,10 +15284,10 @@
       </p:sp>
       <p:sp>
         <p:nvSpPr>
-          <p:cNvPr id="209" name="Rectangle 208">
+          <p:cNvPr id="203" name="Rectangle 202">
             <a:extLst>
               <a:ext uri="{FF2B5EF4-FFF2-40B4-BE49-F238E27FC236}">
-                <a16:creationId xmlns:a16="http://schemas.microsoft.com/office/drawing/2014/main" id="{57851D67-7085-40E2-B146-F91433A28E08}"/>
+                <a16:creationId xmlns:a16="http://schemas.microsoft.com/office/drawing/2014/main" id="{064738AB-B6BE-4867-889A-52CE4AC8DBD0}"/>
               </a:ext>
               <a:ext uri="{C183D7F6-B498-43B3-948B-1728B52AA6E4}">
                 <adec:decorative xmlns:adec="http://schemas.microsoft.com/office/drawing/2017/decorative" val="1"/>
@@ -12630,8 +15307,115 @@
         </p:nvSpPr>
         <p:spPr>
           <a:xfrm>
-            <a:off x="0" y="1031500"/>
-            <a:ext cx="7534656" cy="5112905"/>
+            <a:off x="-1" y="1095508"/>
+            <a:ext cx="4668819" cy="5016893"/>
+          </a:xfrm>
+          <a:prstGeom prst="rect">
+            <a:avLst/>
+          </a:prstGeom>
+          <a:solidFill>
+            <a:schemeClr val="tx2"/>
+          </a:solidFill>
+          <a:ln>
+            <a:noFill/>
+          </a:ln>
+        </p:spPr>
+        <p:style>
+          <a:lnRef idx="2">
+            <a:schemeClr val="accent1">
+              <a:shade val="50000"/>
+            </a:schemeClr>
+          </a:lnRef>
+          <a:fillRef idx="1">
+            <a:schemeClr val="accent1"/>
+          </a:fillRef>
+          <a:effectRef idx="0">
+            <a:schemeClr val="accent1"/>
+          </a:effectRef>
+          <a:fontRef idx="minor">
+            <a:schemeClr val="lt1"/>
+          </a:fontRef>
+        </p:style>
+        <p:txBody>
+          <a:bodyPr rtlCol="0" anchor="ctr"/>
+          <a:lstStyle/>
+          <a:p>
+            <a:pPr algn="ctr"/>
+            <a:endParaRPr lang="en-US"/>
+          </a:p>
+        </p:txBody>
+      </p:sp>
+      <p:sp>
+        <p:nvSpPr>
+          <p:cNvPr id="2" name="Title 1">
+            <a:extLst>
+              <a:ext uri="{FF2B5EF4-FFF2-40B4-BE49-F238E27FC236}">
+                <a16:creationId xmlns:a16="http://schemas.microsoft.com/office/drawing/2014/main" id="{1E667144-1EA0-6DA5-17BA-8248DFEDF647}"/>
+              </a:ext>
+            </a:extLst>
+          </p:cNvPr>
+          <p:cNvSpPr>
+            <a:spLocks noGrp="1"/>
+          </p:cNvSpPr>
+          <p:nvPr>
+            <p:ph type="title"/>
+          </p:nvPr>
+        </p:nvSpPr>
+        <p:spPr>
+          <a:xfrm>
+            <a:off x="463825" y="1709530"/>
+            <a:ext cx="3754671" cy="2528515"/>
+          </a:xfrm>
+        </p:spPr>
+        <p:txBody>
+          <a:bodyPr vert="horz" lIns="109728" tIns="109728" rIns="109728" bIns="91440" rtlCol="0" anchor="b">
+            <a:normAutofit/>
+          </a:bodyPr>
+          <a:lstStyle/>
+          <a:p>
+            <a:pPr>
+              <a:lnSpc>
+                <a:spcPct val="125000"/>
+              </a:lnSpc>
+            </a:pPr>
+            <a:r>
+              <a:rPr lang="en-US" b="0" cap="all" dirty="0">
+                <a:solidFill>
+                  <a:schemeClr val="bg1"/>
+                </a:solidFill>
+              </a:rPr>
+              <a:t>Notion</a:t>
+            </a:r>
+          </a:p>
+        </p:txBody>
+      </p:sp>
+      <p:sp>
+        <p:nvSpPr>
+          <p:cNvPr id="205" name="Rectangle 204">
+            <a:extLst>
+              <a:ext uri="{FF2B5EF4-FFF2-40B4-BE49-F238E27FC236}">
+                <a16:creationId xmlns:a16="http://schemas.microsoft.com/office/drawing/2014/main" id="{BBD49B71-B686-4DFD-93AD-40CB19B626B9}"/>
+              </a:ext>
+              <a:ext uri="{C183D7F6-B498-43B3-948B-1728B52AA6E4}">
+                <adec:decorative xmlns:adec="http://schemas.microsoft.com/office/drawing/2017/decorative" val="1"/>
+              </a:ext>
+            </a:extLst>
+          </p:cNvPr>
+          <p:cNvSpPr>
+            <a:spLocks noGrp="1" noRot="1" noChangeAspect="1" noMove="1" noResize="1" noEditPoints="1" noAdjustHandles="1" noChangeArrowheads="1" noChangeShapeType="1" noTextEdit="1"/>
+          </p:cNvSpPr>
+          <p:nvPr>
+            <p:extLst>
+              <p:ext uri="{386F3935-93C4-4BCD-93E2-E3B085C9AB24}">
+                <p16:designElem xmlns:p16="http://schemas.microsoft.com/office/powerpoint/2015/main" val="1"/>
+              </p:ext>
+            </p:extLst>
+          </p:nvPr>
+        </p:nvSpPr>
+        <p:spPr>
+          <a:xfrm>
+            <a:off x="4672066" y="0"/>
+            <a:ext cx="7519934" cy="6858000"/>
           </a:xfrm>
           <a:prstGeom prst="rect">
             <a:avLst/>
@@ -12670,12 +15454,41 @@
           </a:p>
         </p:txBody>
       </p:sp>
-      <p:sp>
-        <p:nvSpPr>
-          <p:cNvPr id="211" name="Rectangle 210">
+      <p:pic>
+        <p:nvPicPr>
+          <p:cNvPr id="5" name="Picture 4">
             <a:extLst>
               <a:ext uri="{FF2B5EF4-FFF2-40B4-BE49-F238E27FC236}">
-                <a16:creationId xmlns:a16="http://schemas.microsoft.com/office/drawing/2014/main" id="{362F176A-9349-4CD7-8042-59C0200C8CE9}"/>
+                <a16:creationId xmlns:a16="http://schemas.microsoft.com/office/drawing/2014/main" id="{5658BCDB-95BA-A944-24B4-9EE79CC32E79}"/>
+              </a:ext>
+            </a:extLst>
+          </p:cNvPr>
+          <p:cNvPicPr>
+            <a:picLocks noChangeAspect="1"/>
+          </p:cNvPicPr>
+          <p:nvPr/>
+        </p:nvPicPr>
+        <p:blipFill rotWithShape="1">
+          <a:blip r:embed="rId3"/>
+          <a:srcRect l="18793" r="10540"/>
+          <a:stretch/>
+        </p:blipFill>
+        <p:spPr>
+          <a:xfrm>
+            <a:off x="5312285" y="1850018"/>
+            <a:ext cx="6236248" cy="3507874"/>
+          </a:xfrm>
+          <a:prstGeom prst="rect">
+            <a:avLst/>
+          </a:prstGeom>
+        </p:spPr>
+      </p:pic>
+      <p:sp>
+        <p:nvSpPr>
+          <p:cNvPr id="207" name="Rectangle 206">
+            <a:extLst>
+              <a:ext uri="{FF2B5EF4-FFF2-40B4-BE49-F238E27FC236}">
+                <a16:creationId xmlns:a16="http://schemas.microsoft.com/office/drawing/2014/main" id="{7C60369F-A41B-4D6E-8990-30E2715C5730}"/>
               </a:ext>
               <a:ext uri="{C183D7F6-B498-43B3-948B-1728B52AA6E4}">
                 <adec:decorative xmlns:adec="http://schemas.microsoft.com/office/drawing/2017/decorative" val="1"/>
@@ -12695,71 +15508,8 @@
         </p:nvSpPr>
         <p:spPr>
           <a:xfrm>
-            <a:off x="7550904" y="-4078"/>
-            <a:ext cx="4641096" cy="1056542"/>
-          </a:xfrm>
-          <a:prstGeom prst="rect">
-            <a:avLst/>
-          </a:prstGeom>
-          <a:solidFill>
-            <a:schemeClr val="accent1"/>
-          </a:solidFill>
-          <a:ln>
-            <a:noFill/>
-          </a:ln>
-        </p:spPr>
-        <p:style>
-          <a:lnRef idx="2">
-            <a:schemeClr val="accent1">
-              <a:shade val="50000"/>
-            </a:schemeClr>
-          </a:lnRef>
-          <a:fillRef idx="1">
-            <a:schemeClr val="accent1"/>
-          </a:fillRef>
-          <a:effectRef idx="0">
-            <a:schemeClr val="accent1"/>
-          </a:effectRef>
-          <a:fontRef idx="minor">
-            <a:schemeClr val="lt1"/>
-          </a:fontRef>
-        </p:style>
-        <p:txBody>
-          <a:bodyPr rtlCol="0" anchor="ctr"/>
-          <a:lstStyle/>
-          <a:p>
-            <a:pPr algn="ctr"/>
-            <a:endParaRPr lang="en-US"/>
-          </a:p>
-        </p:txBody>
-      </p:sp>
-      <p:sp>
-        <p:nvSpPr>
-          <p:cNvPr id="213" name="Rectangle 212">
-            <a:extLst>
-              <a:ext uri="{FF2B5EF4-FFF2-40B4-BE49-F238E27FC236}">
-                <a16:creationId xmlns:a16="http://schemas.microsoft.com/office/drawing/2014/main" id="{4E9A171F-91A7-42F8-B25C-E38B244E757C}"/>
-              </a:ext>
-              <a:ext uri="{C183D7F6-B498-43B3-948B-1728B52AA6E4}">
-                <adec:decorative xmlns:adec="http://schemas.microsoft.com/office/drawing/2017/decorative" val="1"/>
-              </a:ext>
-            </a:extLst>
-          </p:cNvPr>
-          <p:cNvSpPr>
-            <a:spLocks noGrp="1" noRot="1" noChangeAspect="1" noMove="1" noResize="1" noEditPoints="1" noAdjustHandles="1" noChangeArrowheads="1" noChangeShapeType="1" noTextEdit="1"/>
-          </p:cNvSpPr>
-          <p:nvPr>
-            <p:extLst>
-              <p:ext uri="{386F3935-93C4-4BCD-93E2-E3B085C9AB24}">
-                <p16:designElem xmlns:p16="http://schemas.microsoft.com/office/powerpoint/2015/main" val="1"/>
-              </p:ext>
-            </p:extLst>
-          </p:nvPr>
-        </p:nvSpPr>
-        <p:spPr>
-          <a:xfrm>
-            <a:off x="1525" y="1031500"/>
-            <a:ext cx="12188951" cy="64008"/>
+            <a:off x="4606534" y="0"/>
+            <a:ext cx="64008" cy="6858000"/>
           </a:xfrm>
           <a:prstGeom prst="rect">
             <a:avLst/>
@@ -12796,273 +15546,10 @@
           </a:p>
         </p:txBody>
       </p:sp>
-      <p:pic>
-        <p:nvPicPr>
-          <p:cNvPr id="4" name="Picture 3">
-            <a:extLst>
-              <a:ext uri="{FF2B5EF4-FFF2-40B4-BE49-F238E27FC236}">
-                <a16:creationId xmlns:a16="http://schemas.microsoft.com/office/drawing/2014/main" id="{48B3E9BC-C168-9C05-8E24-23A40832C005}"/>
-              </a:ext>
-            </a:extLst>
-          </p:cNvPr>
-          <p:cNvPicPr>
-            <a:picLocks noChangeAspect="1"/>
-          </p:cNvPicPr>
-          <p:nvPr/>
-        </p:nvPicPr>
-        <p:blipFill>
-          <a:blip r:embed="rId2"/>
-          <a:stretch>
-            <a:fillRect/>
-          </a:stretch>
-        </p:blipFill>
-        <p:spPr>
-          <a:xfrm>
-            <a:off x="643466" y="2133366"/>
-            <a:ext cx="6224713" cy="2941177"/>
-          </a:xfrm>
-          <a:prstGeom prst="rect">
-            <a:avLst/>
-          </a:prstGeom>
-        </p:spPr>
-      </p:pic>
-      <p:sp>
-        <p:nvSpPr>
-          <p:cNvPr id="215" name="Rectangle 214">
-            <a:extLst>
-              <a:ext uri="{FF2B5EF4-FFF2-40B4-BE49-F238E27FC236}">
-                <a16:creationId xmlns:a16="http://schemas.microsoft.com/office/drawing/2014/main" id="{064738AB-B6BE-4867-889A-52CE4AC8DBD0}"/>
-              </a:ext>
-              <a:ext uri="{C183D7F6-B498-43B3-948B-1728B52AA6E4}">
-                <adec:decorative xmlns:adec="http://schemas.microsoft.com/office/drawing/2017/decorative" val="1"/>
-              </a:ext>
-            </a:extLst>
-          </p:cNvPr>
-          <p:cNvSpPr>
-            <a:spLocks noGrp="1" noRot="1" noChangeAspect="1" noMove="1" noResize="1" noEditPoints="1" noAdjustHandles="1" noChangeArrowheads="1" noChangeShapeType="1" noTextEdit="1"/>
-          </p:cNvSpPr>
-          <p:nvPr>
-            <p:extLst>
-              <p:ext uri="{386F3935-93C4-4BCD-93E2-E3B085C9AB24}">
-                <p16:designElem xmlns:p16="http://schemas.microsoft.com/office/powerpoint/2015/main" val="1"/>
-              </p:ext>
-            </p:extLst>
-          </p:nvPr>
-        </p:nvSpPr>
-        <p:spPr>
-          <a:xfrm>
-            <a:off x="7585467" y="1095508"/>
-            <a:ext cx="4606533" cy="5016893"/>
-          </a:xfrm>
-          <a:prstGeom prst="rect">
-            <a:avLst/>
-          </a:prstGeom>
-          <a:solidFill>
-            <a:schemeClr val="tx2"/>
-          </a:solidFill>
-          <a:ln>
-            <a:noFill/>
-          </a:ln>
-        </p:spPr>
-        <p:style>
-          <a:lnRef idx="2">
-            <a:schemeClr val="accent1">
-              <a:shade val="50000"/>
-            </a:schemeClr>
-          </a:lnRef>
-          <a:fillRef idx="1">
-            <a:schemeClr val="accent1"/>
-          </a:fillRef>
-          <a:effectRef idx="0">
-            <a:schemeClr val="accent1"/>
-          </a:effectRef>
-          <a:fontRef idx="minor">
-            <a:schemeClr val="lt1"/>
-          </a:fontRef>
-        </p:style>
-        <p:txBody>
-          <a:bodyPr rtlCol="0" anchor="ctr"/>
-          <a:lstStyle/>
-          <a:p>
-            <a:pPr algn="ctr"/>
-            <a:endParaRPr lang="en-US"/>
-          </a:p>
-        </p:txBody>
-      </p:sp>
-      <p:sp>
-        <p:nvSpPr>
-          <p:cNvPr id="2" name="Title 1">
-            <a:extLst>
-              <a:ext uri="{FF2B5EF4-FFF2-40B4-BE49-F238E27FC236}">
-                <a16:creationId xmlns:a16="http://schemas.microsoft.com/office/drawing/2014/main" id="{1E667144-1EA0-6DA5-17BA-8248DFEDF647}"/>
-              </a:ext>
-            </a:extLst>
-          </p:cNvPr>
-          <p:cNvSpPr>
-            <a:spLocks noGrp="1"/>
-          </p:cNvSpPr>
-          <p:nvPr>
-            <p:ph type="title"/>
-          </p:nvPr>
-        </p:nvSpPr>
-        <p:spPr>
-          <a:xfrm>
-            <a:off x="7973503" y="1709530"/>
-            <a:ext cx="3754671" cy="2528515"/>
-          </a:xfrm>
-        </p:spPr>
-        <p:txBody>
-          <a:bodyPr vert="horz" lIns="109728" tIns="109728" rIns="109728" bIns="91440" rtlCol="0" anchor="b">
-            <a:normAutofit/>
-          </a:bodyPr>
-          <a:lstStyle/>
-          <a:p>
-            <a:pPr>
-              <a:lnSpc>
-                <a:spcPct val="125000"/>
-              </a:lnSpc>
-            </a:pPr>
-            <a:r>
-              <a:rPr lang="en-US" b="0" cap="all" dirty="0">
-                <a:solidFill>
-                  <a:schemeClr val="bg1"/>
-                </a:solidFill>
-              </a:rPr>
-              <a:t>Google Keep</a:t>
-            </a:r>
-          </a:p>
-        </p:txBody>
-      </p:sp>
-      <p:sp>
-        <p:nvSpPr>
-          <p:cNvPr id="217" name="Rectangle 216">
-            <a:extLst>
-              <a:ext uri="{FF2B5EF4-FFF2-40B4-BE49-F238E27FC236}">
-                <a16:creationId xmlns:a16="http://schemas.microsoft.com/office/drawing/2014/main" id="{9C969C2C-E7E3-4052-87D4-61E733EC1BBD}"/>
-              </a:ext>
-              <a:ext uri="{C183D7F6-B498-43B3-948B-1728B52AA6E4}">
-                <adec:decorative xmlns:adec="http://schemas.microsoft.com/office/drawing/2017/decorative" val="1"/>
-              </a:ext>
-            </a:extLst>
-          </p:cNvPr>
-          <p:cNvSpPr>
-            <a:spLocks noGrp="1" noRot="1" noChangeAspect="1" noMove="1" noResize="1" noEditPoints="1" noAdjustHandles="1" noChangeArrowheads="1" noChangeShapeType="1" noTextEdit="1"/>
-          </p:cNvSpPr>
-          <p:nvPr>
-            <p:extLst>
-              <p:ext uri="{386F3935-93C4-4BCD-93E2-E3B085C9AB24}">
-                <p16:designElem xmlns:p16="http://schemas.microsoft.com/office/powerpoint/2015/main" val="1"/>
-              </p:ext>
-            </p:extLst>
-          </p:nvPr>
-        </p:nvSpPr>
-        <p:spPr>
-          <a:xfrm>
-            <a:off x="1525" y="6112401"/>
-            <a:ext cx="12188951" cy="64008"/>
-          </a:xfrm>
-          <a:prstGeom prst="rect">
-            <a:avLst/>
-          </a:prstGeom>
-          <a:solidFill>
-            <a:schemeClr val="tx2"/>
-          </a:solidFill>
-          <a:ln>
-            <a:noFill/>
-          </a:ln>
-        </p:spPr>
-        <p:style>
-          <a:lnRef idx="2">
-            <a:schemeClr val="accent1">
-              <a:shade val="50000"/>
-            </a:schemeClr>
-          </a:lnRef>
-          <a:fillRef idx="1">
-            <a:schemeClr val="accent1"/>
-          </a:fillRef>
-          <a:effectRef idx="0">
-            <a:schemeClr val="accent1"/>
-          </a:effectRef>
-          <a:fontRef idx="minor">
-            <a:schemeClr val="lt1"/>
-          </a:fontRef>
-        </p:style>
-        <p:txBody>
-          <a:bodyPr rtlCol="0" anchor="ctr"/>
-          <a:lstStyle/>
-          <a:p>
-            <a:pPr algn="ctr"/>
-            <a:endParaRPr lang="en-US"/>
-          </a:p>
-        </p:txBody>
-      </p:sp>
-      <p:sp>
-        <p:nvSpPr>
-          <p:cNvPr id="219" name="Rectangle 218">
-            <a:extLst>
-              <a:ext uri="{FF2B5EF4-FFF2-40B4-BE49-F238E27FC236}">
-                <a16:creationId xmlns:a16="http://schemas.microsoft.com/office/drawing/2014/main" id="{7C60369F-A41B-4D6E-8990-30E2715C5730}"/>
-              </a:ext>
-              <a:ext uri="{C183D7F6-B498-43B3-948B-1728B52AA6E4}">
-                <adec:decorative xmlns:adec="http://schemas.microsoft.com/office/drawing/2017/decorative" val="1"/>
-              </a:ext>
-            </a:extLst>
-          </p:cNvPr>
-          <p:cNvSpPr>
-            <a:spLocks noGrp="1" noRot="1" noChangeAspect="1" noMove="1" noResize="1" noEditPoints="1" noAdjustHandles="1" noChangeArrowheads="1" noChangeShapeType="1" noTextEdit="1"/>
-          </p:cNvSpPr>
-          <p:nvPr>
-            <p:extLst>
-              <p:ext uri="{386F3935-93C4-4BCD-93E2-E3B085C9AB24}">
-                <p16:designElem xmlns:p16="http://schemas.microsoft.com/office/powerpoint/2015/main" val="1"/>
-              </p:ext>
-            </p:extLst>
-          </p:nvPr>
-        </p:nvSpPr>
-        <p:spPr>
-          <a:xfrm>
-            <a:off x="7521459" y="0"/>
-            <a:ext cx="64008" cy="6858000"/>
-          </a:xfrm>
-          <a:prstGeom prst="rect">
-            <a:avLst/>
-          </a:prstGeom>
-          <a:solidFill>
-            <a:schemeClr val="tx2"/>
-          </a:solidFill>
-          <a:ln>
-            <a:noFill/>
-          </a:ln>
-        </p:spPr>
-        <p:style>
-          <a:lnRef idx="2">
-            <a:schemeClr val="accent1">
-              <a:shade val="50000"/>
-            </a:schemeClr>
-          </a:lnRef>
-          <a:fillRef idx="1">
-            <a:schemeClr val="accent1"/>
-          </a:fillRef>
-          <a:effectRef idx="0">
-            <a:schemeClr val="accent1"/>
-          </a:effectRef>
-          <a:fontRef idx="minor">
-            <a:schemeClr val="lt1"/>
-          </a:fontRef>
-        </p:style>
-        <p:txBody>
-          <a:bodyPr rtlCol="0" anchor="ctr"/>
-          <a:lstStyle/>
-          <a:p>
-            <a:pPr algn="ctr"/>
-            <a:endParaRPr lang="en-US"/>
-          </a:p>
-        </p:txBody>
-      </p:sp>
     </p:spTree>
     <p:extLst>
       <p:ext uri="{BB962C8B-B14F-4D97-AF65-F5344CB8AC3E}">
-        <p14:creationId xmlns:p14="http://schemas.microsoft.com/office/powerpoint/2010/main" val="4084343101"/>
+        <p14:creationId xmlns:p14="http://schemas.microsoft.com/office/powerpoint/2010/main" val="3517532055"/>
       </p:ext>
     </p:extLst>
   </p:cSld>
@@ -13099,7 +15586,7 @@
       </p:grpSpPr>
       <p:sp>
         <p:nvSpPr>
-          <p:cNvPr id="178" name="Rectangle 177">
+          <p:cNvPr id="201" name="Rectangle 200">
             <a:extLst>
               <a:ext uri="{FF2B5EF4-FFF2-40B4-BE49-F238E27FC236}">
                 <a16:creationId xmlns:a16="http://schemas.microsoft.com/office/drawing/2014/main" id="{1ED69555-EE48-4B19-812B-4E1068DBF976}"/>
@@ -13164,7 +15651,7 @@
       </p:sp>
       <p:sp>
         <p:nvSpPr>
-          <p:cNvPr id="180" name="Freeform 57">
+          <p:cNvPr id="203" name="Freeform 57">
             <a:extLst>
               <a:ext uri="{FF2B5EF4-FFF2-40B4-BE49-F238E27FC236}">
                 <a16:creationId xmlns:a16="http://schemas.microsoft.com/office/drawing/2014/main" id="{57AEB73D-F521-4B19-820F-12DB6BCC8406}"/>
@@ -13230,7 +15717,7 @@
       </p:sp>
       <p:sp>
         <p:nvSpPr>
-          <p:cNvPr id="182" name="Rectangle 181">
+          <p:cNvPr id="205" name="Rectangle 204">
             <a:extLst>
               <a:ext uri="{FF2B5EF4-FFF2-40B4-BE49-F238E27FC236}">
                 <a16:creationId xmlns:a16="http://schemas.microsoft.com/office/drawing/2014/main" id="{6B72EEBA-3A5D-41CE-8465-A45A0F65674E}"/>
@@ -13293,7 +15780,7 @@
       </p:sp>
       <p:sp useBgFill="1">
         <p:nvSpPr>
-          <p:cNvPr id="184" name="Rectangle 183">
+          <p:cNvPr id="207" name="Rectangle 206">
             <a:extLst>
               <a:ext uri="{FF2B5EF4-FFF2-40B4-BE49-F238E27FC236}">
                 <a16:creationId xmlns:a16="http://schemas.microsoft.com/office/drawing/2014/main" id="{EA164D6B-6878-4B9F-A2D0-985D39B17B46}"/>
@@ -13353,7 +15840,7 @@
       </p:sp>
       <p:sp>
         <p:nvSpPr>
-          <p:cNvPr id="186" name="Rectangle 185">
+          <p:cNvPr id="209" name="Rectangle 208">
             <a:extLst>
               <a:ext uri="{FF2B5EF4-FFF2-40B4-BE49-F238E27FC236}">
                 <a16:creationId xmlns:a16="http://schemas.microsoft.com/office/drawing/2014/main" id="{57851D67-7085-40E2-B146-F91433A28E08}"/>
@@ -13418,7 +15905,7 @@
       </p:sp>
       <p:sp>
         <p:nvSpPr>
-          <p:cNvPr id="188" name="Rectangle 187">
+          <p:cNvPr id="211" name="Rectangle 210">
             <a:extLst>
               <a:ext uri="{FF2B5EF4-FFF2-40B4-BE49-F238E27FC236}">
                 <a16:creationId xmlns:a16="http://schemas.microsoft.com/office/drawing/2014/main" id="{362F176A-9349-4CD7-8042-59C0200C8CE9}"/>
@@ -13481,7 +15968,7 @@
       </p:sp>
       <p:sp>
         <p:nvSpPr>
-          <p:cNvPr id="190" name="Rectangle 189">
+          <p:cNvPr id="213" name="Rectangle 212">
             <a:extLst>
               <a:ext uri="{FF2B5EF4-FFF2-40B4-BE49-F238E27FC236}">
                 <a16:creationId xmlns:a16="http://schemas.microsoft.com/office/drawing/2014/main" id="{4E9A171F-91A7-42F8-B25C-E38B244E757C}"/>
@@ -13547,7 +16034,7 @@
           <p:cNvPr id="4" name="Picture 3">
             <a:extLst>
               <a:ext uri="{FF2B5EF4-FFF2-40B4-BE49-F238E27FC236}">
-                <a16:creationId xmlns:a16="http://schemas.microsoft.com/office/drawing/2014/main" id="{A2220AC8-CC1F-DE77-AD80-70F8FD9F6A55}"/>
+                <a16:creationId xmlns:a16="http://schemas.microsoft.com/office/drawing/2014/main" id="{48B3E9BC-C168-9C05-8E24-23A40832C005}"/>
               </a:ext>
             </a:extLst>
           </p:cNvPr>
@@ -13557,15 +16044,15 @@
           <p:nvPr/>
         </p:nvPicPr>
         <p:blipFill>
-          <a:blip r:embed="rId2"/>
+          <a:blip r:embed="rId3"/>
           <a:stretch>
             <a:fillRect/>
           </a:stretch>
         </p:blipFill>
         <p:spPr>
           <a:xfrm>
-            <a:off x="643466" y="2226737"/>
-            <a:ext cx="6224713" cy="2754435"/>
+            <a:off x="643466" y="2133366"/>
+            <a:ext cx="6224713" cy="2941177"/>
           </a:xfrm>
           <a:prstGeom prst="rect">
             <a:avLst/>
@@ -13574,7 +16061,7 @@
       </p:pic>
       <p:sp>
         <p:nvSpPr>
-          <p:cNvPr id="192" name="Rectangle 191">
+          <p:cNvPr id="215" name="Rectangle 214">
             <a:extLst>
               <a:ext uri="{FF2B5EF4-FFF2-40B4-BE49-F238E27FC236}">
                 <a16:creationId xmlns:a16="http://schemas.microsoft.com/office/drawing/2014/main" id="{064738AB-B6BE-4867-889A-52CE4AC8DBD0}"/>
@@ -13674,14 +16161,14 @@
                   <a:schemeClr val="bg1"/>
                 </a:solidFill>
               </a:rPr>
-              <a:t>Evernote</a:t>
+              <a:t>Google Keep</a:t>
             </a:r>
           </a:p>
         </p:txBody>
       </p:sp>
       <p:sp>
         <p:nvSpPr>
-          <p:cNvPr id="194" name="Rectangle 193">
+          <p:cNvPr id="217" name="Rectangle 216">
             <a:extLst>
               <a:ext uri="{FF2B5EF4-FFF2-40B4-BE49-F238E27FC236}">
                 <a16:creationId xmlns:a16="http://schemas.microsoft.com/office/drawing/2014/main" id="{9C969C2C-E7E3-4052-87D4-61E733EC1BBD}"/>
@@ -13744,7 +16231,7 @@
       </p:sp>
       <p:sp>
         <p:nvSpPr>
-          <p:cNvPr id="196" name="Rectangle 195">
+          <p:cNvPr id="219" name="Rectangle 218">
             <a:extLst>
               <a:ext uri="{FF2B5EF4-FFF2-40B4-BE49-F238E27FC236}">
                 <a16:creationId xmlns:a16="http://schemas.microsoft.com/office/drawing/2014/main" id="{7C60369F-A41B-4D6E-8990-30E2715C5730}"/>
@@ -13808,7 +16295,7 @@
     </p:spTree>
     <p:extLst>
       <p:ext uri="{BB962C8B-B14F-4D97-AF65-F5344CB8AC3E}">
-        <p14:creationId xmlns:p14="http://schemas.microsoft.com/office/powerpoint/2010/main" val="1761295539"/>
+        <p14:creationId xmlns:p14="http://schemas.microsoft.com/office/powerpoint/2010/main" val="4084343101"/>
       </p:ext>
     </p:extLst>
   </p:cSld>
@@ -13845,7 +16332,7 @@
       </p:grpSpPr>
       <p:sp>
         <p:nvSpPr>
-          <p:cNvPr id="197" name="Rectangle 177">
+          <p:cNvPr id="10" name="Rectangle 9">
             <a:extLst>
               <a:ext uri="{FF2B5EF4-FFF2-40B4-BE49-F238E27FC236}">
                 <a16:creationId xmlns:a16="http://schemas.microsoft.com/office/drawing/2014/main" id="{1ED69555-EE48-4B19-812B-4E1068DBF976}"/>
@@ -13910,7 +16397,7 @@
       </p:sp>
       <p:sp>
         <p:nvSpPr>
-          <p:cNvPr id="198" name="Freeform 57">
+          <p:cNvPr id="12" name="Freeform 57">
             <a:extLst>
               <a:ext uri="{FF2B5EF4-FFF2-40B4-BE49-F238E27FC236}">
                 <a16:creationId xmlns:a16="http://schemas.microsoft.com/office/drawing/2014/main" id="{57AEB73D-F521-4B19-820F-12DB6BCC8406}"/>
@@ -13976,7 +16463,7 @@
       </p:sp>
       <p:sp>
         <p:nvSpPr>
-          <p:cNvPr id="199" name="Rectangle 181">
+          <p:cNvPr id="14" name="Rectangle 13">
             <a:extLst>
               <a:ext uri="{FF2B5EF4-FFF2-40B4-BE49-F238E27FC236}">
                 <a16:creationId xmlns:a16="http://schemas.microsoft.com/office/drawing/2014/main" id="{6B72EEBA-3A5D-41CE-8465-A45A0F65674E}"/>
@@ -14039,7 +16526,7 @@
       </p:sp>
       <p:sp useBgFill="1">
         <p:nvSpPr>
-          <p:cNvPr id="200" name="Rectangle 183">
+          <p:cNvPr id="16" name="Rectangle 15">
             <a:extLst>
               <a:ext uri="{FF2B5EF4-FFF2-40B4-BE49-F238E27FC236}">
                 <a16:creationId xmlns:a16="http://schemas.microsoft.com/office/drawing/2014/main" id="{EA164D6B-6878-4B9F-A2D0-985D39B17B46}"/>
@@ -14099,7 +16586,7 @@
       </p:sp>
       <p:sp>
         <p:nvSpPr>
-          <p:cNvPr id="201" name="Rectangle 185">
+          <p:cNvPr id="18" name="Rectangle 17">
             <a:extLst>
               <a:ext uri="{FF2B5EF4-FFF2-40B4-BE49-F238E27FC236}">
                 <a16:creationId xmlns:a16="http://schemas.microsoft.com/office/drawing/2014/main" id="{57851D67-7085-40E2-B146-F91433A28E08}"/>
@@ -14164,7 +16651,7 @@
       </p:sp>
       <p:sp>
         <p:nvSpPr>
-          <p:cNvPr id="202" name="Rectangle 187">
+          <p:cNvPr id="20" name="Rectangle 19">
             <a:extLst>
               <a:ext uri="{FF2B5EF4-FFF2-40B4-BE49-F238E27FC236}">
                 <a16:creationId xmlns:a16="http://schemas.microsoft.com/office/drawing/2014/main" id="{362F176A-9349-4CD7-8042-59C0200C8CE9}"/>
@@ -14227,7 +16714,7 @@
       </p:sp>
       <p:sp>
         <p:nvSpPr>
-          <p:cNvPr id="203" name="Rectangle 189">
+          <p:cNvPr id="22" name="Rectangle 21">
             <a:extLst>
               <a:ext uri="{FF2B5EF4-FFF2-40B4-BE49-F238E27FC236}">
                 <a16:creationId xmlns:a16="http://schemas.microsoft.com/office/drawing/2014/main" id="{4E9A171F-91A7-42F8-B25C-E38B244E757C}"/>
@@ -14290,17 +16777,19 @@
       </p:sp>
       <p:pic>
         <p:nvPicPr>
-          <p:cNvPr id="4" name="Picture 3">
+          <p:cNvPr id="5" name="Content Placeholder 4">
             <a:extLst>
               <a:ext uri="{FF2B5EF4-FFF2-40B4-BE49-F238E27FC236}">
-                <a16:creationId xmlns:a16="http://schemas.microsoft.com/office/drawing/2014/main" id="{B67558F6-3ADF-0A89-B8E6-7277ED650E7E}"/>
+                <a16:creationId xmlns:a16="http://schemas.microsoft.com/office/drawing/2014/main" id="{E8D805F6-EB1D-0D46-C216-771D48AA42F7}"/>
               </a:ext>
             </a:extLst>
           </p:cNvPr>
           <p:cNvPicPr>
-            <a:picLocks noChangeAspect="1"/>
+            <a:picLocks noGrp="1" noChangeAspect="1"/>
           </p:cNvPicPr>
-          <p:nvPr/>
+          <p:nvPr>
+            <p:ph idx="1"/>
+          </p:nvPr>
         </p:nvPicPr>
         <p:blipFill>
           <a:blip r:embed="rId2"/>
@@ -14310,8 +16799,8 @@
         </p:blipFill>
         <p:spPr>
           <a:xfrm>
-            <a:off x="643466" y="2172270"/>
-            <a:ext cx="6224713" cy="2863369"/>
+            <a:off x="2123965" y="1738975"/>
+            <a:ext cx="3263714" cy="3729959"/>
           </a:xfrm>
           <a:prstGeom prst="rect">
             <a:avLst/>
@@ -14320,7 +16809,7 @@
       </p:pic>
       <p:sp>
         <p:nvSpPr>
-          <p:cNvPr id="204" name="Rectangle 191">
+          <p:cNvPr id="24" name="Rectangle 23">
             <a:extLst>
               <a:ext uri="{FF2B5EF4-FFF2-40B4-BE49-F238E27FC236}">
                 <a16:creationId xmlns:a16="http://schemas.microsoft.com/office/drawing/2014/main" id="{064738AB-B6BE-4867-889A-52CE4AC8DBD0}"/>
@@ -14386,7 +16875,7 @@
           <p:cNvPr id="2" name="Title 1">
             <a:extLst>
               <a:ext uri="{FF2B5EF4-FFF2-40B4-BE49-F238E27FC236}">
-                <a16:creationId xmlns:a16="http://schemas.microsoft.com/office/drawing/2014/main" id="{1E667144-1EA0-6DA5-17BA-8248DFEDF647}"/>
+                <a16:creationId xmlns:a16="http://schemas.microsoft.com/office/drawing/2014/main" id="{FA1F750F-99CE-643E-C236-A3C3E7AFA2F1}"/>
               </a:ext>
             </a:extLst>
           </p:cNvPr>
@@ -14415,24 +16904,35 @@
               </a:lnSpc>
             </a:pPr>
             <a:r>
-              <a:rPr lang="en-US" b="0" cap="all">
+              <a:rPr lang="en-US" b="0" cap="all" dirty="0">
                 <a:solidFill>
                   <a:schemeClr val="bg1"/>
                 </a:solidFill>
               </a:rPr>
-              <a:t>Text scanner [ocr]</a:t>
+              <a:t>Google Keep </a:t>
             </a:r>
-            <a:endParaRPr lang="en-US" b="0" cap="all" dirty="0">
-              <a:solidFill>
-                <a:schemeClr val="bg1"/>
-              </a:solidFill>
-            </a:endParaRPr>
-          </a:p>
-        </p:txBody>
-      </p:sp>
-      <p:sp>
-        <p:nvSpPr>
-          <p:cNvPr id="205" name="Rectangle 193">
+            <a:r>
+              <a:rPr lang="en-US" b="0" cap="all" dirty="0" err="1">
+                <a:solidFill>
+                  <a:schemeClr val="bg1"/>
+                </a:solidFill>
+              </a:rPr>
+              <a:t>ocr</a:t>
+            </a:r>
+            <a:r>
+              <a:rPr lang="en-US" b="0" cap="all" dirty="0">
+                <a:solidFill>
+                  <a:schemeClr val="bg1"/>
+                </a:solidFill>
+              </a:rPr>
+              <a:t> example</a:t>
+            </a:r>
+          </a:p>
+        </p:txBody>
+      </p:sp>
+      <p:sp>
+        <p:nvSpPr>
+          <p:cNvPr id="26" name="Rectangle 25">
             <a:extLst>
               <a:ext uri="{FF2B5EF4-FFF2-40B4-BE49-F238E27FC236}">
                 <a16:creationId xmlns:a16="http://schemas.microsoft.com/office/drawing/2014/main" id="{9C969C2C-E7E3-4052-87D4-61E733EC1BBD}"/>
@@ -14495,7 +16995,7 @@
       </p:sp>
       <p:sp>
         <p:nvSpPr>
-          <p:cNvPr id="196" name="Rectangle 195">
+          <p:cNvPr id="28" name="Rectangle 27">
             <a:extLst>
               <a:ext uri="{FF2B5EF4-FFF2-40B4-BE49-F238E27FC236}">
                 <a16:creationId xmlns:a16="http://schemas.microsoft.com/office/drawing/2014/main" id="{7C60369F-A41B-4D6E-8990-30E2715C5730}"/>
@@ -14559,7 +17059,7 @@
     </p:spTree>
     <p:extLst>
       <p:ext uri="{BB962C8B-B14F-4D97-AF65-F5344CB8AC3E}">
-        <p14:creationId xmlns:p14="http://schemas.microsoft.com/office/powerpoint/2010/main" val="2432800764"/>
+        <p14:creationId xmlns:p14="http://schemas.microsoft.com/office/powerpoint/2010/main" val="3701261906"/>
       </p:ext>
     </p:extLst>
   </p:cSld>
@@ -14572,6 +17072,14 @@
 <file path=ppt/slides/slide8.xml><?xml version="1.0" encoding="utf-8"?>
 <p:sld xmlns:a="http://schemas.openxmlformats.org/drawingml/2006/main" xmlns:r="http://schemas.openxmlformats.org/officeDocument/2006/relationships" xmlns:p="http://schemas.openxmlformats.org/presentationml/2006/main">
   <p:cSld>
+    <p:bg>
+      <p:bgPr>
+        <a:solidFill>
+          <a:schemeClr val="bg2"/>
+        </a:solidFill>
+        <a:effectLst/>
+      </p:bgPr>
+    </p:bg>
     <p:spTree>
       <p:nvGrpSpPr>
         <p:cNvPr id="1" name=""/>
@@ -14588,10 +17096,548 @@
       </p:grpSpPr>
       <p:sp>
         <p:nvSpPr>
+          <p:cNvPr id="178" name="Rectangle 177">
+            <a:extLst>
+              <a:ext uri="{FF2B5EF4-FFF2-40B4-BE49-F238E27FC236}">
+                <a16:creationId xmlns:a16="http://schemas.microsoft.com/office/drawing/2014/main" id="{1ED69555-EE48-4B19-812B-4E1068DBF976}"/>
+              </a:ext>
+              <a:ext uri="{C183D7F6-B498-43B3-948B-1728B52AA6E4}">
+                <adec:decorative xmlns:adec="http://schemas.microsoft.com/office/drawing/2017/decorative" val="1"/>
+              </a:ext>
+            </a:extLst>
+          </p:cNvPr>
+          <p:cNvSpPr>
+            <a:spLocks noGrp="1" noRot="1" noChangeAspect="1" noMove="1" noResize="1" noEditPoints="1" noAdjustHandles="1" noChangeArrowheads="1" noChangeShapeType="1" noTextEdit="1"/>
+          </p:cNvSpPr>
+          <p:nvPr>
+            <p:extLst>
+              <p:ext uri="{386F3935-93C4-4BCD-93E2-E3B085C9AB24}">
+                <p16:designElem xmlns:p16="http://schemas.microsoft.com/office/powerpoint/2015/main" val="1"/>
+              </p:ext>
+            </p:extLst>
+          </p:nvPr>
+        </p:nvSpPr>
+        <p:spPr>
+          <a:xfrm>
+            <a:off x="7573754" y="0"/>
+            <a:ext cx="4618246" cy="6858000"/>
+          </a:xfrm>
+          <a:prstGeom prst="rect">
+            <a:avLst/>
+          </a:prstGeom>
+          <a:solidFill>
+            <a:schemeClr val="bg1">
+              <a:alpha val="75000"/>
+            </a:schemeClr>
+          </a:solidFill>
+          <a:ln>
+            <a:noFill/>
+          </a:ln>
+        </p:spPr>
+        <p:style>
+          <a:lnRef idx="2">
+            <a:schemeClr val="accent1">
+              <a:shade val="50000"/>
+            </a:schemeClr>
+          </a:lnRef>
+          <a:fillRef idx="1">
+            <a:schemeClr val="accent1"/>
+          </a:fillRef>
+          <a:effectRef idx="0">
+            <a:schemeClr val="accent1"/>
+          </a:effectRef>
+          <a:fontRef idx="minor">
+            <a:schemeClr val="lt1"/>
+          </a:fontRef>
+        </p:style>
+        <p:txBody>
+          <a:bodyPr rtlCol="0" anchor="ctr"/>
+          <a:lstStyle/>
+          <a:p>
+            <a:pPr algn="ctr"/>
+            <a:endParaRPr lang="en-US"/>
+          </a:p>
+        </p:txBody>
+      </p:sp>
+      <p:sp>
+        <p:nvSpPr>
+          <p:cNvPr id="180" name="Freeform 57">
+            <a:extLst>
+              <a:ext uri="{FF2B5EF4-FFF2-40B4-BE49-F238E27FC236}">
+                <a16:creationId xmlns:a16="http://schemas.microsoft.com/office/drawing/2014/main" id="{57AEB73D-F521-4B19-820F-12DB6BCC8406}"/>
+              </a:ext>
+              <a:ext uri="{C183D7F6-B498-43B3-948B-1728B52AA6E4}">
+                <adec:decorative xmlns:adec="http://schemas.microsoft.com/office/drawing/2017/decorative" val="1"/>
+              </a:ext>
+            </a:extLst>
+          </p:cNvPr>
+          <p:cNvSpPr>
+            <a:spLocks noGrp="1" noRot="1" noChangeAspect="1" noMove="1" noResize="1" noEditPoints="1" noAdjustHandles="1" noChangeArrowheads="1" noChangeShapeType="1" noTextEdit="1"/>
+          </p:cNvSpPr>
+          <p:nvPr>
+            <p:extLst>
+              <p:ext uri="{386F3935-93C4-4BCD-93E2-E3B085C9AB24}">
+                <p16:designElem xmlns:p16="http://schemas.microsoft.com/office/powerpoint/2015/main" val="1"/>
+              </p:ext>
+            </p:extLst>
+          </p:nvPr>
+        </p:nvSpPr>
+        <p:spPr bwMode="auto">
+          <a:xfrm>
+            <a:off x="4456113" y="31750"/>
+            <a:ext cx="0" cy="1588"/>
+          </a:xfrm>
+          <a:custGeom>
+            <a:avLst/>
+            <a:gdLst/>
+            <a:ahLst/>
+            <a:cxnLst/>
+            <a:rect l="0" t="0" r="r" b="b"/>
+            <a:pathLst>
+              <a:path w="2" h="2">
+                <a:moveTo>
+                  <a:pt x="0" y="0"/>
+                </a:moveTo>
+                <a:lnTo>
+                  <a:pt x="2" y="0"/>
+                </a:lnTo>
+                <a:lnTo>
+                  <a:pt x="0" y="2"/>
+                </a:lnTo>
+                <a:lnTo>
+                  <a:pt x="0" y="0"/>
+                </a:lnTo>
+                <a:close/>
+              </a:path>
+            </a:pathLst>
+          </a:custGeom>
+          <a:solidFill>
+            <a:srgbClr val="30466D"/>
+          </a:solidFill>
+          <a:ln w="0">
+            <a:solidFill>
+              <a:srgbClr val="30466D"/>
+            </a:solidFill>
+            <a:prstDash val="solid"/>
+            <a:round/>
+            <a:headEnd/>
+            <a:tailEnd/>
+          </a:ln>
+        </p:spPr>
+      </p:sp>
+      <p:sp>
+        <p:nvSpPr>
+          <p:cNvPr id="182" name="Rectangle 181">
+            <a:extLst>
+              <a:ext uri="{FF2B5EF4-FFF2-40B4-BE49-F238E27FC236}">
+                <a16:creationId xmlns:a16="http://schemas.microsoft.com/office/drawing/2014/main" id="{6B72EEBA-3A5D-41CE-8465-A45A0F65674E}"/>
+              </a:ext>
+              <a:ext uri="{C183D7F6-B498-43B3-948B-1728B52AA6E4}">
+                <adec:decorative xmlns:adec="http://schemas.microsoft.com/office/drawing/2017/decorative" val="1"/>
+              </a:ext>
+            </a:extLst>
+          </p:cNvPr>
+          <p:cNvSpPr>
+            <a:spLocks noGrp="1" noRot="1" noChangeAspect="1" noMove="1" noResize="1" noEditPoints="1" noAdjustHandles="1" noChangeArrowheads="1" noChangeShapeType="1" noTextEdit="1"/>
+          </p:cNvSpPr>
+          <p:nvPr>
+            <p:extLst>
+              <p:ext uri="{386F3935-93C4-4BCD-93E2-E3B085C9AB24}">
+                <p16:designElem xmlns:p16="http://schemas.microsoft.com/office/powerpoint/2015/main" val="1"/>
+              </p:ext>
+            </p:extLst>
+          </p:nvPr>
+        </p:nvSpPr>
+        <p:spPr>
+          <a:xfrm rot="5400000">
+            <a:off x="4101215" y="3396997"/>
+            <a:ext cx="6858002" cy="64008"/>
+          </a:xfrm>
+          <a:prstGeom prst="rect">
+            <a:avLst/>
+          </a:prstGeom>
+          <a:solidFill>
+            <a:schemeClr val="tx2"/>
+          </a:solidFill>
+          <a:ln>
+            <a:noFill/>
+          </a:ln>
+        </p:spPr>
+        <p:style>
+          <a:lnRef idx="2">
+            <a:schemeClr val="accent1">
+              <a:shade val="50000"/>
+            </a:schemeClr>
+          </a:lnRef>
+          <a:fillRef idx="1">
+            <a:schemeClr val="accent1"/>
+          </a:fillRef>
+          <a:effectRef idx="0">
+            <a:schemeClr val="accent1"/>
+          </a:effectRef>
+          <a:fontRef idx="minor">
+            <a:schemeClr val="lt1"/>
+          </a:fontRef>
+        </p:style>
+        <p:txBody>
+          <a:bodyPr rtlCol="0" anchor="ctr"/>
+          <a:lstStyle/>
+          <a:p>
+            <a:pPr algn="ctr"/>
+            <a:endParaRPr lang="en-US"/>
+          </a:p>
+        </p:txBody>
+      </p:sp>
+      <p:sp useBgFill="1">
+        <p:nvSpPr>
+          <p:cNvPr id="184" name="Rectangle 183">
+            <a:extLst>
+              <a:ext uri="{FF2B5EF4-FFF2-40B4-BE49-F238E27FC236}">
+                <a16:creationId xmlns:a16="http://schemas.microsoft.com/office/drawing/2014/main" id="{EA164D6B-6878-4B9F-A2D0-985D39B17B46}"/>
+              </a:ext>
+              <a:ext uri="{C183D7F6-B498-43B3-948B-1728B52AA6E4}">
+                <adec:decorative xmlns:adec="http://schemas.microsoft.com/office/drawing/2017/decorative" val="1"/>
+              </a:ext>
+            </a:extLst>
+          </p:cNvPr>
+          <p:cNvSpPr>
+            <a:spLocks noGrp="1" noRot="1" noChangeAspect="1" noMove="1" noResize="1" noEditPoints="1" noAdjustHandles="1" noChangeArrowheads="1" noChangeShapeType="1" noTextEdit="1"/>
+          </p:cNvSpPr>
+          <p:nvPr>
+            <p:extLst>
+              <p:ext uri="{386F3935-93C4-4BCD-93E2-E3B085C9AB24}">
+                <p16:designElem xmlns:p16="http://schemas.microsoft.com/office/powerpoint/2015/main" val="1"/>
+              </p:ext>
+            </p:extLst>
+          </p:nvPr>
+        </p:nvSpPr>
+        <p:spPr>
+          <a:xfrm>
+            <a:off x="0" y="0"/>
+            <a:ext cx="12192001" cy="6858000"/>
+          </a:xfrm>
+          <a:prstGeom prst="rect">
+            <a:avLst/>
+          </a:prstGeom>
+          <a:ln>
+            <a:noFill/>
+          </a:ln>
+        </p:spPr>
+        <p:style>
+          <a:lnRef idx="2">
+            <a:schemeClr val="accent1">
+              <a:shade val="50000"/>
+            </a:schemeClr>
+          </a:lnRef>
+          <a:fillRef idx="1">
+            <a:schemeClr val="accent1"/>
+          </a:fillRef>
+          <a:effectRef idx="0">
+            <a:schemeClr val="accent1"/>
+          </a:effectRef>
+          <a:fontRef idx="minor">
+            <a:schemeClr val="lt1"/>
+          </a:fontRef>
+        </p:style>
+        <p:txBody>
+          <a:bodyPr rtlCol="0" anchor="ctr"/>
+          <a:lstStyle/>
+          <a:p>
+            <a:pPr algn="ctr"/>
+            <a:endParaRPr lang="en-US" dirty="0"/>
+          </a:p>
+        </p:txBody>
+      </p:sp>
+      <p:sp>
+        <p:nvSpPr>
+          <p:cNvPr id="186" name="Rectangle 185">
+            <a:extLst>
+              <a:ext uri="{FF2B5EF4-FFF2-40B4-BE49-F238E27FC236}">
+                <a16:creationId xmlns:a16="http://schemas.microsoft.com/office/drawing/2014/main" id="{57851D67-7085-40E2-B146-F91433A28E08}"/>
+              </a:ext>
+              <a:ext uri="{C183D7F6-B498-43B3-948B-1728B52AA6E4}">
+                <adec:decorative xmlns:adec="http://schemas.microsoft.com/office/drawing/2017/decorative" val="1"/>
+              </a:ext>
+            </a:extLst>
+          </p:cNvPr>
+          <p:cNvSpPr>
+            <a:spLocks noGrp="1" noRot="1" noChangeAspect="1" noMove="1" noResize="1" noEditPoints="1" noAdjustHandles="1" noChangeArrowheads="1" noChangeShapeType="1" noTextEdit="1"/>
+          </p:cNvSpPr>
+          <p:nvPr>
+            <p:extLst>
+              <p:ext uri="{386F3935-93C4-4BCD-93E2-E3B085C9AB24}">
+                <p16:designElem xmlns:p16="http://schemas.microsoft.com/office/powerpoint/2015/main" val="1"/>
+              </p:ext>
+            </p:extLst>
+          </p:nvPr>
+        </p:nvSpPr>
+        <p:spPr>
+          <a:xfrm>
+            <a:off x="0" y="1031500"/>
+            <a:ext cx="7534656" cy="5112905"/>
+          </a:xfrm>
+          <a:prstGeom prst="rect">
+            <a:avLst/>
+          </a:prstGeom>
+          <a:solidFill>
+            <a:schemeClr val="bg1">
+              <a:alpha val="75000"/>
+            </a:schemeClr>
+          </a:solidFill>
+          <a:ln>
+            <a:noFill/>
+          </a:ln>
+        </p:spPr>
+        <p:style>
+          <a:lnRef idx="2">
+            <a:schemeClr val="accent1">
+              <a:shade val="50000"/>
+            </a:schemeClr>
+          </a:lnRef>
+          <a:fillRef idx="1">
+            <a:schemeClr val="accent1"/>
+          </a:fillRef>
+          <a:effectRef idx="0">
+            <a:schemeClr val="accent1"/>
+          </a:effectRef>
+          <a:fontRef idx="minor">
+            <a:schemeClr val="lt1"/>
+          </a:fontRef>
+        </p:style>
+        <p:txBody>
+          <a:bodyPr rtlCol="0" anchor="ctr"/>
+          <a:lstStyle/>
+          <a:p>
+            <a:pPr algn="ctr"/>
+            <a:endParaRPr lang="en-US"/>
+          </a:p>
+        </p:txBody>
+      </p:sp>
+      <p:sp>
+        <p:nvSpPr>
+          <p:cNvPr id="188" name="Rectangle 187">
+            <a:extLst>
+              <a:ext uri="{FF2B5EF4-FFF2-40B4-BE49-F238E27FC236}">
+                <a16:creationId xmlns:a16="http://schemas.microsoft.com/office/drawing/2014/main" id="{362F176A-9349-4CD7-8042-59C0200C8CE9}"/>
+              </a:ext>
+              <a:ext uri="{C183D7F6-B498-43B3-948B-1728B52AA6E4}">
+                <adec:decorative xmlns:adec="http://schemas.microsoft.com/office/drawing/2017/decorative" val="1"/>
+              </a:ext>
+            </a:extLst>
+          </p:cNvPr>
+          <p:cNvSpPr>
+            <a:spLocks noGrp="1" noRot="1" noChangeAspect="1" noMove="1" noResize="1" noEditPoints="1" noAdjustHandles="1" noChangeArrowheads="1" noChangeShapeType="1" noTextEdit="1"/>
+          </p:cNvSpPr>
+          <p:nvPr>
+            <p:extLst>
+              <p:ext uri="{386F3935-93C4-4BCD-93E2-E3B085C9AB24}">
+                <p16:designElem xmlns:p16="http://schemas.microsoft.com/office/powerpoint/2015/main" val="1"/>
+              </p:ext>
+            </p:extLst>
+          </p:nvPr>
+        </p:nvSpPr>
+        <p:spPr>
+          <a:xfrm>
+            <a:off x="7550904" y="-4078"/>
+            <a:ext cx="4641096" cy="1056542"/>
+          </a:xfrm>
+          <a:prstGeom prst="rect">
+            <a:avLst/>
+          </a:prstGeom>
+          <a:solidFill>
+            <a:schemeClr val="accent1"/>
+          </a:solidFill>
+          <a:ln>
+            <a:noFill/>
+          </a:ln>
+        </p:spPr>
+        <p:style>
+          <a:lnRef idx="2">
+            <a:schemeClr val="accent1">
+              <a:shade val="50000"/>
+            </a:schemeClr>
+          </a:lnRef>
+          <a:fillRef idx="1">
+            <a:schemeClr val="accent1"/>
+          </a:fillRef>
+          <a:effectRef idx="0">
+            <a:schemeClr val="accent1"/>
+          </a:effectRef>
+          <a:fontRef idx="minor">
+            <a:schemeClr val="lt1"/>
+          </a:fontRef>
+        </p:style>
+        <p:txBody>
+          <a:bodyPr rtlCol="0" anchor="ctr"/>
+          <a:lstStyle/>
+          <a:p>
+            <a:pPr algn="ctr"/>
+            <a:endParaRPr lang="en-US"/>
+          </a:p>
+        </p:txBody>
+      </p:sp>
+      <p:sp>
+        <p:nvSpPr>
+          <p:cNvPr id="190" name="Rectangle 189">
+            <a:extLst>
+              <a:ext uri="{FF2B5EF4-FFF2-40B4-BE49-F238E27FC236}">
+                <a16:creationId xmlns:a16="http://schemas.microsoft.com/office/drawing/2014/main" id="{4E9A171F-91A7-42F8-B25C-E38B244E757C}"/>
+              </a:ext>
+              <a:ext uri="{C183D7F6-B498-43B3-948B-1728B52AA6E4}">
+                <adec:decorative xmlns:adec="http://schemas.microsoft.com/office/drawing/2017/decorative" val="1"/>
+              </a:ext>
+            </a:extLst>
+          </p:cNvPr>
+          <p:cNvSpPr>
+            <a:spLocks noGrp="1" noRot="1" noChangeAspect="1" noMove="1" noResize="1" noEditPoints="1" noAdjustHandles="1" noChangeArrowheads="1" noChangeShapeType="1" noTextEdit="1"/>
+          </p:cNvSpPr>
+          <p:nvPr>
+            <p:extLst>
+              <p:ext uri="{386F3935-93C4-4BCD-93E2-E3B085C9AB24}">
+                <p16:designElem xmlns:p16="http://schemas.microsoft.com/office/powerpoint/2015/main" val="1"/>
+              </p:ext>
+            </p:extLst>
+          </p:nvPr>
+        </p:nvSpPr>
+        <p:spPr>
+          <a:xfrm>
+            <a:off x="1525" y="1031500"/>
+            <a:ext cx="12188951" cy="64008"/>
+          </a:xfrm>
+          <a:prstGeom prst="rect">
+            <a:avLst/>
+          </a:prstGeom>
+          <a:solidFill>
+            <a:schemeClr val="tx2"/>
+          </a:solidFill>
+          <a:ln>
+            <a:noFill/>
+          </a:ln>
+        </p:spPr>
+        <p:style>
+          <a:lnRef idx="2">
+            <a:schemeClr val="accent1">
+              <a:shade val="50000"/>
+            </a:schemeClr>
+          </a:lnRef>
+          <a:fillRef idx="1">
+            <a:schemeClr val="accent1"/>
+          </a:fillRef>
+          <a:effectRef idx="0">
+            <a:schemeClr val="accent1"/>
+          </a:effectRef>
+          <a:fontRef idx="minor">
+            <a:schemeClr val="lt1"/>
+          </a:fontRef>
+        </p:style>
+        <p:txBody>
+          <a:bodyPr rtlCol="0" anchor="ctr"/>
+          <a:lstStyle/>
+          <a:p>
+            <a:pPr algn="ctr"/>
+            <a:endParaRPr lang="en-US"/>
+          </a:p>
+        </p:txBody>
+      </p:sp>
+      <p:pic>
+        <p:nvPicPr>
+          <p:cNvPr id="4" name="Picture 3">
+            <a:extLst>
+              <a:ext uri="{FF2B5EF4-FFF2-40B4-BE49-F238E27FC236}">
+                <a16:creationId xmlns:a16="http://schemas.microsoft.com/office/drawing/2014/main" id="{A2220AC8-CC1F-DE77-AD80-70F8FD9F6A55}"/>
+              </a:ext>
+            </a:extLst>
+          </p:cNvPr>
+          <p:cNvPicPr>
+            <a:picLocks noChangeAspect="1"/>
+          </p:cNvPicPr>
+          <p:nvPr/>
+        </p:nvPicPr>
+        <p:blipFill>
+          <a:blip r:embed="rId3"/>
+          <a:stretch>
+            <a:fillRect/>
+          </a:stretch>
+        </p:blipFill>
+        <p:spPr>
+          <a:xfrm>
+            <a:off x="643466" y="2226737"/>
+            <a:ext cx="6224713" cy="2754435"/>
+          </a:xfrm>
+          <a:prstGeom prst="rect">
+            <a:avLst/>
+          </a:prstGeom>
+        </p:spPr>
+      </p:pic>
+      <p:sp>
+        <p:nvSpPr>
+          <p:cNvPr id="192" name="Rectangle 191">
+            <a:extLst>
+              <a:ext uri="{FF2B5EF4-FFF2-40B4-BE49-F238E27FC236}">
+                <a16:creationId xmlns:a16="http://schemas.microsoft.com/office/drawing/2014/main" id="{064738AB-B6BE-4867-889A-52CE4AC8DBD0}"/>
+              </a:ext>
+              <a:ext uri="{C183D7F6-B498-43B3-948B-1728B52AA6E4}">
+                <adec:decorative xmlns:adec="http://schemas.microsoft.com/office/drawing/2017/decorative" val="1"/>
+              </a:ext>
+            </a:extLst>
+          </p:cNvPr>
+          <p:cNvSpPr>
+            <a:spLocks noGrp="1" noRot="1" noChangeAspect="1" noMove="1" noResize="1" noEditPoints="1" noAdjustHandles="1" noChangeArrowheads="1" noChangeShapeType="1" noTextEdit="1"/>
+          </p:cNvSpPr>
+          <p:nvPr>
+            <p:extLst>
+              <p:ext uri="{386F3935-93C4-4BCD-93E2-E3B085C9AB24}">
+                <p16:designElem xmlns:p16="http://schemas.microsoft.com/office/powerpoint/2015/main" val="1"/>
+              </p:ext>
+            </p:extLst>
+          </p:nvPr>
+        </p:nvSpPr>
+        <p:spPr>
+          <a:xfrm>
+            <a:off x="7585467" y="1095508"/>
+            <a:ext cx="4606533" cy="5016893"/>
+          </a:xfrm>
+          <a:prstGeom prst="rect">
+            <a:avLst/>
+          </a:prstGeom>
+          <a:solidFill>
+            <a:schemeClr val="tx2"/>
+          </a:solidFill>
+          <a:ln>
+            <a:noFill/>
+          </a:ln>
+        </p:spPr>
+        <p:style>
+          <a:lnRef idx="2">
+            <a:schemeClr val="accent1">
+              <a:shade val="50000"/>
+            </a:schemeClr>
+          </a:lnRef>
+          <a:fillRef idx="1">
+            <a:schemeClr val="accent1"/>
+          </a:fillRef>
+          <a:effectRef idx="0">
+            <a:schemeClr val="accent1"/>
+          </a:effectRef>
+          <a:fontRef idx="minor">
+            <a:schemeClr val="lt1"/>
+          </a:fontRef>
+        </p:style>
+        <p:txBody>
+          <a:bodyPr rtlCol="0" anchor="ctr"/>
+          <a:lstStyle/>
+          <a:p>
+            <a:pPr algn="ctr"/>
+            <a:endParaRPr lang="en-US"/>
+          </a:p>
+        </p:txBody>
+      </p:sp>
+      <p:sp>
+        <p:nvSpPr>
           <p:cNvPr id="2" name="Title 1">
             <a:extLst>
               <a:ext uri="{FF2B5EF4-FFF2-40B4-BE49-F238E27FC236}">
-                <a16:creationId xmlns:a16="http://schemas.microsoft.com/office/drawing/2014/main" id="{8FF7B21D-ED04-AEE8-2637-625CF9F32B0E}"/>
+                <a16:creationId xmlns:a16="http://schemas.microsoft.com/office/drawing/2014/main" id="{1E667144-1EA0-6DA5-17BA-8248DFEDF647}"/>
               </a:ext>
             </a:extLst>
           </p:cNvPr>
@@ -14602,74 +17648,164 @@
             <p:ph type="title"/>
           </p:nvPr>
         </p:nvSpPr>
-        <p:spPr/>
-        <p:txBody>
-          <a:bodyPr/>
-          <a:lstStyle/>
-          <a:p>
+        <p:spPr>
+          <a:xfrm>
+            <a:off x="7973503" y="1709530"/>
+            <a:ext cx="3754671" cy="2528515"/>
+          </a:xfrm>
+        </p:spPr>
+        <p:txBody>
+          <a:bodyPr vert="horz" lIns="109728" tIns="109728" rIns="109728" bIns="91440" rtlCol="0" anchor="b">
+            <a:normAutofit/>
+          </a:bodyPr>
+          <a:lstStyle/>
+          <a:p>
+            <a:pPr>
+              <a:lnSpc>
+                <a:spcPct val="125000"/>
+              </a:lnSpc>
+            </a:pPr>
             <a:r>
-              <a:rPr lang="en-GB" dirty="0"/>
-              <a:t>Research</a:t>
+              <a:rPr lang="en-US" b="0" cap="all" dirty="0">
+                <a:solidFill>
+                  <a:schemeClr val="bg1"/>
+                </a:solidFill>
+              </a:rPr>
+              <a:t>Evernote</a:t>
             </a:r>
           </a:p>
         </p:txBody>
       </p:sp>
       <p:sp>
         <p:nvSpPr>
-          <p:cNvPr id="3" name="Content Placeholder 2">
+          <p:cNvPr id="194" name="Rectangle 193">
             <a:extLst>
               <a:ext uri="{FF2B5EF4-FFF2-40B4-BE49-F238E27FC236}">
-                <a16:creationId xmlns:a16="http://schemas.microsoft.com/office/drawing/2014/main" id="{136AFE69-AA61-C0E8-AF50-B3C49D87F39E}"/>
+                <a16:creationId xmlns:a16="http://schemas.microsoft.com/office/drawing/2014/main" id="{9C969C2C-E7E3-4052-87D4-61E733EC1BBD}"/>
+              </a:ext>
+              <a:ext uri="{C183D7F6-B498-43B3-948B-1728B52AA6E4}">
+                <adec:decorative xmlns:adec="http://schemas.microsoft.com/office/drawing/2017/decorative" val="1"/>
               </a:ext>
             </a:extLst>
           </p:cNvPr>
           <p:cNvSpPr>
-            <a:spLocks noGrp="1"/>
-          </p:cNvSpPr>
-          <p:nvPr>
-            <p:ph idx="1"/>
-          </p:nvPr>
-        </p:nvSpPr>
-        <p:spPr/>
-        <p:txBody>
-          <a:bodyPr/>
-          <a:lstStyle/>
-          <a:p>
-            <a:pPr marL="285750" indent="-285750">
-              <a:buFont typeface="Arial" panose="020B0604020202020204" pitchFamily="34" charset="0"/>
-              <a:buChar char="•"/>
-            </a:pPr>
-            <a:r>
-              <a:rPr lang="en-GB" dirty="0"/>
-              <a:t>Interviews</a:t>
-            </a:r>
-          </a:p>
-          <a:p>
-            <a:pPr marL="285750" indent="-285750">
-              <a:buFont typeface="Arial" panose="020B0604020202020204" pitchFamily="34" charset="0"/>
-              <a:buChar char="•"/>
-            </a:pPr>
-            <a:r>
-              <a:rPr lang="en-GB" dirty="0"/>
-              <a:t>Viewing Similar Applications</a:t>
-            </a:r>
-          </a:p>
-          <a:p>
-            <a:pPr marL="285750" indent="-285750">
-              <a:buFont typeface="Arial" panose="020B0604020202020204" pitchFamily="34" charset="0"/>
-              <a:buChar char="•"/>
-            </a:pPr>
-            <a:r>
-              <a:rPr lang="en-GB" dirty="0"/>
-              <a:t>Survey</a:t>
-            </a:r>
+            <a:spLocks noGrp="1" noRot="1" noChangeAspect="1" noMove="1" noResize="1" noEditPoints="1" noAdjustHandles="1" noChangeArrowheads="1" noChangeShapeType="1" noTextEdit="1"/>
+          </p:cNvSpPr>
+          <p:nvPr>
+            <p:extLst>
+              <p:ext uri="{386F3935-93C4-4BCD-93E2-E3B085C9AB24}">
+                <p16:designElem xmlns:p16="http://schemas.microsoft.com/office/powerpoint/2015/main" val="1"/>
+              </p:ext>
+            </p:extLst>
+          </p:nvPr>
+        </p:nvSpPr>
+        <p:spPr>
+          <a:xfrm>
+            <a:off x="1525" y="6112401"/>
+            <a:ext cx="12188951" cy="64008"/>
+          </a:xfrm>
+          <a:prstGeom prst="rect">
+            <a:avLst/>
+          </a:prstGeom>
+          <a:solidFill>
+            <a:schemeClr val="tx2"/>
+          </a:solidFill>
+          <a:ln>
+            <a:noFill/>
+          </a:ln>
+        </p:spPr>
+        <p:style>
+          <a:lnRef idx="2">
+            <a:schemeClr val="accent1">
+              <a:shade val="50000"/>
+            </a:schemeClr>
+          </a:lnRef>
+          <a:fillRef idx="1">
+            <a:schemeClr val="accent1"/>
+          </a:fillRef>
+          <a:effectRef idx="0">
+            <a:schemeClr val="accent1"/>
+          </a:effectRef>
+          <a:fontRef idx="minor">
+            <a:schemeClr val="lt1"/>
+          </a:fontRef>
+        </p:style>
+        <p:txBody>
+          <a:bodyPr rtlCol="0" anchor="ctr"/>
+          <a:lstStyle/>
+          <a:p>
+            <a:pPr algn="ctr"/>
+            <a:endParaRPr lang="en-US"/>
+          </a:p>
+        </p:txBody>
+      </p:sp>
+      <p:sp>
+        <p:nvSpPr>
+          <p:cNvPr id="196" name="Rectangle 195">
+            <a:extLst>
+              <a:ext uri="{FF2B5EF4-FFF2-40B4-BE49-F238E27FC236}">
+                <a16:creationId xmlns:a16="http://schemas.microsoft.com/office/drawing/2014/main" id="{7C60369F-A41B-4D6E-8990-30E2715C5730}"/>
+              </a:ext>
+              <a:ext uri="{C183D7F6-B498-43B3-948B-1728B52AA6E4}">
+                <adec:decorative xmlns:adec="http://schemas.microsoft.com/office/drawing/2017/decorative" val="1"/>
+              </a:ext>
+            </a:extLst>
+          </p:cNvPr>
+          <p:cNvSpPr>
+            <a:spLocks noGrp="1" noRot="1" noChangeAspect="1" noMove="1" noResize="1" noEditPoints="1" noAdjustHandles="1" noChangeArrowheads="1" noChangeShapeType="1" noTextEdit="1"/>
+          </p:cNvSpPr>
+          <p:nvPr>
+            <p:extLst>
+              <p:ext uri="{386F3935-93C4-4BCD-93E2-E3B085C9AB24}">
+                <p16:designElem xmlns:p16="http://schemas.microsoft.com/office/powerpoint/2015/main" val="1"/>
+              </p:ext>
+            </p:extLst>
+          </p:nvPr>
+        </p:nvSpPr>
+        <p:spPr>
+          <a:xfrm>
+            <a:off x="7521459" y="0"/>
+            <a:ext cx="64008" cy="6858000"/>
+          </a:xfrm>
+          <a:prstGeom prst="rect">
+            <a:avLst/>
+          </a:prstGeom>
+          <a:solidFill>
+            <a:schemeClr val="tx2"/>
+          </a:solidFill>
+          <a:ln>
+            <a:noFill/>
+          </a:ln>
+        </p:spPr>
+        <p:style>
+          <a:lnRef idx="2">
+            <a:schemeClr val="accent1">
+              <a:shade val="50000"/>
+            </a:schemeClr>
+          </a:lnRef>
+          <a:fillRef idx="1">
+            <a:schemeClr val="accent1"/>
+          </a:fillRef>
+          <a:effectRef idx="0">
+            <a:schemeClr val="accent1"/>
+          </a:effectRef>
+          <a:fontRef idx="minor">
+            <a:schemeClr val="lt1"/>
+          </a:fontRef>
+        </p:style>
+        <p:txBody>
+          <a:bodyPr rtlCol="0" anchor="ctr"/>
+          <a:lstStyle/>
+          <a:p>
+            <a:pPr algn="ctr"/>
+            <a:endParaRPr lang="en-US"/>
           </a:p>
         </p:txBody>
       </p:sp>
     </p:spTree>
     <p:extLst>
       <p:ext uri="{BB962C8B-B14F-4D97-AF65-F5344CB8AC3E}">
-        <p14:creationId xmlns:p14="http://schemas.microsoft.com/office/powerpoint/2010/main" val="2997908188"/>
+        <p14:creationId xmlns:p14="http://schemas.microsoft.com/office/powerpoint/2010/main" val="1761295539"/>
       </p:ext>
     </p:extLst>
   </p:cSld>
@@ -14704,12 +17840,12 @@
           <a:chExt cx="0" cy="0"/>
         </a:xfrm>
       </p:grpSpPr>
-      <p:sp useBgFill="1">
-        <p:nvSpPr>
-          <p:cNvPr id="25" name="Rectangle 7">
+      <p:sp>
+        <p:nvSpPr>
+          <p:cNvPr id="197" name="Rectangle 177">
             <a:extLst>
               <a:ext uri="{FF2B5EF4-FFF2-40B4-BE49-F238E27FC236}">
-                <a16:creationId xmlns:a16="http://schemas.microsoft.com/office/drawing/2014/main" id="{DA4E7B50-D68C-43EB-930F-EA442A13A9B2}"/>
+                <a16:creationId xmlns:a16="http://schemas.microsoft.com/office/drawing/2014/main" id="{1ED69555-EE48-4B19-812B-4E1068DBF976}"/>
               </a:ext>
               <a:ext uri="{C183D7F6-B498-43B3-948B-1728B52AA6E4}">
                 <adec:decorative xmlns:adec="http://schemas.microsoft.com/office/drawing/2017/decorative" val="1"/>
@@ -14729,68 +17865,8 @@
         </p:nvSpPr>
         <p:spPr>
           <a:xfrm>
-            <a:off x="0" y="0"/>
-            <a:ext cx="12192001" cy="6858000"/>
-          </a:xfrm>
-          <a:prstGeom prst="rect">
-            <a:avLst/>
-          </a:prstGeom>
-          <a:ln>
-            <a:noFill/>
-          </a:ln>
-        </p:spPr>
-        <p:style>
-          <a:lnRef idx="2">
-            <a:schemeClr val="accent1">
-              <a:shade val="50000"/>
-            </a:schemeClr>
-          </a:lnRef>
-          <a:fillRef idx="1">
-            <a:schemeClr val="accent1"/>
-          </a:fillRef>
-          <a:effectRef idx="0">
-            <a:schemeClr val="accent1"/>
-          </a:effectRef>
-          <a:fontRef idx="minor">
-            <a:schemeClr val="lt1"/>
-          </a:fontRef>
-        </p:style>
-        <p:txBody>
-          <a:bodyPr rtlCol="0" anchor="ctr"/>
-          <a:lstStyle/>
-          <a:p>
-            <a:pPr algn="ctr"/>
-            <a:endParaRPr lang="en-US" dirty="0"/>
-          </a:p>
-        </p:txBody>
-      </p:sp>
-      <p:sp>
-        <p:nvSpPr>
-          <p:cNvPr id="26" name="Rectangle 9">
-            <a:extLst>
-              <a:ext uri="{FF2B5EF4-FFF2-40B4-BE49-F238E27FC236}">
-                <a16:creationId xmlns:a16="http://schemas.microsoft.com/office/drawing/2014/main" id="{3611DA2B-4CF7-4A57-82AC-FA120DE44DB9}"/>
-              </a:ext>
-              <a:ext uri="{C183D7F6-B498-43B3-948B-1728B52AA6E4}">
-                <adec:decorative xmlns:adec="http://schemas.microsoft.com/office/drawing/2017/decorative" val="1"/>
-              </a:ext>
-            </a:extLst>
-          </p:cNvPr>
-          <p:cNvSpPr>
-            <a:spLocks noGrp="1" noRot="1" noChangeAspect="1" noMove="1" noResize="1" noEditPoints="1" noAdjustHandles="1" noChangeArrowheads="1" noChangeShapeType="1" noTextEdit="1"/>
-          </p:cNvSpPr>
-          <p:nvPr>
-            <p:extLst>
-              <p:ext uri="{386F3935-93C4-4BCD-93E2-E3B085C9AB24}">
-                <p16:designElem xmlns:p16="http://schemas.microsoft.com/office/powerpoint/2015/main" val="1"/>
-              </p:ext>
-            </p:extLst>
-          </p:nvPr>
-        </p:nvSpPr>
-        <p:spPr>
-          <a:xfrm>
-            <a:off x="3048" y="1037230"/>
-            <a:ext cx="9158373" cy="5075171"/>
+            <a:off x="7573754" y="0"/>
+            <a:ext cx="4618246" cy="6858000"/>
           </a:xfrm>
           <a:prstGeom prst="rect">
             <a:avLst/>
@@ -14831,45 +17907,10 @@
       </p:sp>
       <p:sp>
         <p:nvSpPr>
-          <p:cNvPr id="2" name="Title 1">
+          <p:cNvPr id="198" name="Freeform 57">
             <a:extLst>
               <a:ext uri="{FF2B5EF4-FFF2-40B4-BE49-F238E27FC236}">
-                <a16:creationId xmlns:a16="http://schemas.microsoft.com/office/drawing/2014/main" id="{915DF631-353A-6F55-94EC-BDF5E4CE6F5D}"/>
-              </a:ext>
-            </a:extLst>
-          </p:cNvPr>
-          <p:cNvSpPr>
-            <a:spLocks noGrp="1"/>
-          </p:cNvSpPr>
-          <p:nvPr>
-            <p:ph type="title"/>
-          </p:nvPr>
-        </p:nvSpPr>
-        <p:spPr>
-          <a:xfrm>
-            <a:off x="642918" y="1475399"/>
-            <a:ext cx="7610536" cy="1140580"/>
-          </a:xfrm>
-        </p:spPr>
-        <p:txBody>
-          <a:bodyPr>
-            <a:normAutofit/>
-          </a:bodyPr>
-          <a:lstStyle/>
-          <a:p>
-            <a:r>
-              <a:rPr lang="en-GB" dirty="0"/>
-              <a:t>Technologies</a:t>
-            </a:r>
-          </a:p>
-        </p:txBody>
-      </p:sp>
-      <p:sp>
-        <p:nvSpPr>
-          <p:cNvPr id="27" name="Rectangle 11">
-            <a:extLst>
-              <a:ext uri="{FF2B5EF4-FFF2-40B4-BE49-F238E27FC236}">
-                <a16:creationId xmlns:a16="http://schemas.microsoft.com/office/drawing/2014/main" id="{02822754-E01B-4742-88B9-BE0984BAFE58}"/>
+                <a16:creationId xmlns:a16="http://schemas.microsoft.com/office/drawing/2014/main" id="{57AEB73D-F521-4B19-820F-12DB6BCC8406}"/>
               </a:ext>
               <a:ext uri="{C183D7F6-B498-43B3-948B-1728B52AA6E4}">
                 <adec:decorative xmlns:adec="http://schemas.microsoft.com/office/drawing/2017/decorative" val="1"/>
@@ -14887,10 +17928,76 @@
             </p:extLst>
           </p:nvPr>
         </p:nvSpPr>
-        <p:spPr>
+        <p:spPr bwMode="auto">
           <a:xfrm>
-            <a:off x="9164471" y="-4078"/>
-            <a:ext cx="3027529" cy="1056542"/>
+            <a:off x="4456113" y="31750"/>
+            <a:ext cx="0" cy="1588"/>
+          </a:xfrm>
+          <a:custGeom>
+            <a:avLst/>
+            <a:gdLst/>
+            <a:ahLst/>
+            <a:cxnLst/>
+            <a:rect l="0" t="0" r="r" b="b"/>
+            <a:pathLst>
+              <a:path w="2" h="2">
+                <a:moveTo>
+                  <a:pt x="0" y="0"/>
+                </a:moveTo>
+                <a:lnTo>
+                  <a:pt x="2" y="0"/>
+                </a:lnTo>
+                <a:lnTo>
+                  <a:pt x="0" y="2"/>
+                </a:lnTo>
+                <a:lnTo>
+                  <a:pt x="0" y="0"/>
+                </a:lnTo>
+                <a:close/>
+              </a:path>
+            </a:pathLst>
+          </a:custGeom>
+          <a:solidFill>
+            <a:srgbClr val="30466D"/>
+          </a:solidFill>
+          <a:ln w="0">
+            <a:solidFill>
+              <a:srgbClr val="30466D"/>
+            </a:solidFill>
+            <a:prstDash val="solid"/>
+            <a:round/>
+            <a:headEnd/>
+            <a:tailEnd/>
+          </a:ln>
+        </p:spPr>
+      </p:sp>
+      <p:sp>
+        <p:nvSpPr>
+          <p:cNvPr id="199" name="Rectangle 181">
+            <a:extLst>
+              <a:ext uri="{FF2B5EF4-FFF2-40B4-BE49-F238E27FC236}">
+                <a16:creationId xmlns:a16="http://schemas.microsoft.com/office/drawing/2014/main" id="{6B72EEBA-3A5D-41CE-8465-A45A0F65674E}"/>
+              </a:ext>
+              <a:ext uri="{C183D7F6-B498-43B3-948B-1728B52AA6E4}">
+                <adec:decorative xmlns:adec="http://schemas.microsoft.com/office/drawing/2017/decorative" val="1"/>
+              </a:ext>
+            </a:extLst>
+          </p:cNvPr>
+          <p:cNvSpPr>
+            <a:spLocks noGrp="1" noRot="1" noChangeAspect="1" noMove="1" noResize="1" noEditPoints="1" noAdjustHandles="1" noChangeArrowheads="1" noChangeShapeType="1" noTextEdit="1"/>
+          </p:cNvSpPr>
+          <p:nvPr>
+            <p:extLst>
+              <p:ext uri="{386F3935-93C4-4BCD-93E2-E3B085C9AB24}">
+                <p16:designElem xmlns:p16="http://schemas.microsoft.com/office/powerpoint/2015/main" val="1"/>
+              </p:ext>
+            </p:extLst>
+          </p:nvPr>
+        </p:nvSpPr>
+        <p:spPr>
+          <a:xfrm rot="5400000">
+            <a:off x="4101215" y="3396997"/>
+            <a:ext cx="6858002" cy="64008"/>
           </a:xfrm>
           <a:prstGeom prst="rect">
             <a:avLst/>
@@ -14927,12 +18034,12 @@
           </a:p>
         </p:txBody>
       </p:sp>
-      <p:sp>
-        <p:nvSpPr>
-          <p:cNvPr id="28" name="Rectangle 13">
+      <p:sp useBgFill="1">
+        <p:nvSpPr>
+          <p:cNvPr id="200" name="Rectangle 183">
             <a:extLst>
               <a:ext uri="{FF2B5EF4-FFF2-40B4-BE49-F238E27FC236}">
-                <a16:creationId xmlns:a16="http://schemas.microsoft.com/office/drawing/2014/main" id="{65304E59-B4DC-4CA3-89F1-5C88000EB708}"/>
+                <a16:creationId xmlns:a16="http://schemas.microsoft.com/office/drawing/2014/main" id="{EA164D6B-6878-4B9F-A2D0-985D39B17B46}"/>
               </a:ext>
               <a:ext uri="{C183D7F6-B498-43B3-948B-1728B52AA6E4}">
                 <adec:decorative xmlns:adec="http://schemas.microsoft.com/office/drawing/2017/decorative" val="1"/>
@@ -14952,8 +18059,68 @@
         </p:nvSpPr>
         <p:spPr>
           <a:xfrm>
-            <a:off x="9161420" y="6167615"/>
-            <a:ext cx="3027529" cy="690385"/>
+            <a:off x="0" y="0"/>
+            <a:ext cx="12192001" cy="6858000"/>
+          </a:xfrm>
+          <a:prstGeom prst="rect">
+            <a:avLst/>
+          </a:prstGeom>
+          <a:ln>
+            <a:noFill/>
+          </a:ln>
+        </p:spPr>
+        <p:style>
+          <a:lnRef idx="2">
+            <a:schemeClr val="accent1">
+              <a:shade val="50000"/>
+            </a:schemeClr>
+          </a:lnRef>
+          <a:fillRef idx="1">
+            <a:schemeClr val="accent1"/>
+          </a:fillRef>
+          <a:effectRef idx="0">
+            <a:schemeClr val="accent1"/>
+          </a:effectRef>
+          <a:fontRef idx="minor">
+            <a:schemeClr val="lt1"/>
+          </a:fontRef>
+        </p:style>
+        <p:txBody>
+          <a:bodyPr rtlCol="0" anchor="ctr"/>
+          <a:lstStyle/>
+          <a:p>
+            <a:pPr algn="ctr"/>
+            <a:endParaRPr lang="en-US" dirty="0"/>
+          </a:p>
+        </p:txBody>
+      </p:sp>
+      <p:sp>
+        <p:nvSpPr>
+          <p:cNvPr id="201" name="Rectangle 185">
+            <a:extLst>
+              <a:ext uri="{FF2B5EF4-FFF2-40B4-BE49-F238E27FC236}">
+                <a16:creationId xmlns:a16="http://schemas.microsoft.com/office/drawing/2014/main" id="{57851D67-7085-40E2-B146-F91433A28E08}"/>
+              </a:ext>
+              <a:ext uri="{C183D7F6-B498-43B3-948B-1728B52AA6E4}">
+                <adec:decorative xmlns:adec="http://schemas.microsoft.com/office/drawing/2017/decorative" val="1"/>
+              </a:ext>
+            </a:extLst>
+          </p:cNvPr>
+          <p:cNvSpPr>
+            <a:spLocks noGrp="1" noRot="1" noChangeAspect="1" noMove="1" noResize="1" noEditPoints="1" noAdjustHandles="1" noChangeArrowheads="1" noChangeShapeType="1" noTextEdit="1"/>
+          </p:cNvSpPr>
+          <p:nvPr>
+            <p:extLst>
+              <p:ext uri="{386F3935-93C4-4BCD-93E2-E3B085C9AB24}">
+                <p16:designElem xmlns:p16="http://schemas.microsoft.com/office/powerpoint/2015/main" val="1"/>
+              </p:ext>
+            </p:extLst>
+          </p:nvPr>
+        </p:nvSpPr>
+        <p:spPr>
+          <a:xfrm>
+            <a:off x="0" y="1031500"/>
+            <a:ext cx="7534656" cy="5112905"/>
           </a:xfrm>
           <a:prstGeom prst="rect">
             <a:avLst/>
@@ -14994,10 +18161,10 @@
       </p:sp>
       <p:sp>
         <p:nvSpPr>
-          <p:cNvPr id="29" name="Rectangle 15">
+          <p:cNvPr id="202" name="Rectangle 187">
             <a:extLst>
               <a:ext uri="{FF2B5EF4-FFF2-40B4-BE49-F238E27FC236}">
-                <a16:creationId xmlns:a16="http://schemas.microsoft.com/office/drawing/2014/main" id="{C1CF7BFC-0A02-4106-88A8-CCC0D944451E}"/>
+                <a16:creationId xmlns:a16="http://schemas.microsoft.com/office/drawing/2014/main" id="{362F176A-9349-4CD7-8042-59C0200C8CE9}"/>
               </a:ext>
               <a:ext uri="{C183D7F6-B498-43B3-948B-1728B52AA6E4}">
                 <adec:decorative xmlns:adec="http://schemas.microsoft.com/office/drawing/2017/decorative" val="1"/>
@@ -15017,8 +18184,71 @@
         </p:nvSpPr>
         <p:spPr>
           <a:xfrm>
-            <a:off x="0" y="6144405"/>
-            <a:ext cx="9201530" cy="734559"/>
+            <a:off x="7550904" y="-4078"/>
+            <a:ext cx="4641096" cy="1056542"/>
+          </a:xfrm>
+          <a:prstGeom prst="rect">
+            <a:avLst/>
+          </a:prstGeom>
+          <a:solidFill>
+            <a:schemeClr val="accent1"/>
+          </a:solidFill>
+          <a:ln>
+            <a:noFill/>
+          </a:ln>
+        </p:spPr>
+        <p:style>
+          <a:lnRef idx="2">
+            <a:schemeClr val="accent1">
+              <a:shade val="50000"/>
+            </a:schemeClr>
+          </a:lnRef>
+          <a:fillRef idx="1">
+            <a:schemeClr val="accent1"/>
+          </a:fillRef>
+          <a:effectRef idx="0">
+            <a:schemeClr val="accent1"/>
+          </a:effectRef>
+          <a:fontRef idx="minor">
+            <a:schemeClr val="lt1"/>
+          </a:fontRef>
+        </p:style>
+        <p:txBody>
+          <a:bodyPr rtlCol="0" anchor="ctr"/>
+          <a:lstStyle/>
+          <a:p>
+            <a:pPr algn="ctr"/>
+            <a:endParaRPr lang="en-US"/>
+          </a:p>
+        </p:txBody>
+      </p:sp>
+      <p:sp>
+        <p:nvSpPr>
+          <p:cNvPr id="203" name="Rectangle 189">
+            <a:extLst>
+              <a:ext uri="{FF2B5EF4-FFF2-40B4-BE49-F238E27FC236}">
+                <a16:creationId xmlns:a16="http://schemas.microsoft.com/office/drawing/2014/main" id="{4E9A171F-91A7-42F8-B25C-E38B244E757C}"/>
+              </a:ext>
+              <a:ext uri="{C183D7F6-B498-43B3-948B-1728B52AA6E4}">
+                <adec:decorative xmlns:adec="http://schemas.microsoft.com/office/drawing/2017/decorative" val="1"/>
+              </a:ext>
+            </a:extLst>
+          </p:cNvPr>
+          <p:cNvSpPr>
+            <a:spLocks noGrp="1" noRot="1" noChangeAspect="1" noMove="1" noResize="1" noEditPoints="1" noAdjustHandles="1" noChangeArrowheads="1" noChangeShapeType="1" noTextEdit="1"/>
+          </p:cNvSpPr>
+          <p:nvPr>
+            <p:extLst>
+              <p:ext uri="{386F3935-93C4-4BCD-93E2-E3B085C9AB24}">
+                <p16:designElem xmlns:p16="http://schemas.microsoft.com/office/powerpoint/2015/main" val="1"/>
+              </p:ext>
+            </p:extLst>
+          </p:nvPr>
+        </p:nvSpPr>
+        <p:spPr>
+          <a:xfrm>
+            <a:off x="1525" y="1031500"/>
+            <a:ext cx="12188951" cy="64008"/>
           </a:xfrm>
           <a:prstGeom prst="rect">
             <a:avLst/>
@@ -15055,12 +18285,42 @@
           </a:p>
         </p:txBody>
       </p:sp>
-      <p:sp>
-        <p:nvSpPr>
-          <p:cNvPr id="30" name="Rectangle 17">
+      <p:pic>
+        <p:nvPicPr>
+          <p:cNvPr id="4" name="Picture 3">
             <a:extLst>
               <a:ext uri="{FF2B5EF4-FFF2-40B4-BE49-F238E27FC236}">
-                <a16:creationId xmlns:a16="http://schemas.microsoft.com/office/drawing/2014/main" id="{1C1079DE-42AC-4D2A-8027-2E9A51B36D7E}"/>
+                <a16:creationId xmlns:a16="http://schemas.microsoft.com/office/drawing/2014/main" id="{B67558F6-3ADF-0A89-B8E6-7277ED650E7E}"/>
+              </a:ext>
+            </a:extLst>
+          </p:cNvPr>
+          <p:cNvPicPr>
+            <a:picLocks noChangeAspect="1"/>
+          </p:cNvPicPr>
+          <p:nvPr/>
+        </p:nvPicPr>
+        <p:blipFill>
+          <a:blip r:embed="rId2"/>
+          <a:stretch>
+            <a:fillRect/>
+          </a:stretch>
+        </p:blipFill>
+        <p:spPr>
+          <a:xfrm>
+            <a:off x="643466" y="2172270"/>
+            <a:ext cx="6224713" cy="2863369"/>
+          </a:xfrm>
+          <a:prstGeom prst="rect">
+            <a:avLst/>
+          </a:prstGeom>
+        </p:spPr>
+      </p:pic>
+      <p:sp>
+        <p:nvSpPr>
+          <p:cNvPr id="204" name="Rectangle 191">
+            <a:extLst>
+              <a:ext uri="{FF2B5EF4-FFF2-40B4-BE49-F238E27FC236}">
+                <a16:creationId xmlns:a16="http://schemas.microsoft.com/office/drawing/2014/main" id="{064738AB-B6BE-4867-889A-52CE4AC8DBD0}"/>
               </a:ext>
               <a:ext uri="{C183D7F6-B498-43B3-948B-1728B52AA6E4}">
                 <adec:decorative xmlns:adec="http://schemas.microsoft.com/office/drawing/2017/decorative" val="1"/>
@@ -15080,73 +18340,8 @@
         </p:nvSpPr>
         <p:spPr>
           <a:xfrm>
-            <a:off x="9164472" y="1052464"/>
-            <a:ext cx="3027528" cy="5115151"/>
-          </a:xfrm>
-          <a:prstGeom prst="rect">
-            <a:avLst/>
-          </a:prstGeom>
-          <a:solidFill>
-            <a:schemeClr val="accent1">
-              <a:alpha val="75000"/>
-            </a:schemeClr>
-          </a:solidFill>
-          <a:ln>
-            <a:noFill/>
-          </a:ln>
-        </p:spPr>
-        <p:style>
-          <a:lnRef idx="2">
-            <a:schemeClr val="accent1">
-              <a:shade val="50000"/>
-            </a:schemeClr>
-          </a:lnRef>
-          <a:fillRef idx="1">
-            <a:schemeClr val="accent1"/>
-          </a:fillRef>
-          <a:effectRef idx="0">
-            <a:schemeClr val="accent1"/>
-          </a:effectRef>
-          <a:fontRef idx="minor">
-            <a:schemeClr val="lt1"/>
-          </a:fontRef>
-        </p:style>
-        <p:txBody>
-          <a:bodyPr rtlCol="0" anchor="ctr"/>
-          <a:lstStyle/>
-          <a:p>
-            <a:pPr algn="ctr"/>
-            <a:endParaRPr lang="en-US"/>
-          </a:p>
-        </p:txBody>
-      </p:sp>
-      <p:sp>
-        <p:nvSpPr>
-          <p:cNvPr id="31" name="Rectangle 19">
-            <a:extLst>
-              <a:ext uri="{FF2B5EF4-FFF2-40B4-BE49-F238E27FC236}">
-                <a16:creationId xmlns:a16="http://schemas.microsoft.com/office/drawing/2014/main" id="{387C5BBA-BBE2-4821-96CF-38FC49570F60}"/>
-              </a:ext>
-              <a:ext uri="{C183D7F6-B498-43B3-948B-1728B52AA6E4}">
-                <adec:decorative xmlns:adec="http://schemas.microsoft.com/office/drawing/2017/decorative" val="1"/>
-              </a:ext>
-            </a:extLst>
-          </p:cNvPr>
-          <p:cNvSpPr>
-            <a:spLocks noGrp="1" noRot="1" noChangeAspect="1" noMove="1" noResize="1" noEditPoints="1" noAdjustHandles="1" noChangeArrowheads="1" noChangeShapeType="1" noTextEdit="1"/>
-          </p:cNvSpPr>
-          <p:nvPr>
-            <p:extLst>
-              <p:ext uri="{386F3935-93C4-4BCD-93E2-E3B085C9AB24}">
-                <p16:designElem xmlns:p16="http://schemas.microsoft.com/office/powerpoint/2015/main" val="1"/>
-              </p:ext>
-            </p:extLst>
-          </p:nvPr>
-        </p:nvSpPr>
-        <p:spPr>
-          <a:xfrm>
-            <a:off x="1525" y="1031500"/>
-            <a:ext cx="12188951" cy="64008"/>
+            <a:off x="7585467" y="1095508"/>
+            <a:ext cx="4606533" cy="5016893"/>
           </a:xfrm>
           <a:prstGeom prst="rect">
             <a:avLst/>
@@ -15185,10 +18380,10 @@
       </p:sp>
       <p:sp>
         <p:nvSpPr>
-          <p:cNvPr id="3" name="Content Placeholder 2">
+          <p:cNvPr id="2" name="Title 1">
             <a:extLst>
               <a:ext uri="{FF2B5EF4-FFF2-40B4-BE49-F238E27FC236}">
-                <a16:creationId xmlns:a16="http://schemas.microsoft.com/office/drawing/2014/main" id="{9F8BB0F1-FACF-837A-6407-17797770D295}"/>
+                <a16:creationId xmlns:a16="http://schemas.microsoft.com/office/drawing/2014/main" id="{1E667144-1EA0-6DA5-17BA-8248DFEDF647}"/>
               </a:ext>
             </a:extLst>
           </p:cNvPr>
@@ -15196,85 +18391,48 @@
             <a:spLocks noGrp="1"/>
           </p:cNvSpPr>
           <p:nvPr>
-            <p:ph idx="1"/>
+            <p:ph type="title"/>
           </p:nvPr>
         </p:nvSpPr>
         <p:spPr>
           <a:xfrm>
-            <a:off x="787179" y="2743995"/>
-            <a:ext cx="7610536" cy="3030599"/>
-          </a:xfrm>
-        </p:spPr>
-        <p:txBody>
-          <a:bodyPr anchor="t">
+            <a:off x="7973503" y="1709530"/>
+            <a:ext cx="3754671" cy="2528515"/>
+          </a:xfrm>
+        </p:spPr>
+        <p:txBody>
+          <a:bodyPr vert="horz" lIns="109728" tIns="109728" rIns="109728" bIns="91440" rtlCol="0" anchor="b">
             <a:normAutofit/>
           </a:bodyPr>
           <a:lstStyle/>
           <a:p>
-            <a:pPr marL="285750" indent="-285750">
-              <a:buFont typeface="Arial" panose="020B0604020202020204" pitchFamily="34" charset="0"/>
-              <a:buChar char="•"/>
+            <a:pPr>
+              <a:lnSpc>
+                <a:spcPct val="125000"/>
+              </a:lnSpc>
             </a:pPr>
             <a:r>
-              <a:rPr lang="en-GB" dirty="0"/>
-              <a:t>React.js</a:t>
+              <a:rPr lang="en-US" b="0" cap="all">
+                <a:solidFill>
+                  <a:schemeClr val="bg1"/>
+                </a:solidFill>
+              </a:rPr>
+              <a:t>Text scanner [ocr]</a:t>
             </a:r>
-          </a:p>
-          <a:p>
-            <a:pPr marL="285750" indent="-285750">
-              <a:buFont typeface="Arial" panose="020B0604020202020204" pitchFamily="34" charset="0"/>
-              <a:buChar char="•"/>
-            </a:pPr>
-            <a:r>
-              <a:rPr lang="en-GB" dirty="0"/>
-              <a:t>MERN Stack</a:t>
-            </a:r>
-          </a:p>
-          <a:p>
-            <a:pPr marL="285750" indent="-285750">
-              <a:buFont typeface="Arial" panose="020B0604020202020204" pitchFamily="34" charset="0"/>
-              <a:buChar char="•"/>
-            </a:pPr>
-            <a:r>
-              <a:rPr lang="en-GB" dirty="0"/>
-              <a:t>Tesseract OCR</a:t>
-            </a:r>
-          </a:p>
-          <a:p>
-            <a:pPr marL="285750" indent="-285750">
-              <a:buFont typeface="Arial" panose="020B0604020202020204" pitchFamily="34" charset="0"/>
-              <a:buChar char="•"/>
-            </a:pPr>
-            <a:r>
-              <a:rPr lang="en-GB" dirty="0"/>
-              <a:t>Quill.js</a:t>
-            </a:r>
-          </a:p>
-          <a:p>
-            <a:pPr marL="285750" indent="-285750">
-              <a:buFont typeface="Arial" panose="020B0604020202020204" pitchFamily="34" charset="0"/>
-              <a:buChar char="•"/>
-            </a:pPr>
-            <a:r>
-              <a:rPr lang="en-GB" dirty="0"/>
-              <a:t>Figma</a:t>
-            </a:r>
-          </a:p>
-          <a:p>
-            <a:pPr marL="285750" indent="-285750">
-              <a:buFont typeface="Arial" panose="020B0604020202020204" pitchFamily="34" charset="0"/>
-              <a:buChar char="•"/>
-            </a:pPr>
-            <a:endParaRPr lang="en-GB" dirty="0"/>
-          </a:p>
-        </p:txBody>
-      </p:sp>
-      <p:sp>
-        <p:nvSpPr>
-          <p:cNvPr id="32" name="Rectangle 21">
+            <a:endParaRPr lang="en-US" b="0" cap="all" dirty="0">
+              <a:solidFill>
+                <a:schemeClr val="bg1"/>
+              </a:solidFill>
+            </a:endParaRPr>
+          </a:p>
+        </p:txBody>
+      </p:sp>
+      <p:sp>
+        <p:nvSpPr>
+          <p:cNvPr id="205" name="Rectangle 193">
             <a:extLst>
               <a:ext uri="{FF2B5EF4-FFF2-40B4-BE49-F238E27FC236}">
-                <a16:creationId xmlns:a16="http://schemas.microsoft.com/office/drawing/2014/main" id="{73167A8C-FFEF-4D1B-8459-E2BB5C045FAE}"/>
+                <a16:creationId xmlns:a16="http://schemas.microsoft.com/office/drawing/2014/main" id="{9C969C2C-E7E3-4052-87D4-61E733EC1BBD}"/>
               </a:ext>
               <a:ext uri="{C183D7F6-B498-43B3-948B-1728B52AA6E4}">
                 <adec:decorative xmlns:adec="http://schemas.microsoft.com/office/drawing/2017/decorative" val="1"/>
@@ -15334,10 +18492,10 @@
       </p:sp>
       <p:sp>
         <p:nvSpPr>
-          <p:cNvPr id="24" name="Rectangle 23">
+          <p:cNvPr id="196" name="Rectangle 195">
             <a:extLst>
               <a:ext uri="{FF2B5EF4-FFF2-40B4-BE49-F238E27FC236}">
-                <a16:creationId xmlns:a16="http://schemas.microsoft.com/office/drawing/2014/main" id="{1CA3DFBE-30A6-4BDE-9238-14F3652B4F99}"/>
+                <a16:creationId xmlns:a16="http://schemas.microsoft.com/office/drawing/2014/main" id="{7C60369F-A41B-4D6E-8990-30E2715C5730}"/>
               </a:ext>
               <a:ext uri="{C183D7F6-B498-43B3-948B-1728B52AA6E4}">
                 <adec:decorative xmlns:adec="http://schemas.microsoft.com/office/drawing/2017/decorative" val="1"/>
@@ -15357,7 +18515,7 @@
         </p:nvSpPr>
         <p:spPr>
           <a:xfrm>
-            <a:off x="9143991" y="0"/>
+            <a:off x="7521459" y="0"/>
             <a:ext cx="64008" cy="6858000"/>
           </a:xfrm>
           <a:prstGeom prst="rect">
@@ -15398,7 +18556,7 @@
     </p:spTree>
     <p:extLst>
       <p:ext uri="{BB962C8B-B14F-4D97-AF65-F5344CB8AC3E}">
-        <p14:creationId xmlns:p14="http://schemas.microsoft.com/office/powerpoint/2010/main" val="2906010196"/>
+        <p14:creationId xmlns:p14="http://schemas.microsoft.com/office/powerpoint/2010/main" val="2432800764"/>
       </p:ext>
     </p:extLst>
   </p:cSld>
@@ -15589,4 +18747,299 @@
     </a:ext>
   </a:extLst>
 </a:theme>
+</file>
+
+<file path=ppt/theme/theme2.xml><?xml version="1.0" encoding="utf-8"?>
+<a:theme xmlns:a="http://schemas.openxmlformats.org/drawingml/2006/main" name="Office Theme">
+  <a:themeElements>
+    <a:clrScheme name="Office">
+      <a:dk1>
+        <a:sysClr val="windowText" lastClr="000000"/>
+      </a:dk1>
+      <a:lt1>
+        <a:sysClr val="window" lastClr="FFFFFF"/>
+      </a:lt1>
+      <a:dk2>
+        <a:srgbClr val="44546A"/>
+      </a:dk2>
+      <a:lt2>
+        <a:srgbClr val="E7E6E6"/>
+      </a:lt2>
+      <a:accent1>
+        <a:srgbClr val="4472C4"/>
+      </a:accent1>
+      <a:accent2>
+        <a:srgbClr val="ED7D31"/>
+      </a:accent2>
+      <a:accent3>
+        <a:srgbClr val="A5A5A5"/>
+      </a:accent3>
+      <a:accent4>
+        <a:srgbClr val="FFC000"/>
+      </a:accent4>
+      <a:accent5>
+        <a:srgbClr val="5B9BD5"/>
+      </a:accent5>
+      <a:accent6>
+        <a:srgbClr val="70AD47"/>
+      </a:accent6>
+      <a:hlink>
+        <a:srgbClr val="0563C1"/>
+      </a:hlink>
+      <a:folHlink>
+        <a:srgbClr val="954F72"/>
+      </a:folHlink>
+    </a:clrScheme>
+    <a:fontScheme name="Office">
+      <a:majorFont>
+        <a:latin typeface="Calibri Light" panose="020F0302020204030204"/>
+        <a:ea typeface=""/>
+        <a:cs typeface=""/>
+        <a:font script="Jpan" typeface="游ゴシック Light"/>
+        <a:font script="Hang" typeface="맑은 고딕"/>
+        <a:font script="Hans" typeface="等线 Light"/>
+        <a:font script="Hant" typeface="新細明體"/>
+        <a:font script="Arab" typeface="Times New Roman"/>
+        <a:font script="Hebr" typeface="Times New Roman"/>
+        <a:font script="Thai" typeface="Angsana New"/>
+        <a:font script="Ethi" typeface="Nyala"/>
+        <a:font script="Beng" typeface="Vrinda"/>
+        <a:font script="Gujr" typeface="Shruti"/>
+        <a:font script="Khmr" typeface="MoolBoran"/>
+        <a:font script="Knda" typeface="Tunga"/>
+        <a:font script="Guru" typeface="Raavi"/>
+        <a:font script="Cans" typeface="Euphemia"/>
+        <a:font script="Cher" typeface="Plantagenet Cherokee"/>
+        <a:font script="Yiii" typeface="Microsoft Yi Baiti"/>
+        <a:font script="Tibt" typeface="Microsoft Himalaya"/>
+        <a:font script="Thaa" typeface="MV Boli"/>
+        <a:font script="Deva" typeface="Mangal"/>
+        <a:font script="Telu" typeface="Gautami"/>
+        <a:font script="Taml" typeface="Latha"/>
+        <a:font script="Syrc" typeface="Estrangelo Edessa"/>
+        <a:font script="Orya" typeface="Kalinga"/>
+        <a:font script="Mlym" typeface="Kartika"/>
+        <a:font script="Laoo" typeface="DokChampa"/>
+        <a:font script="Sinh" typeface="Iskoola Pota"/>
+        <a:font script="Mong" typeface="Mongolian Baiti"/>
+        <a:font script="Viet" typeface="Times New Roman"/>
+        <a:font script="Uigh" typeface="Microsoft Uighur"/>
+        <a:font script="Geor" typeface="Sylfaen"/>
+        <a:font script="Armn" typeface="Arial"/>
+        <a:font script="Bugi" typeface="Leelawadee UI"/>
+        <a:font script="Bopo" typeface="Microsoft JhengHei"/>
+        <a:font script="Java" typeface="Javanese Text"/>
+        <a:font script="Lisu" typeface="Segoe UI"/>
+        <a:font script="Mymr" typeface="Myanmar Text"/>
+        <a:font script="Nkoo" typeface="Ebrima"/>
+        <a:font script="Olck" typeface="Nirmala UI"/>
+        <a:font script="Osma" typeface="Ebrima"/>
+        <a:font script="Phag" typeface="Phagspa"/>
+        <a:font script="Syrn" typeface="Estrangelo Edessa"/>
+        <a:font script="Syrj" typeface="Estrangelo Edessa"/>
+        <a:font script="Syre" typeface="Estrangelo Edessa"/>
+        <a:font script="Sora" typeface="Nirmala UI"/>
+        <a:font script="Tale" typeface="Microsoft Tai Le"/>
+        <a:font script="Talu" typeface="Microsoft New Tai Lue"/>
+        <a:font script="Tfng" typeface="Ebrima"/>
+      </a:majorFont>
+      <a:minorFont>
+        <a:latin typeface="Calibri" panose="020F0502020204030204"/>
+        <a:ea typeface=""/>
+        <a:cs typeface=""/>
+        <a:font script="Jpan" typeface="游ゴシック"/>
+        <a:font script="Hang" typeface="맑은 고딕"/>
+        <a:font script="Hans" typeface="等线"/>
+        <a:font script="Hant" typeface="新細明體"/>
+        <a:font script="Arab" typeface="Arial"/>
+        <a:font script="Hebr" typeface="Arial"/>
+        <a:font script="Thai" typeface="Cordia New"/>
+        <a:font script="Ethi" typeface="Nyala"/>
+        <a:font script="Beng" typeface="Vrinda"/>
+        <a:font script="Gujr" typeface="Shruti"/>
+        <a:font script="Khmr" typeface="DaunPenh"/>
+        <a:font script="Knda" typeface="Tunga"/>
+        <a:font script="Guru" typeface="Raavi"/>
+        <a:font script="Cans" typeface="Euphemia"/>
+        <a:font script="Cher" typeface="Plantagenet Cherokee"/>
+        <a:font script="Yiii" typeface="Microsoft Yi Baiti"/>
+        <a:font script="Tibt" typeface="Microsoft Himalaya"/>
+        <a:font script="Thaa" typeface="MV Boli"/>
+        <a:font script="Deva" typeface="Mangal"/>
+        <a:font script="Telu" typeface="Gautami"/>
+        <a:font script="Taml" typeface="Latha"/>
+        <a:font script="Syrc" typeface="Estrangelo Edessa"/>
+        <a:font script="Orya" typeface="Kalinga"/>
+        <a:font script="Mlym" typeface="Kartika"/>
+        <a:font script="Laoo" typeface="DokChampa"/>
+        <a:font script="Sinh" typeface="Iskoola Pota"/>
+        <a:font script="Mong" typeface="Mongolian Baiti"/>
+        <a:font script="Viet" typeface="Arial"/>
+        <a:font script="Uigh" typeface="Microsoft Uighur"/>
+        <a:font script="Geor" typeface="Sylfaen"/>
+        <a:font script="Armn" typeface="Arial"/>
+        <a:font script="Bugi" typeface="Leelawadee UI"/>
+        <a:font script="Bopo" typeface="Microsoft JhengHei"/>
+        <a:font script="Java" typeface="Javanese Text"/>
+        <a:font script="Lisu" typeface="Segoe UI"/>
+        <a:font script="Mymr" typeface="Myanmar Text"/>
+        <a:font script="Nkoo" typeface="Ebrima"/>
+        <a:font script="Olck" typeface="Nirmala UI"/>
+        <a:font script="Osma" typeface="Ebrima"/>
+        <a:font script="Phag" typeface="Phagspa"/>
+        <a:font script="Syrn" typeface="Estrangelo Edessa"/>
+        <a:font script="Syrj" typeface="Estrangelo Edessa"/>
+        <a:font script="Syre" typeface="Estrangelo Edessa"/>
+        <a:font script="Sora" typeface="Nirmala UI"/>
+        <a:font script="Tale" typeface="Microsoft Tai Le"/>
+        <a:font script="Talu" typeface="Microsoft New Tai Lue"/>
+        <a:font script="Tfng" typeface="Ebrima"/>
+      </a:minorFont>
+    </a:fontScheme>
+    <a:fmtScheme name="Office">
+      <a:fillStyleLst>
+        <a:solidFill>
+          <a:schemeClr val="phClr"/>
+        </a:solidFill>
+        <a:gradFill rotWithShape="1">
+          <a:gsLst>
+            <a:gs pos="0">
+              <a:schemeClr val="phClr">
+                <a:lumMod val="110000"/>
+                <a:satMod val="105000"/>
+                <a:tint val="67000"/>
+              </a:schemeClr>
+            </a:gs>
+            <a:gs pos="50000">
+              <a:schemeClr val="phClr">
+                <a:lumMod val="105000"/>
+                <a:satMod val="103000"/>
+                <a:tint val="73000"/>
+              </a:schemeClr>
+            </a:gs>
+            <a:gs pos="100000">
+              <a:schemeClr val="phClr">
+                <a:lumMod val="105000"/>
+                <a:satMod val="109000"/>
+                <a:tint val="81000"/>
+              </a:schemeClr>
+            </a:gs>
+          </a:gsLst>
+          <a:lin ang="5400000" scaled="0"/>
+        </a:gradFill>
+        <a:gradFill rotWithShape="1">
+          <a:gsLst>
+            <a:gs pos="0">
+              <a:schemeClr val="phClr">
+                <a:satMod val="103000"/>
+                <a:lumMod val="102000"/>
+                <a:tint val="94000"/>
+              </a:schemeClr>
+            </a:gs>
+            <a:gs pos="50000">
+              <a:schemeClr val="phClr">
+                <a:satMod val="110000"/>
+                <a:lumMod val="100000"/>
+                <a:shade val="100000"/>
+              </a:schemeClr>
+            </a:gs>
+            <a:gs pos="100000">
+              <a:schemeClr val="phClr">
+                <a:lumMod val="99000"/>
+                <a:satMod val="120000"/>
+                <a:shade val="78000"/>
+              </a:schemeClr>
+            </a:gs>
+          </a:gsLst>
+          <a:lin ang="5400000" scaled="0"/>
+        </a:gradFill>
+      </a:fillStyleLst>
+      <a:lnStyleLst>
+        <a:ln w="6350" cap="flat" cmpd="sng" algn="ctr">
+          <a:solidFill>
+            <a:schemeClr val="phClr"/>
+          </a:solidFill>
+          <a:prstDash val="solid"/>
+          <a:miter lim="800000"/>
+        </a:ln>
+        <a:ln w="12700" cap="flat" cmpd="sng" algn="ctr">
+          <a:solidFill>
+            <a:schemeClr val="phClr"/>
+          </a:solidFill>
+          <a:prstDash val="solid"/>
+          <a:miter lim="800000"/>
+        </a:ln>
+        <a:ln w="19050" cap="flat" cmpd="sng" algn="ctr">
+          <a:solidFill>
+            <a:schemeClr val="phClr"/>
+          </a:solidFill>
+          <a:prstDash val="solid"/>
+          <a:miter lim="800000"/>
+        </a:ln>
+      </a:lnStyleLst>
+      <a:effectStyleLst>
+        <a:effectStyle>
+          <a:effectLst/>
+        </a:effectStyle>
+        <a:effectStyle>
+          <a:effectLst/>
+        </a:effectStyle>
+        <a:effectStyle>
+          <a:effectLst>
+            <a:outerShdw blurRad="57150" dist="19050" dir="5400000" algn="ctr" rotWithShape="0">
+              <a:srgbClr val="000000">
+                <a:alpha val="63000"/>
+              </a:srgbClr>
+            </a:outerShdw>
+          </a:effectLst>
+        </a:effectStyle>
+      </a:effectStyleLst>
+      <a:bgFillStyleLst>
+        <a:solidFill>
+          <a:schemeClr val="phClr"/>
+        </a:solidFill>
+        <a:solidFill>
+          <a:schemeClr val="phClr">
+            <a:tint val="95000"/>
+            <a:satMod val="170000"/>
+          </a:schemeClr>
+        </a:solidFill>
+        <a:gradFill rotWithShape="1">
+          <a:gsLst>
+            <a:gs pos="0">
+              <a:schemeClr val="phClr">
+                <a:tint val="93000"/>
+                <a:satMod val="150000"/>
+                <a:shade val="98000"/>
+                <a:lumMod val="102000"/>
+              </a:schemeClr>
+            </a:gs>
+            <a:gs pos="50000">
+              <a:schemeClr val="phClr">
+                <a:tint val="98000"/>
+                <a:satMod val="130000"/>
+                <a:shade val="90000"/>
+                <a:lumMod val="103000"/>
+              </a:schemeClr>
+            </a:gs>
+            <a:gs pos="100000">
+              <a:schemeClr val="phClr">
+                <a:shade val="63000"/>
+                <a:satMod val="120000"/>
+              </a:schemeClr>
+            </a:gs>
+          </a:gsLst>
+          <a:lin ang="5400000" scaled="0"/>
+        </a:gradFill>
+      </a:bgFillStyleLst>
+    </a:fmtScheme>
+  </a:themeElements>
+  <a:objectDefaults/>
+  <a:extraClrSchemeLst/>
+  <a:extLst>
+    <a:ext uri="{05A4C25C-085E-4340-85A3-A5531E510DB2}">
+      <thm15:themeFamily xmlns:thm15="http://schemas.microsoft.com/office/thememl/2012/main" name="Office Theme" id="{62F939B6-93AF-4DB8-9C6B-D6C7DFDC589F}" vid="{4A3C46E8-61CC-4603-A589-7422A47A8E4A}"/>
+    </a:ext>
+  </a:extLst>
+</a:theme>
 </file>